--- a/Slides/Slides-06-Managing_Validation_Projects/Slides-06-Managing_Validation_Projects.pptx
+++ b/Slides/Slides-06-Managing_Validation_Projects/Slides-06-Managing_Validation_Projects.pptx
@@ -5,7 +5,7 @@
     <p:sldMasterId id="2147483673" r:id="rId4"/>
   </p:sldMasterIdLst>
   <p:notesMasterIdLst>
-    <p:notesMasterId r:id="rId23"/>
+    <p:notesMasterId r:id="rId29"/>
   </p:notesMasterIdLst>
   <p:sldIdLst>
     <p:sldId id="257" r:id="rId5"/>
@@ -17,15 +17,21 @@
     <p:sldId id="395" r:id="rId11"/>
     <p:sldId id="399" r:id="rId12"/>
     <p:sldId id="400" r:id="rId13"/>
-    <p:sldId id="402" r:id="rId14"/>
-    <p:sldId id="403" r:id="rId15"/>
-    <p:sldId id="404" r:id="rId16"/>
-    <p:sldId id="396" r:id="rId17"/>
-    <p:sldId id="397" r:id="rId18"/>
-    <p:sldId id="392" r:id="rId19"/>
-    <p:sldId id="398" r:id="rId20"/>
-    <p:sldId id="405" r:id="rId21"/>
-    <p:sldId id="330" r:id="rId22"/>
+    <p:sldId id="407" r:id="rId14"/>
+    <p:sldId id="409" r:id="rId15"/>
+    <p:sldId id="410" r:id="rId16"/>
+    <p:sldId id="408" r:id="rId17"/>
+    <p:sldId id="406" r:id="rId18"/>
+    <p:sldId id="402" r:id="rId19"/>
+    <p:sldId id="403" r:id="rId20"/>
+    <p:sldId id="404" r:id="rId21"/>
+    <p:sldId id="413" r:id="rId22"/>
+    <p:sldId id="396" r:id="rId23"/>
+    <p:sldId id="397" r:id="rId24"/>
+    <p:sldId id="392" r:id="rId25"/>
+    <p:sldId id="398" r:id="rId26"/>
+    <p:sldId id="405" r:id="rId27"/>
+    <p:sldId id="330" r:id="rId28"/>
   </p:sldIdLst>
   <p:sldSz cx="12192000" cy="6858000"/>
   <p:notesSz cx="6858000" cy="9144000"/>
@@ -162,18 +168,18 @@
   <pc:docChgLst>
     <pc:chgData name="Ellis Hughes" userId="70958ad1-f5a5-48f5-9815-bf834be6566e" providerId="ADAL" clId="{E53DD366-8EC7-4AE9-B8DD-4E98E28BB51B}"/>
     <pc:docChg chg="undo custSel addSld delSld modSld sldOrd">
-      <pc:chgData name="Ellis Hughes" userId="70958ad1-f5a5-48f5-9815-bf834be6566e" providerId="ADAL" clId="{E53DD366-8EC7-4AE9-B8DD-4E98E28BB51B}" dt="2021-10-22T20:42:42.022" v="2289" actId="255"/>
+      <pc:chgData name="Ellis Hughes" userId="70958ad1-f5a5-48f5-9815-bf834be6566e" providerId="ADAL" clId="{E53DD366-8EC7-4AE9-B8DD-4E98E28BB51B}" dt="2021-10-26T19:49:38.850" v="3947" actId="20577"/>
       <pc:docMkLst>
         <pc:docMk/>
       </pc:docMkLst>
       <pc:sldChg chg="modSp mod">
-        <pc:chgData name="Ellis Hughes" userId="70958ad1-f5a5-48f5-9815-bf834be6566e" providerId="ADAL" clId="{E53DD366-8EC7-4AE9-B8DD-4E98E28BB51B}" dt="2021-10-22T20:42:42.022" v="2289" actId="255"/>
+        <pc:chgData name="Ellis Hughes" userId="70958ad1-f5a5-48f5-9815-bf834be6566e" providerId="ADAL" clId="{E53DD366-8EC7-4AE9-B8DD-4E98E28BB51B}" dt="2021-10-25T15:16:14.096" v="3507" actId="20577"/>
         <pc:sldMkLst>
           <pc:docMk/>
           <pc:sldMk cId="1601236187" sldId="262"/>
         </pc:sldMkLst>
         <pc:spChg chg="mod">
-          <ac:chgData name="Ellis Hughes" userId="70958ad1-f5a5-48f5-9815-bf834be6566e" providerId="ADAL" clId="{E53DD366-8EC7-4AE9-B8DD-4E98E28BB51B}" dt="2021-10-22T20:42:42.022" v="2289" actId="255"/>
+          <ac:chgData name="Ellis Hughes" userId="70958ad1-f5a5-48f5-9815-bf834be6566e" providerId="ADAL" clId="{E53DD366-8EC7-4AE9-B8DD-4E98E28BB51B}" dt="2021-10-25T15:16:14.096" v="3507" actId="20577"/>
           <ac:spMkLst>
             <pc:docMk/>
             <pc:sldMk cId="1601236187" sldId="262"/>
@@ -212,13 +218,13 @@
         </pc:spChg>
       </pc:sldChg>
       <pc:sldChg chg="modSp mod modAnim">
-        <pc:chgData name="Ellis Hughes" userId="70958ad1-f5a5-48f5-9815-bf834be6566e" providerId="ADAL" clId="{E53DD366-8EC7-4AE9-B8DD-4E98E28BB51B}" dt="2021-10-22T18:51:53.660" v="751" actId="20577"/>
+        <pc:chgData name="Ellis Hughes" userId="70958ad1-f5a5-48f5-9815-bf834be6566e" providerId="ADAL" clId="{E53DD366-8EC7-4AE9-B8DD-4E98E28BB51B}" dt="2021-10-26T18:53:58.874" v="3515" actId="20577"/>
         <pc:sldMkLst>
           <pc:docMk/>
           <pc:sldMk cId="156219768" sldId="381"/>
         </pc:sldMkLst>
         <pc:spChg chg="mod">
-          <ac:chgData name="Ellis Hughes" userId="70958ad1-f5a5-48f5-9815-bf834be6566e" providerId="ADAL" clId="{E53DD366-8EC7-4AE9-B8DD-4E98E28BB51B}" dt="2021-10-22T18:51:53.660" v="751" actId="20577"/>
+          <ac:chgData name="Ellis Hughes" userId="70958ad1-f5a5-48f5-9815-bf834be6566e" providerId="ADAL" clId="{E53DD366-8EC7-4AE9-B8DD-4E98E28BB51B}" dt="2021-10-26T18:53:58.874" v="3515" actId="20577"/>
           <ac:spMkLst>
             <pc:docMk/>
             <pc:sldMk cId="156219768" sldId="381"/>
@@ -397,13 +403,13 @@
         </pc:picChg>
       </pc:sldChg>
       <pc:sldChg chg="modSp mod">
-        <pc:chgData name="Ellis Hughes" userId="70958ad1-f5a5-48f5-9815-bf834be6566e" providerId="ADAL" clId="{E53DD366-8EC7-4AE9-B8DD-4E98E28BB51B}" dt="2021-10-22T19:01:56.504" v="969" actId="313"/>
+        <pc:chgData name="Ellis Hughes" userId="70958ad1-f5a5-48f5-9815-bf834be6566e" providerId="ADAL" clId="{E53DD366-8EC7-4AE9-B8DD-4E98E28BB51B}" dt="2021-10-25T14:38:14.860" v="2839" actId="20577"/>
         <pc:sldMkLst>
           <pc:docMk/>
           <pc:sldMk cId="3716104895" sldId="399"/>
         </pc:sldMkLst>
         <pc:spChg chg="mod">
-          <ac:chgData name="Ellis Hughes" userId="70958ad1-f5a5-48f5-9815-bf834be6566e" providerId="ADAL" clId="{E53DD366-8EC7-4AE9-B8DD-4E98E28BB51B}" dt="2021-10-22T19:01:56.504" v="969" actId="313"/>
+          <ac:chgData name="Ellis Hughes" userId="70958ad1-f5a5-48f5-9815-bf834be6566e" providerId="ADAL" clId="{E53DD366-8EC7-4AE9-B8DD-4E98E28BB51B}" dt="2021-10-25T14:38:14.860" v="2839" actId="20577"/>
           <ac:spMkLst>
             <pc:docMk/>
             <pc:sldMk cId="3716104895" sldId="399"/>
@@ -412,13 +418,13 @@
         </pc:spChg>
       </pc:sldChg>
       <pc:sldChg chg="modSp mod">
-        <pc:chgData name="Ellis Hughes" userId="70958ad1-f5a5-48f5-9815-bf834be6566e" providerId="ADAL" clId="{E53DD366-8EC7-4AE9-B8DD-4E98E28BB51B}" dt="2021-10-22T19:55:06.534" v="1343" actId="20577"/>
+        <pc:chgData name="Ellis Hughes" userId="70958ad1-f5a5-48f5-9815-bf834be6566e" providerId="ADAL" clId="{E53DD366-8EC7-4AE9-B8DD-4E98E28BB51B}" dt="2021-10-26T18:54:37.795" v="3565" actId="6549"/>
         <pc:sldMkLst>
           <pc:docMk/>
           <pc:sldMk cId="47551942" sldId="400"/>
         </pc:sldMkLst>
         <pc:spChg chg="mod">
-          <ac:chgData name="Ellis Hughes" userId="70958ad1-f5a5-48f5-9815-bf834be6566e" providerId="ADAL" clId="{E53DD366-8EC7-4AE9-B8DD-4E98E28BB51B}" dt="2021-10-22T19:55:06.534" v="1343" actId="20577"/>
+          <ac:chgData name="Ellis Hughes" userId="70958ad1-f5a5-48f5-9815-bf834be6566e" providerId="ADAL" clId="{E53DD366-8EC7-4AE9-B8DD-4E98E28BB51B}" dt="2021-10-26T18:54:37.795" v="3565" actId="6549"/>
           <ac:spMkLst>
             <pc:docMk/>
             <pc:sldMk cId="47551942" sldId="400"/>
@@ -426,7 +432,7 @@
           </ac:spMkLst>
         </pc:spChg>
         <pc:spChg chg="mod">
-          <ac:chgData name="Ellis Hughes" userId="70958ad1-f5a5-48f5-9815-bf834be6566e" providerId="ADAL" clId="{E53DD366-8EC7-4AE9-B8DD-4E98E28BB51B}" dt="2021-10-22T19:54:25.220" v="1211" actId="20577"/>
+          <ac:chgData name="Ellis Hughes" userId="70958ad1-f5a5-48f5-9815-bf834be6566e" providerId="ADAL" clId="{E53DD366-8EC7-4AE9-B8DD-4E98E28BB51B}" dt="2021-10-25T14:30:41.681" v="2351" actId="20577"/>
           <ac:spMkLst>
             <pc:docMk/>
             <pc:sldMk cId="47551942" sldId="400"/>
@@ -442,13 +448,13 @@
         </pc:sldMkLst>
       </pc:sldChg>
       <pc:sldChg chg="addSp delSp modSp add mod ord modAnim">
-        <pc:chgData name="Ellis Hughes" userId="70958ad1-f5a5-48f5-9815-bf834be6566e" providerId="ADAL" clId="{E53DD366-8EC7-4AE9-B8DD-4E98E28BB51B}" dt="2021-10-22T19:04:24.292" v="1119" actId="20577"/>
+        <pc:chgData name="Ellis Hughes" userId="70958ad1-f5a5-48f5-9815-bf834be6566e" providerId="ADAL" clId="{E53DD366-8EC7-4AE9-B8DD-4E98E28BB51B}" dt="2021-10-26T18:53:45.585" v="3514" actId="14100"/>
         <pc:sldMkLst>
           <pc:docMk/>
           <pc:sldMk cId="1313002291" sldId="401"/>
         </pc:sldMkLst>
         <pc:spChg chg="mod">
-          <ac:chgData name="Ellis Hughes" userId="70958ad1-f5a5-48f5-9815-bf834be6566e" providerId="ADAL" clId="{E53DD366-8EC7-4AE9-B8DD-4E98E28BB51B}" dt="2021-10-22T19:04:24.292" v="1119" actId="20577"/>
+          <ac:chgData name="Ellis Hughes" userId="70958ad1-f5a5-48f5-9815-bf834be6566e" providerId="ADAL" clId="{E53DD366-8EC7-4AE9-B8DD-4E98E28BB51B}" dt="2021-10-26T18:53:43.264" v="3513" actId="1076"/>
           <ac:spMkLst>
             <pc:docMk/>
             <pc:sldMk cId="1313002291" sldId="401"/>
@@ -472,7 +478,7 @@
           </ac:picMkLst>
         </pc:picChg>
         <pc:picChg chg="add mod">
-          <ac:chgData name="Ellis Hughes" userId="70958ad1-f5a5-48f5-9815-bf834be6566e" providerId="ADAL" clId="{E53DD366-8EC7-4AE9-B8DD-4E98E28BB51B}" dt="2021-10-22T19:04:20.401" v="1117" actId="1076"/>
+          <ac:chgData name="Ellis Hughes" userId="70958ad1-f5a5-48f5-9815-bf834be6566e" providerId="ADAL" clId="{E53DD366-8EC7-4AE9-B8DD-4E98E28BB51B}" dt="2021-10-26T18:53:45.585" v="3514" actId="14100"/>
           <ac:picMkLst>
             <pc:docMk/>
             <pc:sldMk cId="1313002291" sldId="401"/>
@@ -503,8 +509,8 @@
           </ac:spMkLst>
         </pc:spChg>
       </pc:sldChg>
-      <pc:sldChg chg="modSp add mod">
-        <pc:chgData name="Ellis Hughes" userId="70958ad1-f5a5-48f5-9815-bf834be6566e" providerId="ADAL" clId="{E53DD366-8EC7-4AE9-B8DD-4E98E28BB51B}" dt="2021-10-22T20:28:46.087" v="1944" actId="20577"/>
+      <pc:sldChg chg="addSp modSp add mod">
+        <pc:chgData name="Ellis Hughes" userId="70958ad1-f5a5-48f5-9815-bf834be6566e" providerId="ADAL" clId="{E53DD366-8EC7-4AE9-B8DD-4E98E28BB51B}" dt="2021-10-25T15:08:13.857" v="3471" actId="1076"/>
         <pc:sldMkLst>
           <pc:docMk/>
           <pc:sldMk cId="3785140488" sldId="403"/>
@@ -517,9 +523,17 @@
             <ac:spMk id="2" creationId="{7D7427A6-1030-45CE-92A8-5212E0F721D8}"/>
           </ac:spMkLst>
         </pc:spChg>
+        <pc:picChg chg="add mod">
+          <ac:chgData name="Ellis Hughes" userId="70958ad1-f5a5-48f5-9815-bf834be6566e" providerId="ADAL" clId="{E53DD366-8EC7-4AE9-B8DD-4E98E28BB51B}" dt="2021-10-25T15:08:13.857" v="3471" actId="1076"/>
+          <ac:picMkLst>
+            <pc:docMk/>
+            <pc:sldMk cId="3785140488" sldId="403"/>
+            <ac:picMk id="3" creationId="{754AFF4A-5F49-4C44-BC5B-54D88CF639A7}"/>
+          </ac:picMkLst>
+        </pc:picChg>
       </pc:sldChg>
-      <pc:sldChg chg="modSp add mod">
-        <pc:chgData name="Ellis Hughes" userId="70958ad1-f5a5-48f5-9815-bf834be6566e" providerId="ADAL" clId="{E53DD366-8EC7-4AE9-B8DD-4E98E28BB51B}" dt="2021-10-22T20:40:43.398" v="2168" actId="20577"/>
+      <pc:sldChg chg="addSp delSp modSp add del mod">
+        <pc:chgData name="Ellis Hughes" userId="70958ad1-f5a5-48f5-9815-bf834be6566e" providerId="ADAL" clId="{E53DD366-8EC7-4AE9-B8DD-4E98E28BB51B}" dt="2021-10-26T19:43:19.896" v="3717" actId="47"/>
         <pc:sldMkLst>
           <pc:docMk/>
           <pc:sldMk cId="1263296597" sldId="404"/>
@@ -532,6 +546,46 @@
             <ac:spMk id="2" creationId="{7D7427A6-1030-45CE-92A8-5212E0F721D8}"/>
           </ac:spMkLst>
         </pc:spChg>
+        <pc:picChg chg="add del mod">
+          <ac:chgData name="Ellis Hughes" userId="70958ad1-f5a5-48f5-9815-bf834be6566e" providerId="ADAL" clId="{E53DD366-8EC7-4AE9-B8DD-4E98E28BB51B}" dt="2021-10-26T19:41:46.084" v="3667" actId="478"/>
+          <ac:picMkLst>
+            <pc:docMk/>
+            <pc:sldMk cId="1263296597" sldId="404"/>
+            <ac:picMk id="3" creationId="{3A94D3A1-C7B4-468E-8F5D-C08CBC774B00}"/>
+          </ac:picMkLst>
+        </pc:picChg>
+        <pc:picChg chg="add del mod">
+          <ac:chgData name="Ellis Hughes" userId="70958ad1-f5a5-48f5-9815-bf834be6566e" providerId="ADAL" clId="{E53DD366-8EC7-4AE9-B8DD-4E98E28BB51B}" dt="2021-10-25T15:15:00.914" v="3476" actId="478"/>
+          <ac:picMkLst>
+            <pc:docMk/>
+            <pc:sldMk cId="1263296597" sldId="404"/>
+            <ac:picMk id="4" creationId="{0B35F9EB-7E12-42C6-B936-3C1AECA57475}"/>
+          </ac:picMkLst>
+        </pc:picChg>
+        <pc:picChg chg="add del">
+          <ac:chgData name="Ellis Hughes" userId="70958ad1-f5a5-48f5-9815-bf834be6566e" providerId="ADAL" clId="{E53DD366-8EC7-4AE9-B8DD-4E98E28BB51B}" dt="2021-10-26T19:41:40.482" v="3664"/>
+          <ac:picMkLst>
+            <pc:docMk/>
+            <pc:sldMk cId="1263296597" sldId="404"/>
+            <ac:picMk id="4" creationId="{6A8A8294-3CEF-4E0F-83EB-90F1D784401B}"/>
+          </ac:picMkLst>
+        </pc:picChg>
+        <pc:picChg chg="add mod">
+          <ac:chgData name="Ellis Hughes" userId="70958ad1-f5a5-48f5-9815-bf834be6566e" providerId="ADAL" clId="{E53DD366-8EC7-4AE9-B8DD-4E98E28BB51B}" dt="2021-10-25T15:15:03.638" v="3478" actId="1076"/>
+          <ac:picMkLst>
+            <pc:docMk/>
+            <pc:sldMk cId="1263296597" sldId="404"/>
+            <ac:picMk id="5" creationId="{4015D8A4-EF97-4B62-BA83-24F697166C18}"/>
+          </ac:picMkLst>
+        </pc:picChg>
+        <pc:picChg chg="add mod">
+          <ac:chgData name="Ellis Hughes" userId="70958ad1-f5a5-48f5-9815-bf834be6566e" providerId="ADAL" clId="{E53DD366-8EC7-4AE9-B8DD-4E98E28BB51B}" dt="2021-10-26T19:41:50.217" v="3669" actId="14100"/>
+          <ac:picMkLst>
+            <pc:docMk/>
+            <pc:sldMk cId="1263296597" sldId="404"/>
+            <ac:picMk id="6" creationId="{9F38E71E-6C87-4D5A-879C-911CDC946B81}"/>
+          </ac:picMkLst>
+        </pc:picChg>
       </pc:sldChg>
       <pc:sldChg chg="modSp add mod">
         <pc:chgData name="Ellis Hughes" userId="70958ad1-f5a5-48f5-9815-bf834be6566e" providerId="ADAL" clId="{E53DD366-8EC7-4AE9-B8DD-4E98E28BB51B}" dt="2021-10-22T20:42:04.288" v="2284" actId="20577"/>
@@ -555,6 +609,750 @@
             <ac:spMk id="8" creationId="{6A34AC25-F9D4-48D7-A664-C590D06BF559}"/>
           </ac:spMkLst>
         </pc:spChg>
+      </pc:sldChg>
+      <pc:sldChg chg="add">
+        <pc:chgData name="Ellis Hughes" userId="70958ad1-f5a5-48f5-9815-bf834be6566e" providerId="ADAL" clId="{E53DD366-8EC7-4AE9-B8DD-4E98E28BB51B}" dt="2021-10-25T14:30:31.117" v="2325"/>
+        <pc:sldMkLst>
+          <pc:docMk/>
+          <pc:sldMk cId="3821056105" sldId="406"/>
+        </pc:sldMkLst>
+      </pc:sldChg>
+      <pc:sldChg chg="addSp delSp modSp add mod">
+        <pc:chgData name="Ellis Hughes" userId="70958ad1-f5a5-48f5-9815-bf834be6566e" providerId="ADAL" clId="{E53DD366-8EC7-4AE9-B8DD-4E98E28BB51B}" dt="2021-10-26T18:56:02.590" v="3588" actId="14100"/>
+        <pc:sldMkLst>
+          <pc:docMk/>
+          <pc:sldMk cId="430117980" sldId="407"/>
+        </pc:sldMkLst>
+        <pc:spChg chg="del">
+          <ac:chgData name="Ellis Hughes" userId="70958ad1-f5a5-48f5-9815-bf834be6566e" providerId="ADAL" clId="{E53DD366-8EC7-4AE9-B8DD-4E98E28BB51B}" dt="2021-10-25T14:32:13.577" v="2592" actId="478"/>
+          <ac:spMkLst>
+            <pc:docMk/>
+            <pc:sldMk cId="430117980" sldId="407"/>
+            <ac:spMk id="2" creationId="{7D7427A6-1030-45CE-92A8-5212E0F721D8}"/>
+          </ac:spMkLst>
+        </pc:spChg>
+        <pc:spChg chg="add mod">
+          <ac:chgData name="Ellis Hughes" userId="70958ad1-f5a5-48f5-9815-bf834be6566e" providerId="ADAL" clId="{E53DD366-8EC7-4AE9-B8DD-4E98E28BB51B}" dt="2021-10-25T14:32:50.154" v="2616" actId="14100"/>
+          <ac:spMkLst>
+            <pc:docMk/>
+            <pc:sldMk cId="430117980" sldId="407"/>
+            <ac:spMk id="3" creationId="{E8CC6C66-6F5E-46BF-972E-AF15E6DD18D0}"/>
+          </ac:spMkLst>
+        </pc:spChg>
+        <pc:spChg chg="add del mod">
+          <ac:chgData name="Ellis Hughes" userId="70958ad1-f5a5-48f5-9815-bf834be6566e" providerId="ADAL" clId="{E53DD366-8EC7-4AE9-B8DD-4E98E28BB51B}" dt="2021-10-25T14:32:15.534" v="2593" actId="478"/>
+          <ac:spMkLst>
+            <pc:docMk/>
+            <pc:sldMk cId="430117980" sldId="407"/>
+            <ac:spMk id="5" creationId="{F791790A-5731-4DFE-8DC6-3336F92A8E42}"/>
+          </ac:spMkLst>
+        </pc:spChg>
+        <pc:spChg chg="add mod">
+          <ac:chgData name="Ellis Hughes" userId="70958ad1-f5a5-48f5-9815-bf834be6566e" providerId="ADAL" clId="{E53DD366-8EC7-4AE9-B8DD-4E98E28BB51B}" dt="2021-10-25T14:32:50.154" v="2616" actId="14100"/>
+          <ac:spMkLst>
+            <pc:docMk/>
+            <pc:sldMk cId="430117980" sldId="407"/>
+            <ac:spMk id="7" creationId="{F09F9528-97AF-46BD-A42E-120300848722}"/>
+          </ac:spMkLst>
+        </pc:spChg>
+        <pc:spChg chg="add mod">
+          <ac:chgData name="Ellis Hughes" userId="70958ad1-f5a5-48f5-9815-bf834be6566e" providerId="ADAL" clId="{E53DD366-8EC7-4AE9-B8DD-4E98E28BB51B}" dt="2021-10-25T14:32:50.154" v="2616" actId="14100"/>
+          <ac:spMkLst>
+            <pc:docMk/>
+            <pc:sldMk cId="430117980" sldId="407"/>
+            <ac:spMk id="9" creationId="{7F7F4FCB-A11B-4893-A8DC-57044090D74B}"/>
+          </ac:spMkLst>
+        </pc:spChg>
+        <pc:spChg chg="add del mod">
+          <ac:chgData name="Ellis Hughes" userId="70958ad1-f5a5-48f5-9815-bf834be6566e" providerId="ADAL" clId="{E53DD366-8EC7-4AE9-B8DD-4E98E28BB51B}" dt="2021-10-26T18:54:47.253" v="3566" actId="478"/>
+          <ac:spMkLst>
+            <pc:docMk/>
+            <pc:sldMk cId="430117980" sldId="407"/>
+            <ac:spMk id="10" creationId="{B8C78C56-4D09-4459-AA7C-43A573DBF21B}"/>
+          </ac:spMkLst>
+        </pc:spChg>
+        <pc:spChg chg="add del mod">
+          <ac:chgData name="Ellis Hughes" userId="70958ad1-f5a5-48f5-9815-bf834be6566e" providerId="ADAL" clId="{E53DD366-8EC7-4AE9-B8DD-4E98E28BB51B}" dt="2021-10-26T18:54:48.510" v="3567" actId="478"/>
+          <ac:spMkLst>
+            <pc:docMk/>
+            <pc:sldMk cId="430117980" sldId="407"/>
+            <ac:spMk id="11" creationId="{85DEE361-891A-48B9-9B7E-9FE0F9DFFED1}"/>
+          </ac:spMkLst>
+        </pc:spChg>
+        <pc:spChg chg="add del mod">
+          <ac:chgData name="Ellis Hughes" userId="70958ad1-f5a5-48f5-9815-bf834be6566e" providerId="ADAL" clId="{E53DD366-8EC7-4AE9-B8DD-4E98E28BB51B}" dt="2021-10-26T18:54:49.750" v="3568" actId="478"/>
+          <ac:spMkLst>
+            <pc:docMk/>
+            <pc:sldMk cId="430117980" sldId="407"/>
+            <ac:spMk id="12" creationId="{3B1B2EC8-F1A7-45B6-8908-8748C2C8A614}"/>
+          </ac:spMkLst>
+        </pc:spChg>
+        <pc:spChg chg="add mod">
+          <ac:chgData name="Ellis Hughes" userId="70958ad1-f5a5-48f5-9815-bf834be6566e" providerId="ADAL" clId="{E53DD366-8EC7-4AE9-B8DD-4E98E28BB51B}" dt="2021-10-26T18:55:54.652" v="3586" actId="1076"/>
+          <ac:spMkLst>
+            <pc:docMk/>
+            <pc:sldMk cId="430117980" sldId="407"/>
+            <ac:spMk id="13" creationId="{28DA3B2A-BDAE-4795-A1ED-337B3B75151D}"/>
+          </ac:spMkLst>
+        </pc:spChg>
+        <pc:spChg chg="add mod">
+          <ac:chgData name="Ellis Hughes" userId="70958ad1-f5a5-48f5-9815-bf834be6566e" providerId="ADAL" clId="{E53DD366-8EC7-4AE9-B8DD-4E98E28BB51B}" dt="2021-10-26T18:55:54.652" v="3586" actId="1076"/>
+          <ac:spMkLst>
+            <pc:docMk/>
+            <pc:sldMk cId="430117980" sldId="407"/>
+            <ac:spMk id="14" creationId="{BE63E247-0BED-4476-8B64-E7F0E4919D38}"/>
+          </ac:spMkLst>
+        </pc:spChg>
+        <pc:spChg chg="add mod">
+          <ac:chgData name="Ellis Hughes" userId="70958ad1-f5a5-48f5-9815-bf834be6566e" providerId="ADAL" clId="{E53DD366-8EC7-4AE9-B8DD-4E98E28BB51B}" dt="2021-10-26T18:55:54.652" v="3586" actId="1076"/>
+          <ac:spMkLst>
+            <pc:docMk/>
+            <pc:sldMk cId="430117980" sldId="407"/>
+            <ac:spMk id="15" creationId="{B1FA705B-AF2A-448C-994A-D175C1F5A048}"/>
+          </ac:spMkLst>
+        </pc:spChg>
+        <pc:spChg chg="add mod">
+          <ac:chgData name="Ellis Hughes" userId="70958ad1-f5a5-48f5-9815-bf834be6566e" providerId="ADAL" clId="{E53DD366-8EC7-4AE9-B8DD-4E98E28BB51B}" dt="2021-10-26T18:55:54.652" v="3586" actId="1076"/>
+          <ac:spMkLst>
+            <pc:docMk/>
+            <pc:sldMk cId="430117980" sldId="407"/>
+            <ac:spMk id="16" creationId="{6A5988EC-BB65-4B24-8434-85C210A26D18}"/>
+          </ac:spMkLst>
+        </pc:spChg>
+        <pc:spChg chg="add mod">
+          <ac:chgData name="Ellis Hughes" userId="70958ad1-f5a5-48f5-9815-bf834be6566e" providerId="ADAL" clId="{E53DD366-8EC7-4AE9-B8DD-4E98E28BB51B}" dt="2021-10-26T18:55:54.652" v="3586" actId="1076"/>
+          <ac:spMkLst>
+            <pc:docMk/>
+            <pc:sldMk cId="430117980" sldId="407"/>
+            <ac:spMk id="17" creationId="{780EAF2B-19EC-4122-BCBF-38B98B581AEC}"/>
+          </ac:spMkLst>
+        </pc:spChg>
+        <pc:spChg chg="add mod">
+          <ac:chgData name="Ellis Hughes" userId="70958ad1-f5a5-48f5-9815-bf834be6566e" providerId="ADAL" clId="{E53DD366-8EC7-4AE9-B8DD-4E98E28BB51B}" dt="2021-10-26T18:55:54.652" v="3586" actId="1076"/>
+          <ac:spMkLst>
+            <pc:docMk/>
+            <pc:sldMk cId="430117980" sldId="407"/>
+            <ac:spMk id="18" creationId="{00A0FFD5-47EA-4B4F-BD7A-501501760DAD}"/>
+          </ac:spMkLst>
+        </pc:spChg>
+        <pc:spChg chg="add mod">
+          <ac:chgData name="Ellis Hughes" userId="70958ad1-f5a5-48f5-9815-bf834be6566e" providerId="ADAL" clId="{E53DD366-8EC7-4AE9-B8DD-4E98E28BB51B}" dt="2021-10-26T18:55:54.652" v="3586" actId="1076"/>
+          <ac:spMkLst>
+            <pc:docMk/>
+            <pc:sldMk cId="430117980" sldId="407"/>
+            <ac:spMk id="19" creationId="{C29BF83C-A09C-4C13-BA13-B5ECD47FB6BA}"/>
+          </ac:spMkLst>
+        </pc:spChg>
+        <pc:spChg chg="add mod">
+          <ac:chgData name="Ellis Hughes" userId="70958ad1-f5a5-48f5-9815-bf834be6566e" providerId="ADAL" clId="{E53DD366-8EC7-4AE9-B8DD-4E98E28BB51B}" dt="2021-10-25T14:37:33.339" v="2781" actId="1076"/>
+          <ac:spMkLst>
+            <pc:docMk/>
+            <pc:sldMk cId="430117980" sldId="407"/>
+            <ac:spMk id="20" creationId="{F2CDF495-9829-406F-AB10-4BFF2AF6D0DB}"/>
+          </ac:spMkLst>
+        </pc:spChg>
+        <pc:spChg chg="add del mod">
+          <ac:chgData name="Ellis Hughes" userId="70958ad1-f5a5-48f5-9815-bf834be6566e" providerId="ADAL" clId="{E53DD366-8EC7-4AE9-B8DD-4E98E28BB51B}" dt="2021-10-25T14:34:55.093" v="2737" actId="478"/>
+          <ac:spMkLst>
+            <pc:docMk/>
+            <pc:sldMk cId="430117980" sldId="407"/>
+            <ac:spMk id="21" creationId="{34748BD7-49BB-4821-AC1A-3D07506CA488}"/>
+          </ac:spMkLst>
+        </pc:spChg>
+        <pc:spChg chg="add mod">
+          <ac:chgData name="Ellis Hughes" userId="70958ad1-f5a5-48f5-9815-bf834be6566e" providerId="ADAL" clId="{E53DD366-8EC7-4AE9-B8DD-4E98E28BB51B}" dt="2021-10-26T18:55:57.431" v="3587" actId="14100"/>
+          <ac:spMkLst>
+            <pc:docMk/>
+            <pc:sldMk cId="430117980" sldId="407"/>
+            <ac:spMk id="27" creationId="{2C75A948-4871-49C0-8E09-918C29BE2F58}"/>
+          </ac:spMkLst>
+        </pc:spChg>
+        <pc:spChg chg="add mod">
+          <ac:chgData name="Ellis Hughes" userId="70958ad1-f5a5-48f5-9815-bf834be6566e" providerId="ADAL" clId="{E53DD366-8EC7-4AE9-B8DD-4E98E28BB51B}" dt="2021-10-26T18:55:54.652" v="3586" actId="1076"/>
+          <ac:spMkLst>
+            <pc:docMk/>
+            <pc:sldMk cId="430117980" sldId="407"/>
+            <ac:spMk id="31" creationId="{E0288D25-1DA8-45E2-B951-8F548FCAB881}"/>
+          </ac:spMkLst>
+        </pc:spChg>
+        <pc:spChg chg="add mod">
+          <ac:chgData name="Ellis Hughes" userId="70958ad1-f5a5-48f5-9815-bf834be6566e" providerId="ADAL" clId="{E53DD366-8EC7-4AE9-B8DD-4E98E28BB51B}" dt="2021-10-26T18:55:54.652" v="3586" actId="1076"/>
+          <ac:spMkLst>
+            <pc:docMk/>
+            <pc:sldMk cId="430117980" sldId="407"/>
+            <ac:spMk id="32" creationId="{F1670A47-41C2-46AE-9A60-1A592FBC2429}"/>
+          </ac:spMkLst>
+        </pc:spChg>
+        <pc:cxnChg chg="add mod">
+          <ac:chgData name="Ellis Hughes" userId="70958ad1-f5a5-48f5-9815-bf834be6566e" providerId="ADAL" clId="{E53DD366-8EC7-4AE9-B8DD-4E98E28BB51B}" dt="2021-10-26T18:55:54.652" v="3586" actId="1076"/>
+          <ac:cxnSpMkLst>
+            <pc:docMk/>
+            <pc:sldMk cId="430117980" sldId="407"/>
+            <ac:cxnSpMk id="22" creationId="{38C53C21-4612-4E8E-AD30-F1AFF85C10E5}"/>
+          </ac:cxnSpMkLst>
+        </pc:cxnChg>
+        <pc:cxnChg chg="add del mod">
+          <ac:chgData name="Ellis Hughes" userId="70958ad1-f5a5-48f5-9815-bf834be6566e" providerId="ADAL" clId="{E53DD366-8EC7-4AE9-B8DD-4E98E28BB51B}" dt="2021-10-26T18:54:50.557" v="3569" actId="478"/>
+          <ac:cxnSpMkLst>
+            <pc:docMk/>
+            <pc:sldMk cId="430117980" sldId="407"/>
+            <ac:cxnSpMk id="25" creationId="{3B1A633E-4628-4B0D-8658-2EF03EB207AA}"/>
+          </ac:cxnSpMkLst>
+        </pc:cxnChg>
+        <pc:cxnChg chg="add mod">
+          <ac:chgData name="Ellis Hughes" userId="70958ad1-f5a5-48f5-9815-bf834be6566e" providerId="ADAL" clId="{E53DD366-8EC7-4AE9-B8DD-4E98E28BB51B}" dt="2021-10-26T18:55:54.652" v="3586" actId="1076"/>
+          <ac:cxnSpMkLst>
+            <pc:docMk/>
+            <pc:sldMk cId="430117980" sldId="407"/>
+            <ac:cxnSpMk id="30" creationId="{6E4FAAC7-91AB-483E-B4D7-0CC97FA49A32}"/>
+          </ac:cxnSpMkLst>
+        </pc:cxnChg>
+        <pc:cxnChg chg="add mod">
+          <ac:chgData name="Ellis Hughes" userId="70958ad1-f5a5-48f5-9815-bf834be6566e" providerId="ADAL" clId="{E53DD366-8EC7-4AE9-B8DD-4E98E28BB51B}" dt="2021-10-26T18:55:54.652" v="3586" actId="1076"/>
+          <ac:cxnSpMkLst>
+            <pc:docMk/>
+            <pc:sldMk cId="430117980" sldId="407"/>
+            <ac:cxnSpMk id="35" creationId="{29DA4205-3820-4AF7-809A-09222324EB25}"/>
+          </ac:cxnSpMkLst>
+        </pc:cxnChg>
+        <pc:cxnChg chg="add mod">
+          <ac:chgData name="Ellis Hughes" userId="70958ad1-f5a5-48f5-9815-bf834be6566e" providerId="ADAL" clId="{E53DD366-8EC7-4AE9-B8DD-4E98E28BB51B}" dt="2021-10-26T18:56:02.590" v="3588" actId="14100"/>
+          <ac:cxnSpMkLst>
+            <pc:docMk/>
+            <pc:sldMk cId="430117980" sldId="407"/>
+            <ac:cxnSpMk id="40" creationId="{4C0B8916-D116-4231-9816-8F8179855583}"/>
+          </ac:cxnSpMkLst>
+        </pc:cxnChg>
+      </pc:sldChg>
+      <pc:sldChg chg="add">
+        <pc:chgData name="Ellis Hughes" userId="70958ad1-f5a5-48f5-9815-bf834be6566e" providerId="ADAL" clId="{E53DD366-8EC7-4AE9-B8DD-4E98E28BB51B}" dt="2021-10-25T14:38:00.771" v="2812"/>
+        <pc:sldMkLst>
+          <pc:docMk/>
+          <pc:sldMk cId="1052588023" sldId="408"/>
+        </pc:sldMkLst>
+      </pc:sldChg>
+      <pc:sldChg chg="modSp add mod">
+        <pc:chgData name="Ellis Hughes" userId="70958ad1-f5a5-48f5-9815-bf834be6566e" providerId="ADAL" clId="{E53DD366-8EC7-4AE9-B8DD-4E98E28BB51B}" dt="2021-10-26T19:49:38.850" v="3947" actId="20577"/>
+        <pc:sldMkLst>
+          <pc:docMk/>
+          <pc:sldMk cId="2122518490" sldId="409"/>
+        </pc:sldMkLst>
+        <pc:spChg chg="mod">
+          <ac:chgData name="Ellis Hughes" userId="70958ad1-f5a5-48f5-9815-bf834be6566e" providerId="ADAL" clId="{E53DD366-8EC7-4AE9-B8DD-4E98E28BB51B}" dt="2021-10-26T19:49:38.850" v="3947" actId="20577"/>
+          <ac:spMkLst>
+            <pc:docMk/>
+            <pc:sldMk cId="2122518490" sldId="409"/>
+            <ac:spMk id="2" creationId="{7D7427A6-1030-45CE-92A8-5212E0F721D8}"/>
+          </ac:spMkLst>
+        </pc:spChg>
+      </pc:sldChg>
+      <pc:sldChg chg="addSp delSp modSp add mod">
+        <pc:chgData name="Ellis Hughes" userId="70958ad1-f5a5-48f5-9815-bf834be6566e" providerId="ADAL" clId="{E53DD366-8EC7-4AE9-B8DD-4E98E28BB51B}" dt="2021-10-26T19:39:02.036" v="3662" actId="478"/>
+        <pc:sldMkLst>
+          <pc:docMk/>
+          <pc:sldMk cId="371209954" sldId="410"/>
+        </pc:sldMkLst>
+        <pc:spChg chg="mod">
+          <ac:chgData name="Ellis Hughes" userId="70958ad1-f5a5-48f5-9815-bf834be6566e" providerId="ADAL" clId="{E53DD366-8EC7-4AE9-B8DD-4E98E28BB51B}" dt="2021-10-26T19:37:32.155" v="3635" actId="1076"/>
+          <ac:spMkLst>
+            <pc:docMk/>
+            <pc:sldMk cId="371209954" sldId="410"/>
+            <ac:spMk id="7" creationId="{F09F9528-97AF-46BD-A42E-120300848722}"/>
+          </ac:spMkLst>
+        </pc:spChg>
+        <pc:spChg chg="mod">
+          <ac:chgData name="Ellis Hughes" userId="70958ad1-f5a5-48f5-9815-bf834be6566e" providerId="ADAL" clId="{E53DD366-8EC7-4AE9-B8DD-4E98E28BB51B}" dt="2021-10-25T14:48:24.776" v="3432" actId="1076"/>
+          <ac:spMkLst>
+            <pc:docMk/>
+            <pc:sldMk cId="371209954" sldId="410"/>
+            <ac:spMk id="8" creationId="{6A34AC25-F9D4-48D7-A664-C590D06BF559}"/>
+          </ac:spMkLst>
+        </pc:spChg>
+        <pc:spChg chg="mod">
+          <ac:chgData name="Ellis Hughes" userId="70958ad1-f5a5-48f5-9815-bf834be6566e" providerId="ADAL" clId="{E53DD366-8EC7-4AE9-B8DD-4E98E28BB51B}" dt="2021-10-26T19:37:17.096" v="3631" actId="1076"/>
+          <ac:spMkLst>
+            <pc:docMk/>
+            <pc:sldMk cId="371209954" sldId="410"/>
+            <ac:spMk id="9" creationId="{7F7F4FCB-A11B-4893-A8DC-57044090D74B}"/>
+          </ac:spMkLst>
+        </pc:spChg>
+        <pc:spChg chg="del">
+          <ac:chgData name="Ellis Hughes" userId="70958ad1-f5a5-48f5-9815-bf834be6566e" providerId="ADAL" clId="{E53DD366-8EC7-4AE9-B8DD-4E98E28BB51B}" dt="2021-10-26T19:35:02.446" v="3589" actId="478"/>
+          <ac:spMkLst>
+            <pc:docMk/>
+            <pc:sldMk cId="371209954" sldId="410"/>
+            <ac:spMk id="10" creationId="{B8C78C56-4D09-4459-AA7C-43A573DBF21B}"/>
+          </ac:spMkLst>
+        </pc:spChg>
+        <pc:spChg chg="del mod">
+          <ac:chgData name="Ellis Hughes" userId="70958ad1-f5a5-48f5-9815-bf834be6566e" providerId="ADAL" clId="{E53DD366-8EC7-4AE9-B8DD-4E98E28BB51B}" dt="2021-10-26T19:35:03.852" v="3590" actId="478"/>
+          <ac:spMkLst>
+            <pc:docMk/>
+            <pc:sldMk cId="371209954" sldId="410"/>
+            <ac:spMk id="11" creationId="{85DEE361-891A-48B9-9B7E-9FE0F9DFFED1}"/>
+          </ac:spMkLst>
+        </pc:spChg>
+        <pc:spChg chg="del mod">
+          <ac:chgData name="Ellis Hughes" userId="70958ad1-f5a5-48f5-9815-bf834be6566e" providerId="ADAL" clId="{E53DD366-8EC7-4AE9-B8DD-4E98E28BB51B}" dt="2021-10-26T19:35:05.256" v="3591" actId="478"/>
+          <ac:spMkLst>
+            <pc:docMk/>
+            <pc:sldMk cId="371209954" sldId="410"/>
+            <ac:spMk id="12" creationId="{3B1B2EC8-F1A7-45B6-8908-8748C2C8A614}"/>
+          </ac:spMkLst>
+        </pc:spChg>
+        <pc:spChg chg="mod">
+          <ac:chgData name="Ellis Hughes" userId="70958ad1-f5a5-48f5-9815-bf834be6566e" providerId="ADAL" clId="{E53DD366-8EC7-4AE9-B8DD-4E98E28BB51B}" dt="2021-10-26T19:35:33.146" v="3603" actId="1076"/>
+          <ac:spMkLst>
+            <pc:docMk/>
+            <pc:sldMk cId="371209954" sldId="410"/>
+            <ac:spMk id="13" creationId="{28DA3B2A-BDAE-4795-A1ED-337B3B75151D}"/>
+          </ac:spMkLst>
+        </pc:spChg>
+        <pc:spChg chg="mod">
+          <ac:chgData name="Ellis Hughes" userId="70958ad1-f5a5-48f5-9815-bf834be6566e" providerId="ADAL" clId="{E53DD366-8EC7-4AE9-B8DD-4E98E28BB51B}" dt="2021-10-26T19:37:34.159" v="3636" actId="1076"/>
+          <ac:spMkLst>
+            <pc:docMk/>
+            <pc:sldMk cId="371209954" sldId="410"/>
+            <ac:spMk id="14" creationId="{BE63E247-0BED-4476-8B64-E7F0E4919D38}"/>
+          </ac:spMkLst>
+        </pc:spChg>
+        <pc:spChg chg="mod">
+          <ac:chgData name="Ellis Hughes" userId="70958ad1-f5a5-48f5-9815-bf834be6566e" providerId="ADAL" clId="{E53DD366-8EC7-4AE9-B8DD-4E98E28BB51B}" dt="2021-10-26T19:38:24.376" v="3650" actId="1076"/>
+          <ac:spMkLst>
+            <pc:docMk/>
+            <pc:sldMk cId="371209954" sldId="410"/>
+            <ac:spMk id="15" creationId="{B1FA705B-AF2A-448C-994A-D175C1F5A048}"/>
+          </ac:spMkLst>
+        </pc:spChg>
+        <pc:spChg chg="mod">
+          <ac:chgData name="Ellis Hughes" userId="70958ad1-f5a5-48f5-9815-bf834be6566e" providerId="ADAL" clId="{E53DD366-8EC7-4AE9-B8DD-4E98E28BB51B}" dt="2021-10-26T19:35:26.226" v="3600" actId="1076"/>
+          <ac:spMkLst>
+            <pc:docMk/>
+            <pc:sldMk cId="371209954" sldId="410"/>
+            <ac:spMk id="16" creationId="{6A5988EC-BB65-4B24-8434-85C210A26D18}"/>
+          </ac:spMkLst>
+        </pc:spChg>
+        <pc:spChg chg="mod">
+          <ac:chgData name="Ellis Hughes" userId="70958ad1-f5a5-48f5-9815-bf834be6566e" providerId="ADAL" clId="{E53DD366-8EC7-4AE9-B8DD-4E98E28BB51B}" dt="2021-10-26T19:37:36.069" v="3637" actId="1076"/>
+          <ac:spMkLst>
+            <pc:docMk/>
+            <pc:sldMk cId="371209954" sldId="410"/>
+            <ac:spMk id="17" creationId="{780EAF2B-19EC-4122-BCBF-38B98B581AEC}"/>
+          </ac:spMkLst>
+        </pc:spChg>
+        <pc:spChg chg="mod">
+          <ac:chgData name="Ellis Hughes" userId="70958ad1-f5a5-48f5-9815-bf834be6566e" providerId="ADAL" clId="{E53DD366-8EC7-4AE9-B8DD-4E98E28BB51B}" dt="2021-10-26T19:38:26.715" v="3651" actId="1076"/>
+          <ac:spMkLst>
+            <pc:docMk/>
+            <pc:sldMk cId="371209954" sldId="410"/>
+            <ac:spMk id="18" creationId="{00A0FFD5-47EA-4B4F-BD7A-501501760DAD}"/>
+          </ac:spMkLst>
+        </pc:spChg>
+        <pc:spChg chg="mod">
+          <ac:chgData name="Ellis Hughes" userId="70958ad1-f5a5-48f5-9815-bf834be6566e" providerId="ADAL" clId="{E53DD366-8EC7-4AE9-B8DD-4E98E28BB51B}" dt="2021-10-25T14:48:46.645" v="3453" actId="1076"/>
+          <ac:spMkLst>
+            <pc:docMk/>
+            <pc:sldMk cId="371209954" sldId="410"/>
+            <ac:spMk id="19" creationId="{C29BF83C-A09C-4C13-BA13-B5ECD47FB6BA}"/>
+          </ac:spMkLst>
+        </pc:spChg>
+        <pc:spChg chg="mod">
+          <ac:chgData name="Ellis Hughes" userId="70958ad1-f5a5-48f5-9815-bf834be6566e" providerId="ADAL" clId="{E53DD366-8EC7-4AE9-B8DD-4E98E28BB51B}" dt="2021-10-26T19:38:59.650" v="3661" actId="1076"/>
+          <ac:spMkLst>
+            <pc:docMk/>
+            <pc:sldMk cId="371209954" sldId="410"/>
+            <ac:spMk id="20" creationId="{F2CDF495-9829-406F-AB10-4BFF2AF6D0DB}"/>
+          </ac:spMkLst>
+        </pc:spChg>
+        <pc:spChg chg="add mod">
+          <ac:chgData name="Ellis Hughes" userId="70958ad1-f5a5-48f5-9815-bf834be6566e" providerId="ADAL" clId="{E53DD366-8EC7-4AE9-B8DD-4E98E28BB51B}" dt="2021-10-26T19:37:25.404" v="3634" actId="14100"/>
+          <ac:spMkLst>
+            <pc:docMk/>
+            <pc:sldMk cId="371209954" sldId="410"/>
+            <ac:spMk id="122" creationId="{8EE2C9B1-8D85-47CE-B60A-B817E535CEEC}"/>
+          </ac:spMkLst>
+        </pc:spChg>
+        <pc:spChg chg="add mod">
+          <ac:chgData name="Ellis Hughes" userId="70958ad1-f5a5-48f5-9815-bf834be6566e" providerId="ADAL" clId="{E53DD366-8EC7-4AE9-B8DD-4E98E28BB51B}" dt="2021-10-26T19:38:45.655" v="3659" actId="14100"/>
+          <ac:spMkLst>
+            <pc:docMk/>
+            <pc:sldMk cId="371209954" sldId="410"/>
+            <ac:spMk id="123" creationId="{A2953538-1CFC-429B-8F00-1F1E932B17F0}"/>
+          </ac:spMkLst>
+        </pc:spChg>
+        <pc:spChg chg="add mod">
+          <ac:chgData name="Ellis Hughes" userId="70958ad1-f5a5-48f5-9815-bf834be6566e" providerId="ADAL" clId="{E53DD366-8EC7-4AE9-B8DD-4E98E28BB51B}" dt="2021-10-26T19:38:43.832" v="3658" actId="14100"/>
+          <ac:spMkLst>
+            <pc:docMk/>
+            <pc:sldMk cId="371209954" sldId="410"/>
+            <ac:spMk id="128" creationId="{61764500-167F-4CCA-875A-FEB1A9FA70E1}"/>
+          </ac:spMkLst>
+        </pc:spChg>
+        <pc:spChg chg="add mod">
+          <ac:chgData name="Ellis Hughes" userId="70958ad1-f5a5-48f5-9815-bf834be6566e" providerId="ADAL" clId="{E53DD366-8EC7-4AE9-B8DD-4E98E28BB51B}" dt="2021-10-25T14:52:49.240" v="3460" actId="14100"/>
+          <ac:spMkLst>
+            <pc:docMk/>
+            <pc:sldMk cId="371209954" sldId="410"/>
+            <ac:spMk id="130" creationId="{D9FA44F3-1470-4286-A47F-6EBF660BE353}"/>
+          </ac:spMkLst>
+        </pc:spChg>
+        <pc:spChg chg="add mod">
+          <ac:chgData name="Ellis Hughes" userId="70958ad1-f5a5-48f5-9815-bf834be6566e" providerId="ADAL" clId="{E53DD366-8EC7-4AE9-B8DD-4E98E28BB51B}" dt="2021-10-25T14:53:15.380" v="3467" actId="1076"/>
+          <ac:spMkLst>
+            <pc:docMk/>
+            <pc:sldMk cId="371209954" sldId="410"/>
+            <ac:spMk id="131" creationId="{DDFD2FF3-D7A2-4412-8BD8-25256DD7E1C6}"/>
+          </ac:spMkLst>
+        </pc:spChg>
+        <pc:spChg chg="add mod">
+          <ac:chgData name="Ellis Hughes" userId="70958ad1-f5a5-48f5-9815-bf834be6566e" providerId="ADAL" clId="{E53DD366-8EC7-4AE9-B8DD-4E98E28BB51B}" dt="2021-10-25T14:53:29.615" v="3469" actId="1076"/>
+          <ac:spMkLst>
+            <pc:docMk/>
+            <pc:sldMk cId="371209954" sldId="410"/>
+            <ac:spMk id="132" creationId="{43B6B5D5-0302-4B8B-B1BD-FF225AD86C0E}"/>
+          </ac:spMkLst>
+        </pc:spChg>
+        <pc:cxnChg chg="del mod">
+          <ac:chgData name="Ellis Hughes" userId="70958ad1-f5a5-48f5-9815-bf834be6566e" providerId="ADAL" clId="{E53DD366-8EC7-4AE9-B8DD-4E98E28BB51B}" dt="2021-10-26T19:35:14.327" v="3595" actId="478"/>
+          <ac:cxnSpMkLst>
+            <pc:docMk/>
+            <pc:sldMk cId="371209954" sldId="410"/>
+            <ac:cxnSpMk id="22" creationId="{38C53C21-4612-4E8E-AD30-F1AFF85C10E5}"/>
+          </ac:cxnSpMkLst>
+        </pc:cxnChg>
+        <pc:cxnChg chg="del mod">
+          <ac:chgData name="Ellis Hughes" userId="70958ad1-f5a5-48f5-9815-bf834be6566e" providerId="ADAL" clId="{E53DD366-8EC7-4AE9-B8DD-4E98E28BB51B}" dt="2021-10-26T19:35:10.347" v="3592" actId="478"/>
+          <ac:cxnSpMkLst>
+            <pc:docMk/>
+            <pc:sldMk cId="371209954" sldId="410"/>
+            <ac:cxnSpMk id="25" creationId="{3B1A633E-4628-4B0D-8658-2EF03EB207AA}"/>
+          </ac:cxnSpMkLst>
+        </pc:cxnChg>
+        <pc:cxnChg chg="add mod">
+          <ac:chgData name="Ellis Hughes" userId="70958ad1-f5a5-48f5-9815-bf834be6566e" providerId="ADAL" clId="{E53DD366-8EC7-4AE9-B8DD-4E98E28BB51B}" dt="2021-10-26T19:37:32.155" v="3635" actId="1076"/>
+          <ac:cxnSpMkLst>
+            <pc:docMk/>
+            <pc:sldMk cId="371209954" sldId="410"/>
+            <ac:cxnSpMk id="29" creationId="{6DCB7271-5574-4725-84F2-BADEE313343D}"/>
+          </ac:cxnSpMkLst>
+        </pc:cxnChg>
+        <pc:cxnChg chg="mod">
+          <ac:chgData name="Ellis Hughes" userId="70958ad1-f5a5-48f5-9815-bf834be6566e" providerId="ADAL" clId="{E53DD366-8EC7-4AE9-B8DD-4E98E28BB51B}" dt="2021-10-26T19:35:33.146" v="3603" actId="1076"/>
+          <ac:cxnSpMkLst>
+            <pc:docMk/>
+            <pc:sldMk cId="371209954" sldId="410"/>
+            <ac:cxnSpMk id="30" creationId="{6E4FAAC7-91AB-483E-B4D7-0CC97FA49A32}"/>
+          </ac:cxnSpMkLst>
+        </pc:cxnChg>
+        <pc:cxnChg chg="add del mod">
+          <ac:chgData name="Ellis Hughes" userId="70958ad1-f5a5-48f5-9815-bf834be6566e" providerId="ADAL" clId="{E53DD366-8EC7-4AE9-B8DD-4E98E28BB51B}" dt="2021-10-26T19:35:54.795" v="3609" actId="478"/>
+          <ac:cxnSpMkLst>
+            <pc:docMk/>
+            <pc:sldMk cId="371209954" sldId="410"/>
+            <ac:cxnSpMk id="32" creationId="{3C8FC38F-82A2-4A12-8B91-405207CDC94F}"/>
+          </ac:cxnSpMkLst>
+        </pc:cxnChg>
+        <pc:cxnChg chg="mod">
+          <ac:chgData name="Ellis Hughes" userId="70958ad1-f5a5-48f5-9815-bf834be6566e" providerId="ADAL" clId="{E53DD366-8EC7-4AE9-B8DD-4E98E28BB51B}" dt="2021-10-26T19:38:26.715" v="3651" actId="1076"/>
+          <ac:cxnSpMkLst>
+            <pc:docMk/>
+            <pc:sldMk cId="371209954" sldId="410"/>
+            <ac:cxnSpMk id="35" creationId="{29DA4205-3820-4AF7-809A-09222324EB25}"/>
+          </ac:cxnSpMkLst>
+        </pc:cxnChg>
+        <pc:cxnChg chg="add del mod">
+          <ac:chgData name="Ellis Hughes" userId="70958ad1-f5a5-48f5-9815-bf834be6566e" providerId="ADAL" clId="{E53DD366-8EC7-4AE9-B8DD-4E98E28BB51B}" dt="2021-10-25T14:42:23.673" v="3329"/>
+          <ac:cxnSpMkLst>
+            <pc:docMk/>
+            <pc:sldMk cId="371209954" sldId="410"/>
+            <ac:cxnSpMk id="36" creationId="{B5E3ACCD-A511-45E3-8D6F-2560ABCC5A16}"/>
+          </ac:cxnSpMkLst>
+        </pc:cxnChg>
+        <pc:cxnChg chg="add del mod">
+          <ac:chgData name="Ellis Hughes" userId="70958ad1-f5a5-48f5-9815-bf834be6566e" providerId="ADAL" clId="{E53DD366-8EC7-4AE9-B8DD-4E98E28BB51B}" dt="2021-10-26T19:35:45.187" v="3605" actId="478"/>
+          <ac:cxnSpMkLst>
+            <pc:docMk/>
+            <pc:sldMk cId="371209954" sldId="410"/>
+            <ac:cxnSpMk id="37" creationId="{88F61B97-0B24-4B95-807F-ED5F4035B9DA}"/>
+          </ac:cxnSpMkLst>
+        </pc:cxnChg>
+        <pc:cxnChg chg="add mod">
+          <ac:chgData name="Ellis Hughes" userId="70958ad1-f5a5-48f5-9815-bf834be6566e" providerId="ADAL" clId="{E53DD366-8EC7-4AE9-B8DD-4E98E28BB51B}" dt="2021-10-26T19:35:33.146" v="3603" actId="1076"/>
+          <ac:cxnSpMkLst>
+            <pc:docMk/>
+            <pc:sldMk cId="371209954" sldId="410"/>
+            <ac:cxnSpMk id="39" creationId="{315B3CEC-DC5E-48F1-B0E0-E95E9AFFDB31}"/>
+          </ac:cxnSpMkLst>
+        </pc:cxnChg>
+        <pc:cxnChg chg="mod">
+          <ac:chgData name="Ellis Hughes" userId="70958ad1-f5a5-48f5-9815-bf834be6566e" providerId="ADAL" clId="{E53DD366-8EC7-4AE9-B8DD-4E98E28BB51B}" dt="2021-10-26T19:38:59.650" v="3661" actId="1076"/>
+          <ac:cxnSpMkLst>
+            <pc:docMk/>
+            <pc:sldMk cId="371209954" sldId="410"/>
+            <ac:cxnSpMk id="40" creationId="{4C0B8916-D116-4231-9816-8F8179855583}"/>
+          </ac:cxnSpMkLst>
+        </pc:cxnChg>
+        <pc:cxnChg chg="add mod">
+          <ac:chgData name="Ellis Hughes" userId="70958ad1-f5a5-48f5-9815-bf834be6566e" providerId="ADAL" clId="{E53DD366-8EC7-4AE9-B8DD-4E98E28BB51B}" dt="2021-10-26T19:35:33.146" v="3603" actId="1076"/>
+          <ac:cxnSpMkLst>
+            <pc:docMk/>
+            <pc:sldMk cId="371209954" sldId="410"/>
+            <ac:cxnSpMk id="42" creationId="{66DF90B3-ABDF-408C-8BF7-3DDEBD0ED74C}"/>
+          </ac:cxnSpMkLst>
+        </pc:cxnChg>
+        <pc:cxnChg chg="add del mod">
+          <ac:chgData name="Ellis Hughes" userId="70958ad1-f5a5-48f5-9815-bf834be6566e" providerId="ADAL" clId="{E53DD366-8EC7-4AE9-B8DD-4E98E28BB51B}" dt="2021-10-26T19:35:55.536" v="3610" actId="478"/>
+          <ac:cxnSpMkLst>
+            <pc:docMk/>
+            <pc:sldMk cId="371209954" sldId="410"/>
+            <ac:cxnSpMk id="47" creationId="{7B744924-72D4-424A-91D2-76E0A7B3B36E}"/>
+          </ac:cxnSpMkLst>
+        </pc:cxnChg>
+        <pc:cxnChg chg="add mod">
+          <ac:chgData name="Ellis Hughes" userId="70958ad1-f5a5-48f5-9815-bf834be6566e" providerId="ADAL" clId="{E53DD366-8EC7-4AE9-B8DD-4E98E28BB51B}" dt="2021-10-26T19:37:34.159" v="3636" actId="1076"/>
+          <ac:cxnSpMkLst>
+            <pc:docMk/>
+            <pc:sldMk cId="371209954" sldId="410"/>
+            <ac:cxnSpMk id="51" creationId="{10128308-A498-4D93-8AF9-346176970E0D}"/>
+          </ac:cxnSpMkLst>
+        </pc:cxnChg>
+        <pc:cxnChg chg="add del mod">
+          <ac:chgData name="Ellis Hughes" userId="70958ad1-f5a5-48f5-9815-bf834be6566e" providerId="ADAL" clId="{E53DD366-8EC7-4AE9-B8DD-4E98E28BB51B}" dt="2021-10-26T19:35:46.711" v="3607" actId="478"/>
+          <ac:cxnSpMkLst>
+            <pc:docMk/>
+            <pc:sldMk cId="371209954" sldId="410"/>
+            <ac:cxnSpMk id="54" creationId="{AD9B6413-B745-4ECF-9162-D736CB18ABB4}"/>
+          </ac:cxnSpMkLst>
+        </pc:cxnChg>
+        <pc:cxnChg chg="add del mod">
+          <ac:chgData name="Ellis Hughes" userId="70958ad1-f5a5-48f5-9815-bf834be6566e" providerId="ADAL" clId="{E53DD366-8EC7-4AE9-B8DD-4E98E28BB51B}" dt="2021-10-26T19:35:13.879" v="3594" actId="478"/>
+          <ac:cxnSpMkLst>
+            <pc:docMk/>
+            <pc:sldMk cId="371209954" sldId="410"/>
+            <ac:cxnSpMk id="57" creationId="{391E9746-FB73-48CE-912A-E2373541842B}"/>
+          </ac:cxnSpMkLst>
+        </pc:cxnChg>
+        <pc:cxnChg chg="add del mod">
+          <ac:chgData name="Ellis Hughes" userId="70958ad1-f5a5-48f5-9815-bf834be6566e" providerId="ADAL" clId="{E53DD366-8EC7-4AE9-B8DD-4E98E28BB51B}" dt="2021-10-26T19:36:48.162" v="3625" actId="478"/>
+          <ac:cxnSpMkLst>
+            <pc:docMk/>
+            <pc:sldMk cId="371209954" sldId="410"/>
+            <ac:cxnSpMk id="61" creationId="{92CD3919-2BF5-4069-A996-5728CB8719D0}"/>
+          </ac:cxnSpMkLst>
+        </pc:cxnChg>
+        <pc:cxnChg chg="add mod">
+          <ac:chgData name="Ellis Hughes" userId="70958ad1-f5a5-48f5-9815-bf834be6566e" providerId="ADAL" clId="{E53DD366-8EC7-4AE9-B8DD-4E98E28BB51B}" dt="2021-10-26T19:35:26.226" v="3600" actId="1076"/>
+          <ac:cxnSpMkLst>
+            <pc:docMk/>
+            <pc:sldMk cId="371209954" sldId="410"/>
+            <ac:cxnSpMk id="68" creationId="{39DAD2A1-1D7E-4266-84A2-15128EAF29B2}"/>
+          </ac:cxnSpMkLst>
+        </pc:cxnChg>
+        <pc:cxnChg chg="add mod">
+          <ac:chgData name="Ellis Hughes" userId="70958ad1-f5a5-48f5-9815-bf834be6566e" providerId="ADAL" clId="{E53DD366-8EC7-4AE9-B8DD-4E98E28BB51B}" dt="2021-10-26T19:37:36.069" v="3637" actId="1076"/>
+          <ac:cxnSpMkLst>
+            <pc:docMk/>
+            <pc:sldMk cId="371209954" sldId="410"/>
+            <ac:cxnSpMk id="69" creationId="{FB5B7609-937E-4058-BECF-F2740FFE68D5}"/>
+          </ac:cxnSpMkLst>
+        </pc:cxnChg>
+        <pc:cxnChg chg="add mod">
+          <ac:chgData name="Ellis Hughes" userId="70958ad1-f5a5-48f5-9815-bf834be6566e" providerId="ADAL" clId="{E53DD366-8EC7-4AE9-B8DD-4E98E28BB51B}" dt="2021-10-26T19:37:36.069" v="3637" actId="1076"/>
+          <ac:cxnSpMkLst>
+            <pc:docMk/>
+            <pc:sldMk cId="371209954" sldId="410"/>
+            <ac:cxnSpMk id="71" creationId="{D3144F48-8416-4D51-ACD2-138A534A72D3}"/>
+          </ac:cxnSpMkLst>
+        </pc:cxnChg>
+        <pc:cxnChg chg="add mod">
+          <ac:chgData name="Ellis Hughes" userId="70958ad1-f5a5-48f5-9815-bf834be6566e" providerId="ADAL" clId="{E53DD366-8EC7-4AE9-B8DD-4E98E28BB51B}" dt="2021-10-26T19:37:36.069" v="3637" actId="1076"/>
+          <ac:cxnSpMkLst>
+            <pc:docMk/>
+            <pc:sldMk cId="371209954" sldId="410"/>
+            <ac:cxnSpMk id="75" creationId="{2EE36E3F-1B6D-405B-B550-AA60850FC983}"/>
+          </ac:cxnSpMkLst>
+        </pc:cxnChg>
+        <pc:cxnChg chg="add mod">
+          <ac:chgData name="Ellis Hughes" userId="70958ad1-f5a5-48f5-9815-bf834be6566e" providerId="ADAL" clId="{E53DD366-8EC7-4AE9-B8DD-4E98E28BB51B}" dt="2021-10-26T19:36:38.581" v="3624" actId="14100"/>
+          <ac:cxnSpMkLst>
+            <pc:docMk/>
+            <pc:sldMk cId="371209954" sldId="410"/>
+            <ac:cxnSpMk id="77" creationId="{FB4895D7-7A2E-4A87-83F5-7DFD29F2A99D}"/>
+          </ac:cxnSpMkLst>
+        </pc:cxnChg>
+        <pc:cxnChg chg="add mod">
+          <ac:chgData name="Ellis Hughes" userId="70958ad1-f5a5-48f5-9815-bf834be6566e" providerId="ADAL" clId="{E53DD366-8EC7-4AE9-B8DD-4E98E28BB51B}" dt="2021-10-26T19:37:34.159" v="3636" actId="1076"/>
+          <ac:cxnSpMkLst>
+            <pc:docMk/>
+            <pc:sldMk cId="371209954" sldId="410"/>
+            <ac:cxnSpMk id="78" creationId="{07F04E68-8869-4B00-941B-9745F3A46C89}"/>
+          </ac:cxnSpMkLst>
+        </pc:cxnChg>
+        <pc:cxnChg chg="add del mod">
+          <ac:chgData name="Ellis Hughes" userId="70958ad1-f5a5-48f5-9815-bf834be6566e" providerId="ADAL" clId="{E53DD366-8EC7-4AE9-B8DD-4E98E28BB51B}" dt="2021-10-26T19:35:45.790" v="3606" actId="478"/>
+          <ac:cxnSpMkLst>
+            <pc:docMk/>
+            <pc:sldMk cId="371209954" sldId="410"/>
+            <ac:cxnSpMk id="81" creationId="{FCD6DE92-B6CB-4C03-A81B-3163224B96CC}"/>
+          </ac:cxnSpMkLst>
+        </pc:cxnChg>
+        <pc:cxnChg chg="add mod">
+          <ac:chgData name="Ellis Hughes" userId="70958ad1-f5a5-48f5-9815-bf834be6566e" providerId="ADAL" clId="{E53DD366-8EC7-4AE9-B8DD-4E98E28BB51B}" dt="2021-10-26T19:37:32.155" v="3635" actId="1076"/>
+          <ac:cxnSpMkLst>
+            <pc:docMk/>
+            <pc:sldMk cId="371209954" sldId="410"/>
+            <ac:cxnSpMk id="82" creationId="{79B86714-098D-4A82-A95E-F3B571054897}"/>
+          </ac:cxnSpMkLst>
+        </pc:cxnChg>
+        <pc:cxnChg chg="add del mod">
+          <ac:chgData name="Ellis Hughes" userId="70958ad1-f5a5-48f5-9815-bf834be6566e" providerId="ADAL" clId="{E53DD366-8EC7-4AE9-B8DD-4E98E28BB51B}" dt="2021-10-26T19:35:13.209" v="3593" actId="478"/>
+          <ac:cxnSpMkLst>
+            <pc:docMk/>
+            <pc:sldMk cId="371209954" sldId="410"/>
+            <ac:cxnSpMk id="86" creationId="{2CA363E8-2559-4C30-A114-1A2A308B603B}"/>
+          </ac:cxnSpMkLst>
+        </pc:cxnChg>
+        <pc:cxnChg chg="add mod">
+          <ac:chgData name="Ellis Hughes" userId="70958ad1-f5a5-48f5-9815-bf834be6566e" providerId="ADAL" clId="{E53DD366-8EC7-4AE9-B8DD-4E98E28BB51B}" dt="2021-10-26T19:38:24.376" v="3650" actId="1076"/>
+          <ac:cxnSpMkLst>
+            <pc:docMk/>
+            <pc:sldMk cId="371209954" sldId="410"/>
+            <ac:cxnSpMk id="94" creationId="{D405B8CA-69DE-43FD-8F4A-D417E20C6CE2}"/>
+          </ac:cxnSpMkLst>
+        </pc:cxnChg>
+        <pc:cxnChg chg="add del mod">
+          <ac:chgData name="Ellis Hughes" userId="70958ad1-f5a5-48f5-9815-bf834be6566e" providerId="ADAL" clId="{E53DD366-8EC7-4AE9-B8DD-4E98E28BB51B}" dt="2021-10-26T19:38:06.217" v="3642" actId="478"/>
+          <ac:cxnSpMkLst>
+            <pc:docMk/>
+            <pc:sldMk cId="371209954" sldId="410"/>
+            <ac:cxnSpMk id="97" creationId="{6656870B-E27B-40A5-A8FB-64356E07D69B}"/>
+          </ac:cxnSpMkLst>
+        </pc:cxnChg>
+        <pc:cxnChg chg="add del mod">
+          <ac:chgData name="Ellis Hughes" userId="70958ad1-f5a5-48f5-9815-bf834be6566e" providerId="ADAL" clId="{E53DD366-8EC7-4AE9-B8DD-4E98E28BB51B}" dt="2021-10-26T19:39:02.036" v="3662" actId="478"/>
+          <ac:cxnSpMkLst>
+            <pc:docMk/>
+            <pc:sldMk cId="371209954" sldId="410"/>
+            <ac:cxnSpMk id="98" creationId="{02EE3B15-AF42-4732-862C-5D966625C282}"/>
+          </ac:cxnSpMkLst>
+        </pc:cxnChg>
+        <pc:cxnChg chg="add del mod">
+          <ac:chgData name="Ellis Hughes" userId="70958ad1-f5a5-48f5-9815-bf834be6566e" providerId="ADAL" clId="{E53DD366-8EC7-4AE9-B8DD-4E98E28BB51B}" dt="2021-10-26T19:38:08.641" v="3643" actId="478"/>
+          <ac:cxnSpMkLst>
+            <pc:docMk/>
+            <pc:sldMk cId="371209954" sldId="410"/>
+            <ac:cxnSpMk id="100" creationId="{12292D61-3205-4169-836D-8FFD8844C3C0}"/>
+          </ac:cxnSpMkLst>
+        </pc:cxnChg>
+        <pc:cxnChg chg="add del mod">
+          <ac:chgData name="Ellis Hughes" userId="70958ad1-f5a5-48f5-9815-bf834be6566e" providerId="ADAL" clId="{E53DD366-8EC7-4AE9-B8DD-4E98E28BB51B}" dt="2021-10-26T19:38:52.932" v="3660" actId="478"/>
+          <ac:cxnSpMkLst>
+            <pc:docMk/>
+            <pc:sldMk cId="371209954" sldId="410"/>
+            <ac:cxnSpMk id="101" creationId="{1F10166C-E70C-4DDD-BCE9-C0F8F5D98FA8}"/>
+          </ac:cxnSpMkLst>
+        </pc:cxnChg>
+        <pc:cxnChg chg="add del mod">
+          <ac:chgData name="Ellis Hughes" userId="70958ad1-f5a5-48f5-9815-bf834be6566e" providerId="ADAL" clId="{E53DD366-8EC7-4AE9-B8DD-4E98E28BB51B}" dt="2021-10-26T19:38:10.700" v="3644" actId="478"/>
+          <ac:cxnSpMkLst>
+            <pc:docMk/>
+            <pc:sldMk cId="371209954" sldId="410"/>
+            <ac:cxnSpMk id="105" creationId="{30FD3133-19BF-4851-9A5B-B6CB1E772363}"/>
+          </ac:cxnSpMkLst>
+        </pc:cxnChg>
+        <pc:cxnChg chg="add mod">
+          <ac:chgData name="Ellis Hughes" userId="70958ad1-f5a5-48f5-9815-bf834be6566e" providerId="ADAL" clId="{E53DD366-8EC7-4AE9-B8DD-4E98E28BB51B}" dt="2021-10-26T19:38:26.715" v="3651" actId="1076"/>
+          <ac:cxnSpMkLst>
+            <pc:docMk/>
+            <pc:sldMk cId="371209954" sldId="410"/>
+            <ac:cxnSpMk id="108" creationId="{1B3C40CE-B48C-45A4-AACD-1517D86D87A8}"/>
+          </ac:cxnSpMkLst>
+        </pc:cxnChg>
+        <pc:cxnChg chg="add mod">
+          <ac:chgData name="Ellis Hughes" userId="70958ad1-f5a5-48f5-9815-bf834be6566e" providerId="ADAL" clId="{E53DD366-8EC7-4AE9-B8DD-4E98E28BB51B}" dt="2021-10-26T19:38:40.540" v="3657" actId="14100"/>
+          <ac:cxnSpMkLst>
+            <pc:docMk/>
+            <pc:sldMk cId="371209954" sldId="410"/>
+            <ac:cxnSpMk id="112" creationId="{71900828-639C-4344-8EF3-5860F2C3C0B1}"/>
+          </ac:cxnSpMkLst>
+        </pc:cxnChg>
+        <pc:cxnChg chg="add del mod">
+          <ac:chgData name="Ellis Hughes" userId="70958ad1-f5a5-48f5-9815-bf834be6566e" providerId="ADAL" clId="{E53DD366-8EC7-4AE9-B8DD-4E98E28BB51B}" dt="2021-10-26T19:38:11.303" v="3645" actId="478"/>
+          <ac:cxnSpMkLst>
+            <pc:docMk/>
+            <pc:sldMk cId="371209954" sldId="410"/>
+            <ac:cxnSpMk id="113" creationId="{34B1A772-3977-4489-967F-A83A44CBF885}"/>
+          </ac:cxnSpMkLst>
+        </pc:cxnChg>
+        <pc:cxnChg chg="add mod">
+          <ac:chgData name="Ellis Hughes" userId="70958ad1-f5a5-48f5-9815-bf834be6566e" providerId="ADAL" clId="{E53DD366-8EC7-4AE9-B8DD-4E98E28BB51B}" dt="2021-10-26T19:38:32.971" v="3653" actId="14100"/>
+          <ac:cxnSpMkLst>
+            <pc:docMk/>
+            <pc:sldMk cId="371209954" sldId="410"/>
+            <ac:cxnSpMk id="117" creationId="{C7C592E2-0EE6-470D-B512-F59CA9104E35}"/>
+          </ac:cxnSpMkLst>
+        </pc:cxnChg>
+      </pc:sldChg>
+      <pc:sldChg chg="add del">
+        <pc:chgData name="Ellis Hughes" userId="70958ad1-f5a5-48f5-9815-bf834be6566e" providerId="ADAL" clId="{E53DD366-8EC7-4AE9-B8DD-4E98E28BB51B}" dt="2021-10-26T19:43:21.695" v="3719" actId="47"/>
+        <pc:sldMkLst>
+          <pc:docMk/>
+          <pc:sldMk cId="1490075127" sldId="411"/>
+        </pc:sldMkLst>
+      </pc:sldChg>
+      <pc:sldChg chg="add del">
+        <pc:chgData name="Ellis Hughes" userId="70958ad1-f5a5-48f5-9815-bf834be6566e" providerId="ADAL" clId="{E53DD366-8EC7-4AE9-B8DD-4E98E28BB51B}" dt="2021-10-26T19:43:22.553" v="3720" actId="47"/>
+        <pc:sldMkLst>
+          <pc:docMk/>
+          <pc:sldMk cId="2443348982" sldId="412"/>
+        </pc:sldMkLst>
+      </pc:sldChg>
+      <pc:sldChg chg="addSp modSp add mod">
+        <pc:chgData name="Ellis Hughes" userId="70958ad1-f5a5-48f5-9815-bf834be6566e" providerId="ADAL" clId="{E53DD366-8EC7-4AE9-B8DD-4E98E28BB51B}" dt="2021-10-26T19:48:07.530" v="3841" actId="1076"/>
+        <pc:sldMkLst>
+          <pc:docMk/>
+          <pc:sldMk cId="2756397016" sldId="413"/>
+        </pc:sldMkLst>
+        <pc:spChg chg="mod">
+          <ac:chgData name="Ellis Hughes" userId="70958ad1-f5a5-48f5-9815-bf834be6566e" providerId="ADAL" clId="{E53DD366-8EC7-4AE9-B8DD-4E98E28BB51B}" dt="2021-10-26T19:46:04.844" v="3832" actId="20577"/>
+          <ac:spMkLst>
+            <pc:docMk/>
+            <pc:sldMk cId="2756397016" sldId="413"/>
+            <ac:spMk id="2" creationId="{7D7427A6-1030-45CE-92A8-5212E0F721D8}"/>
+          </ac:spMkLst>
+        </pc:spChg>
+        <pc:spChg chg="mod">
+          <ac:chgData name="Ellis Hughes" userId="70958ad1-f5a5-48f5-9815-bf834be6566e" providerId="ADAL" clId="{E53DD366-8EC7-4AE9-B8DD-4E98E28BB51B}" dt="2021-10-26T19:43:09.235" v="3714" actId="20577"/>
+          <ac:spMkLst>
+            <pc:docMk/>
+            <pc:sldMk cId="2756397016" sldId="413"/>
+            <ac:spMk id="8" creationId="{6A34AC25-F9D4-48D7-A664-C590D06BF559}"/>
+          </ac:spMkLst>
+        </pc:spChg>
+        <pc:picChg chg="add mod">
+          <ac:chgData name="Ellis Hughes" userId="70958ad1-f5a5-48f5-9815-bf834be6566e" providerId="ADAL" clId="{E53DD366-8EC7-4AE9-B8DD-4E98E28BB51B}" dt="2021-10-26T19:45:59.392" v="3831" actId="1076"/>
+          <ac:picMkLst>
+            <pc:docMk/>
+            <pc:sldMk cId="2756397016" sldId="413"/>
+            <ac:picMk id="3" creationId="{A0B2A6A5-6822-472C-A9F5-4688A5650F84}"/>
+          </ac:picMkLst>
+        </pc:picChg>
+        <pc:picChg chg="add mod">
+          <ac:chgData name="Ellis Hughes" userId="70958ad1-f5a5-48f5-9815-bf834be6566e" providerId="ADAL" clId="{E53DD366-8EC7-4AE9-B8DD-4E98E28BB51B}" dt="2021-10-26T19:48:06.060" v="3840" actId="1076"/>
+          <ac:picMkLst>
+            <pc:docMk/>
+            <pc:sldMk cId="2756397016" sldId="413"/>
+            <ac:picMk id="4" creationId="{090200EE-993F-43EB-8841-0E4A6D365F66}"/>
+          </ac:picMkLst>
+        </pc:picChg>
+        <pc:picChg chg="add mod">
+          <ac:chgData name="Ellis Hughes" userId="70958ad1-f5a5-48f5-9815-bf834be6566e" providerId="ADAL" clId="{E53DD366-8EC7-4AE9-B8DD-4E98E28BB51B}" dt="2021-10-26T19:48:07.530" v="3841" actId="1076"/>
+          <ac:picMkLst>
+            <pc:docMk/>
+            <pc:sldMk cId="2756397016" sldId="413"/>
+            <ac:picMk id="5" creationId="{E9F3AC4D-9B80-4101-8A2F-FE5D2B694B4D}"/>
+          </ac:picMkLst>
+        </pc:picChg>
       </pc:sldChg>
     </pc:docChg>
   </pc:docChgLst>
@@ -667,7 +1465,7 @@
           <a:p>
             <a:fld id="{AE1375EF-7AC2-40F0-8984-3657FAAC21B8}" type="datetimeFigureOut">
               <a:rPr lang="en-US" smtClean="0"/>
-              <a:t>10/22/2021</a:t>
+              <a:t>10/26/2021</a:t>
             </a:fld>
             <a:endParaRPr lang="en-US"/>
           </a:p>
@@ -1109,7 +1907,7 @@
     </p:spTree>
     <p:extLst>
       <p:ext uri="{BB962C8B-B14F-4D97-AF65-F5344CB8AC3E}">
-        <p14:creationId xmlns:p14="http://schemas.microsoft.com/office/powerpoint/2010/main" val="2613450674"/>
+        <p14:creationId xmlns:p14="http://schemas.microsoft.com/office/powerpoint/2010/main" val="3914501179"/>
       </p:ext>
     </p:extLst>
   </p:cSld>
@@ -1210,7 +2008,7 @@
     </p:spTree>
     <p:extLst>
       <p:ext uri="{BB962C8B-B14F-4D97-AF65-F5344CB8AC3E}">
-        <p14:creationId xmlns:p14="http://schemas.microsoft.com/office/powerpoint/2010/main" val="3126433276"/>
+        <p14:creationId xmlns:p14="http://schemas.microsoft.com/office/powerpoint/2010/main" val="1379042756"/>
       </p:ext>
     </p:extLst>
   </p:cSld>
@@ -1311,7 +2109,7 @@
     </p:spTree>
     <p:extLst>
       <p:ext uri="{BB962C8B-B14F-4D97-AF65-F5344CB8AC3E}">
-        <p14:creationId xmlns:p14="http://schemas.microsoft.com/office/powerpoint/2010/main" val="3658416847"/>
+        <p14:creationId xmlns:p14="http://schemas.microsoft.com/office/powerpoint/2010/main" val="970260375"/>
       </p:ext>
     </p:extLst>
   </p:cSld>
@@ -1395,7 +2193,7 @@
     </p:spTree>
     <p:extLst>
       <p:ext uri="{BB962C8B-B14F-4D97-AF65-F5344CB8AC3E}">
-        <p14:creationId xmlns:p14="http://schemas.microsoft.com/office/powerpoint/2010/main" val="4199574331"/>
+        <p14:creationId xmlns:p14="http://schemas.microsoft.com/office/powerpoint/2010/main" val="1920333712"/>
       </p:ext>
     </p:extLst>
   </p:cSld>
@@ -1496,7 +2294,7 @@
     </p:spTree>
     <p:extLst>
       <p:ext uri="{BB962C8B-B14F-4D97-AF65-F5344CB8AC3E}">
-        <p14:creationId xmlns:p14="http://schemas.microsoft.com/office/powerpoint/2010/main" val="2557145505"/>
+        <p14:creationId xmlns:p14="http://schemas.microsoft.com/office/powerpoint/2010/main" val="2445524813"/>
       </p:ext>
     </p:extLst>
   </p:cSld>
@@ -1597,7 +2395,7 @@
     </p:spTree>
     <p:extLst>
       <p:ext uri="{BB962C8B-B14F-4D97-AF65-F5344CB8AC3E}">
-        <p14:creationId xmlns:p14="http://schemas.microsoft.com/office/powerpoint/2010/main" val="3280339938"/>
+        <p14:creationId xmlns:p14="http://schemas.microsoft.com/office/powerpoint/2010/main" val="2613450674"/>
       </p:ext>
     </p:extLst>
   </p:cSld>
@@ -1698,7 +2496,7 @@
     </p:spTree>
     <p:extLst>
       <p:ext uri="{BB962C8B-B14F-4D97-AF65-F5344CB8AC3E}">
-        <p14:creationId xmlns:p14="http://schemas.microsoft.com/office/powerpoint/2010/main" val="1561431168"/>
+        <p14:creationId xmlns:p14="http://schemas.microsoft.com/office/powerpoint/2010/main" val="3126433276"/>
       </p:ext>
     </p:extLst>
   </p:cSld>
@@ -1799,7 +2597,7 @@
     </p:spTree>
     <p:extLst>
       <p:ext uri="{BB962C8B-B14F-4D97-AF65-F5344CB8AC3E}">
-        <p14:creationId xmlns:p14="http://schemas.microsoft.com/office/powerpoint/2010/main" val="297992974"/>
+        <p14:creationId xmlns:p14="http://schemas.microsoft.com/office/powerpoint/2010/main" val="3658416847"/>
       </p:ext>
     </p:extLst>
   </p:cSld>
@@ -1853,6 +2651,23 @@
           <a:bodyPr/>
           <a:lstStyle/>
           <a:p>
+            <a:pPr marL="0" marR="0" lvl="0" indent="0" algn="l" defTabSz="914400" rtl="0" eaLnBrk="1" fontAlgn="auto" latinLnBrk="0" hangingPunct="1">
+              <a:lnSpc>
+                <a:spcPct val="100000"/>
+              </a:lnSpc>
+              <a:spcBef>
+                <a:spcPts val="0"/>
+              </a:spcBef>
+              <a:spcAft>
+                <a:spcPts val="0"/>
+              </a:spcAft>
+              <a:buClrTx/>
+              <a:buSzTx/>
+              <a:buFontTx/>
+              <a:buNone/>
+              <a:tabLst/>
+              <a:defRPr/>
+            </a:pPr>
             <a:endParaRPr lang="en-US" dirty="0"/>
           </a:p>
         </p:txBody>
@@ -1883,7 +2698,91 @@
     </p:spTree>
     <p:extLst>
       <p:ext uri="{BB962C8B-B14F-4D97-AF65-F5344CB8AC3E}">
-        <p14:creationId xmlns:p14="http://schemas.microsoft.com/office/powerpoint/2010/main" val="553560941"/>
+        <p14:creationId xmlns:p14="http://schemas.microsoft.com/office/powerpoint/2010/main" val="3369451454"/>
+      </p:ext>
+    </p:extLst>
+  </p:cSld>
+  <p:clrMapOvr>
+    <a:masterClrMapping/>
+  </p:clrMapOvr>
+</p:notes>
+</file>
+
+<file path=ppt/notesSlides/notesSlide19.xml><?xml version="1.0" encoding="utf-8"?>
+<p:notes xmlns:a="http://schemas.openxmlformats.org/drawingml/2006/main" xmlns:r="http://schemas.openxmlformats.org/officeDocument/2006/relationships" xmlns:p="http://schemas.openxmlformats.org/presentationml/2006/main">
+  <p:cSld>
+    <p:spTree>
+      <p:nvGrpSpPr>
+        <p:cNvPr id="1" name=""/>
+        <p:cNvGrpSpPr/>
+        <p:nvPr/>
+      </p:nvGrpSpPr>
+      <p:grpSpPr>
+        <a:xfrm>
+          <a:off x="0" y="0"/>
+          <a:ext cx="0" cy="0"/>
+          <a:chOff x="0" y="0"/>
+          <a:chExt cx="0" cy="0"/>
+        </a:xfrm>
+      </p:grpSpPr>
+      <p:sp>
+        <p:nvSpPr>
+          <p:cNvPr id="2" name="Slide Image Placeholder 1"/>
+          <p:cNvSpPr>
+            <a:spLocks noGrp="1" noRot="1" noChangeAspect="1"/>
+          </p:cNvSpPr>
+          <p:nvPr>
+            <p:ph type="sldImg"/>
+          </p:nvPr>
+        </p:nvSpPr>
+        <p:spPr/>
+      </p:sp>
+      <p:sp>
+        <p:nvSpPr>
+          <p:cNvPr id="3" name="Notes Placeholder 2"/>
+          <p:cNvSpPr>
+            <a:spLocks noGrp="1"/>
+          </p:cNvSpPr>
+          <p:nvPr>
+            <p:ph type="body" idx="1"/>
+          </p:nvPr>
+        </p:nvSpPr>
+        <p:spPr/>
+        <p:txBody>
+          <a:bodyPr/>
+          <a:lstStyle/>
+          <a:p>
+            <a:endParaRPr lang="en-US" dirty="0"/>
+          </a:p>
+        </p:txBody>
+      </p:sp>
+      <p:sp>
+        <p:nvSpPr>
+          <p:cNvPr id="4" name="Slide Number Placeholder 3"/>
+          <p:cNvSpPr>
+            <a:spLocks noGrp="1"/>
+          </p:cNvSpPr>
+          <p:nvPr>
+            <p:ph type="sldNum" sz="quarter" idx="5"/>
+          </p:nvPr>
+        </p:nvSpPr>
+        <p:spPr/>
+        <p:txBody>
+          <a:bodyPr/>
+          <a:lstStyle/>
+          <a:p>
+            <a:fld id="{B9F26414-4BE6-427A-9F34-1430B41B92D6}" type="slidenum">
+              <a:rPr lang="en-US" smtClean="0"/>
+              <a:t>19</a:t>
+            </a:fld>
+            <a:endParaRPr lang="en-US"/>
+          </a:p>
+        </p:txBody>
+      </p:sp>
+    </p:spTree>
+    <p:extLst>
+      <p:ext uri="{BB962C8B-B14F-4D97-AF65-F5344CB8AC3E}">
+        <p14:creationId xmlns:p14="http://schemas.microsoft.com/office/powerpoint/2010/main" val="4199574331"/>
       </p:ext>
     </p:extLst>
   </p:cSld>
@@ -1985,6 +2884,494 @@
     <p:extLst>
       <p:ext uri="{BB962C8B-B14F-4D97-AF65-F5344CB8AC3E}">
         <p14:creationId xmlns:p14="http://schemas.microsoft.com/office/powerpoint/2010/main" val="2161051035"/>
+      </p:ext>
+    </p:extLst>
+  </p:cSld>
+  <p:clrMapOvr>
+    <a:masterClrMapping/>
+  </p:clrMapOvr>
+</p:notes>
+</file>
+
+<file path=ppt/notesSlides/notesSlide20.xml><?xml version="1.0" encoding="utf-8"?>
+<p:notes xmlns:a="http://schemas.openxmlformats.org/drawingml/2006/main" xmlns:r="http://schemas.openxmlformats.org/officeDocument/2006/relationships" xmlns:p="http://schemas.openxmlformats.org/presentationml/2006/main">
+  <p:cSld>
+    <p:spTree>
+      <p:nvGrpSpPr>
+        <p:cNvPr id="1" name=""/>
+        <p:cNvGrpSpPr/>
+        <p:nvPr/>
+      </p:nvGrpSpPr>
+      <p:grpSpPr>
+        <a:xfrm>
+          <a:off x="0" y="0"/>
+          <a:ext cx="0" cy="0"/>
+          <a:chOff x="0" y="0"/>
+          <a:chExt cx="0" cy="0"/>
+        </a:xfrm>
+      </p:grpSpPr>
+      <p:sp>
+        <p:nvSpPr>
+          <p:cNvPr id="2" name="Slide Image Placeholder 1"/>
+          <p:cNvSpPr>
+            <a:spLocks noGrp="1" noRot="1" noChangeAspect="1"/>
+          </p:cNvSpPr>
+          <p:nvPr>
+            <p:ph type="sldImg"/>
+          </p:nvPr>
+        </p:nvSpPr>
+        <p:spPr/>
+      </p:sp>
+      <p:sp>
+        <p:nvSpPr>
+          <p:cNvPr id="3" name="Notes Placeholder 2"/>
+          <p:cNvSpPr>
+            <a:spLocks noGrp="1"/>
+          </p:cNvSpPr>
+          <p:nvPr>
+            <p:ph type="body" idx="1"/>
+          </p:nvPr>
+        </p:nvSpPr>
+        <p:spPr/>
+        <p:txBody>
+          <a:bodyPr/>
+          <a:lstStyle/>
+          <a:p>
+            <a:pPr marL="0" marR="0" lvl="0" indent="0" algn="l" defTabSz="914400" rtl="0" eaLnBrk="1" fontAlgn="auto" latinLnBrk="0" hangingPunct="1">
+              <a:lnSpc>
+                <a:spcPct val="100000"/>
+              </a:lnSpc>
+              <a:spcBef>
+                <a:spcPts val="0"/>
+              </a:spcBef>
+              <a:spcAft>
+                <a:spcPts val="0"/>
+              </a:spcAft>
+              <a:buClrTx/>
+              <a:buSzTx/>
+              <a:buFontTx/>
+              <a:buNone/>
+              <a:tabLst/>
+              <a:defRPr/>
+            </a:pPr>
+            <a:endParaRPr lang="en-US" dirty="0"/>
+          </a:p>
+        </p:txBody>
+      </p:sp>
+      <p:sp>
+        <p:nvSpPr>
+          <p:cNvPr id="4" name="Slide Number Placeholder 3"/>
+          <p:cNvSpPr>
+            <a:spLocks noGrp="1"/>
+          </p:cNvSpPr>
+          <p:nvPr>
+            <p:ph type="sldNum" sz="quarter" idx="5"/>
+          </p:nvPr>
+        </p:nvSpPr>
+        <p:spPr/>
+        <p:txBody>
+          <a:bodyPr/>
+          <a:lstStyle/>
+          <a:p>
+            <a:fld id="{B9F26414-4BE6-427A-9F34-1430B41B92D6}" type="slidenum">
+              <a:rPr lang="en-US" smtClean="0"/>
+              <a:t>20</a:t>
+            </a:fld>
+            <a:endParaRPr lang="en-US"/>
+          </a:p>
+        </p:txBody>
+      </p:sp>
+    </p:spTree>
+    <p:extLst>
+      <p:ext uri="{BB962C8B-B14F-4D97-AF65-F5344CB8AC3E}">
+        <p14:creationId xmlns:p14="http://schemas.microsoft.com/office/powerpoint/2010/main" val="2557145505"/>
+      </p:ext>
+    </p:extLst>
+  </p:cSld>
+  <p:clrMapOvr>
+    <a:masterClrMapping/>
+  </p:clrMapOvr>
+</p:notes>
+</file>
+
+<file path=ppt/notesSlides/notesSlide21.xml><?xml version="1.0" encoding="utf-8"?>
+<p:notes xmlns:a="http://schemas.openxmlformats.org/drawingml/2006/main" xmlns:r="http://schemas.openxmlformats.org/officeDocument/2006/relationships" xmlns:p="http://schemas.openxmlformats.org/presentationml/2006/main">
+  <p:cSld>
+    <p:spTree>
+      <p:nvGrpSpPr>
+        <p:cNvPr id="1" name=""/>
+        <p:cNvGrpSpPr/>
+        <p:nvPr/>
+      </p:nvGrpSpPr>
+      <p:grpSpPr>
+        <a:xfrm>
+          <a:off x="0" y="0"/>
+          <a:ext cx="0" cy="0"/>
+          <a:chOff x="0" y="0"/>
+          <a:chExt cx="0" cy="0"/>
+        </a:xfrm>
+      </p:grpSpPr>
+      <p:sp>
+        <p:nvSpPr>
+          <p:cNvPr id="2" name="Slide Image Placeholder 1"/>
+          <p:cNvSpPr>
+            <a:spLocks noGrp="1" noRot="1" noChangeAspect="1"/>
+          </p:cNvSpPr>
+          <p:nvPr>
+            <p:ph type="sldImg"/>
+          </p:nvPr>
+        </p:nvSpPr>
+        <p:spPr/>
+      </p:sp>
+      <p:sp>
+        <p:nvSpPr>
+          <p:cNvPr id="3" name="Notes Placeholder 2"/>
+          <p:cNvSpPr>
+            <a:spLocks noGrp="1"/>
+          </p:cNvSpPr>
+          <p:nvPr>
+            <p:ph type="body" idx="1"/>
+          </p:nvPr>
+        </p:nvSpPr>
+        <p:spPr/>
+        <p:txBody>
+          <a:bodyPr/>
+          <a:lstStyle/>
+          <a:p>
+            <a:pPr marL="0" marR="0" lvl="0" indent="0" algn="l" defTabSz="914400" rtl="0" eaLnBrk="1" fontAlgn="auto" latinLnBrk="0" hangingPunct="1">
+              <a:lnSpc>
+                <a:spcPct val="100000"/>
+              </a:lnSpc>
+              <a:spcBef>
+                <a:spcPts val="0"/>
+              </a:spcBef>
+              <a:spcAft>
+                <a:spcPts val="0"/>
+              </a:spcAft>
+              <a:buClrTx/>
+              <a:buSzTx/>
+              <a:buFontTx/>
+              <a:buNone/>
+              <a:tabLst/>
+              <a:defRPr/>
+            </a:pPr>
+            <a:endParaRPr lang="en-US" dirty="0"/>
+          </a:p>
+        </p:txBody>
+      </p:sp>
+      <p:sp>
+        <p:nvSpPr>
+          <p:cNvPr id="4" name="Slide Number Placeholder 3"/>
+          <p:cNvSpPr>
+            <a:spLocks noGrp="1"/>
+          </p:cNvSpPr>
+          <p:nvPr>
+            <p:ph type="sldNum" sz="quarter" idx="5"/>
+          </p:nvPr>
+        </p:nvSpPr>
+        <p:spPr/>
+        <p:txBody>
+          <a:bodyPr/>
+          <a:lstStyle/>
+          <a:p>
+            <a:fld id="{B9F26414-4BE6-427A-9F34-1430B41B92D6}" type="slidenum">
+              <a:rPr lang="en-US" smtClean="0"/>
+              <a:t>21</a:t>
+            </a:fld>
+            <a:endParaRPr lang="en-US"/>
+          </a:p>
+        </p:txBody>
+      </p:sp>
+    </p:spTree>
+    <p:extLst>
+      <p:ext uri="{BB962C8B-B14F-4D97-AF65-F5344CB8AC3E}">
+        <p14:creationId xmlns:p14="http://schemas.microsoft.com/office/powerpoint/2010/main" val="3280339938"/>
+      </p:ext>
+    </p:extLst>
+  </p:cSld>
+  <p:clrMapOvr>
+    <a:masterClrMapping/>
+  </p:clrMapOvr>
+</p:notes>
+</file>
+
+<file path=ppt/notesSlides/notesSlide22.xml><?xml version="1.0" encoding="utf-8"?>
+<p:notes xmlns:a="http://schemas.openxmlformats.org/drawingml/2006/main" xmlns:r="http://schemas.openxmlformats.org/officeDocument/2006/relationships" xmlns:p="http://schemas.openxmlformats.org/presentationml/2006/main">
+  <p:cSld>
+    <p:spTree>
+      <p:nvGrpSpPr>
+        <p:cNvPr id="1" name=""/>
+        <p:cNvGrpSpPr/>
+        <p:nvPr/>
+      </p:nvGrpSpPr>
+      <p:grpSpPr>
+        <a:xfrm>
+          <a:off x="0" y="0"/>
+          <a:ext cx="0" cy="0"/>
+          <a:chOff x="0" y="0"/>
+          <a:chExt cx="0" cy="0"/>
+        </a:xfrm>
+      </p:grpSpPr>
+      <p:sp>
+        <p:nvSpPr>
+          <p:cNvPr id="2" name="Slide Image Placeholder 1"/>
+          <p:cNvSpPr>
+            <a:spLocks noGrp="1" noRot="1" noChangeAspect="1"/>
+          </p:cNvSpPr>
+          <p:nvPr>
+            <p:ph type="sldImg"/>
+          </p:nvPr>
+        </p:nvSpPr>
+        <p:spPr/>
+      </p:sp>
+      <p:sp>
+        <p:nvSpPr>
+          <p:cNvPr id="3" name="Notes Placeholder 2"/>
+          <p:cNvSpPr>
+            <a:spLocks noGrp="1"/>
+          </p:cNvSpPr>
+          <p:nvPr>
+            <p:ph type="body" idx="1"/>
+          </p:nvPr>
+        </p:nvSpPr>
+        <p:spPr/>
+        <p:txBody>
+          <a:bodyPr/>
+          <a:lstStyle/>
+          <a:p>
+            <a:pPr marL="0" marR="0" lvl="0" indent="0" algn="l" defTabSz="914400" rtl="0" eaLnBrk="1" fontAlgn="auto" latinLnBrk="0" hangingPunct="1">
+              <a:lnSpc>
+                <a:spcPct val="100000"/>
+              </a:lnSpc>
+              <a:spcBef>
+                <a:spcPts val="0"/>
+              </a:spcBef>
+              <a:spcAft>
+                <a:spcPts val="0"/>
+              </a:spcAft>
+              <a:buClrTx/>
+              <a:buSzTx/>
+              <a:buFontTx/>
+              <a:buNone/>
+              <a:tabLst/>
+              <a:defRPr/>
+            </a:pPr>
+            <a:endParaRPr lang="en-US" dirty="0"/>
+          </a:p>
+        </p:txBody>
+      </p:sp>
+      <p:sp>
+        <p:nvSpPr>
+          <p:cNvPr id="4" name="Slide Number Placeholder 3"/>
+          <p:cNvSpPr>
+            <a:spLocks noGrp="1"/>
+          </p:cNvSpPr>
+          <p:nvPr>
+            <p:ph type="sldNum" sz="quarter" idx="5"/>
+          </p:nvPr>
+        </p:nvSpPr>
+        <p:spPr/>
+        <p:txBody>
+          <a:bodyPr/>
+          <a:lstStyle/>
+          <a:p>
+            <a:fld id="{B9F26414-4BE6-427A-9F34-1430B41B92D6}" type="slidenum">
+              <a:rPr lang="en-US" smtClean="0"/>
+              <a:t>22</a:t>
+            </a:fld>
+            <a:endParaRPr lang="en-US"/>
+          </a:p>
+        </p:txBody>
+      </p:sp>
+    </p:spTree>
+    <p:extLst>
+      <p:ext uri="{BB962C8B-B14F-4D97-AF65-F5344CB8AC3E}">
+        <p14:creationId xmlns:p14="http://schemas.microsoft.com/office/powerpoint/2010/main" val="1561431168"/>
+      </p:ext>
+    </p:extLst>
+  </p:cSld>
+  <p:clrMapOvr>
+    <a:masterClrMapping/>
+  </p:clrMapOvr>
+</p:notes>
+</file>
+
+<file path=ppt/notesSlides/notesSlide23.xml><?xml version="1.0" encoding="utf-8"?>
+<p:notes xmlns:a="http://schemas.openxmlformats.org/drawingml/2006/main" xmlns:r="http://schemas.openxmlformats.org/officeDocument/2006/relationships" xmlns:p="http://schemas.openxmlformats.org/presentationml/2006/main">
+  <p:cSld>
+    <p:spTree>
+      <p:nvGrpSpPr>
+        <p:cNvPr id="1" name=""/>
+        <p:cNvGrpSpPr/>
+        <p:nvPr/>
+      </p:nvGrpSpPr>
+      <p:grpSpPr>
+        <a:xfrm>
+          <a:off x="0" y="0"/>
+          <a:ext cx="0" cy="0"/>
+          <a:chOff x="0" y="0"/>
+          <a:chExt cx="0" cy="0"/>
+        </a:xfrm>
+      </p:grpSpPr>
+      <p:sp>
+        <p:nvSpPr>
+          <p:cNvPr id="2" name="Slide Image Placeholder 1"/>
+          <p:cNvSpPr>
+            <a:spLocks noGrp="1" noRot="1" noChangeAspect="1"/>
+          </p:cNvSpPr>
+          <p:nvPr>
+            <p:ph type="sldImg"/>
+          </p:nvPr>
+        </p:nvSpPr>
+        <p:spPr/>
+      </p:sp>
+      <p:sp>
+        <p:nvSpPr>
+          <p:cNvPr id="3" name="Notes Placeholder 2"/>
+          <p:cNvSpPr>
+            <a:spLocks noGrp="1"/>
+          </p:cNvSpPr>
+          <p:nvPr>
+            <p:ph type="body" idx="1"/>
+          </p:nvPr>
+        </p:nvSpPr>
+        <p:spPr/>
+        <p:txBody>
+          <a:bodyPr/>
+          <a:lstStyle/>
+          <a:p>
+            <a:pPr marL="0" marR="0" lvl="0" indent="0" algn="l" defTabSz="914400" rtl="0" eaLnBrk="1" fontAlgn="auto" latinLnBrk="0" hangingPunct="1">
+              <a:lnSpc>
+                <a:spcPct val="100000"/>
+              </a:lnSpc>
+              <a:spcBef>
+                <a:spcPts val="0"/>
+              </a:spcBef>
+              <a:spcAft>
+                <a:spcPts val="0"/>
+              </a:spcAft>
+              <a:buClrTx/>
+              <a:buSzTx/>
+              <a:buFontTx/>
+              <a:buNone/>
+              <a:tabLst/>
+              <a:defRPr/>
+            </a:pPr>
+            <a:endParaRPr lang="en-US" dirty="0"/>
+          </a:p>
+        </p:txBody>
+      </p:sp>
+      <p:sp>
+        <p:nvSpPr>
+          <p:cNvPr id="4" name="Slide Number Placeholder 3"/>
+          <p:cNvSpPr>
+            <a:spLocks noGrp="1"/>
+          </p:cNvSpPr>
+          <p:nvPr>
+            <p:ph type="sldNum" sz="quarter" idx="5"/>
+          </p:nvPr>
+        </p:nvSpPr>
+        <p:spPr/>
+        <p:txBody>
+          <a:bodyPr/>
+          <a:lstStyle/>
+          <a:p>
+            <a:fld id="{B9F26414-4BE6-427A-9F34-1430B41B92D6}" type="slidenum">
+              <a:rPr lang="en-US" smtClean="0"/>
+              <a:t>23</a:t>
+            </a:fld>
+            <a:endParaRPr lang="en-US"/>
+          </a:p>
+        </p:txBody>
+      </p:sp>
+    </p:spTree>
+    <p:extLst>
+      <p:ext uri="{BB962C8B-B14F-4D97-AF65-F5344CB8AC3E}">
+        <p14:creationId xmlns:p14="http://schemas.microsoft.com/office/powerpoint/2010/main" val="297992974"/>
+      </p:ext>
+    </p:extLst>
+  </p:cSld>
+  <p:clrMapOvr>
+    <a:masterClrMapping/>
+  </p:clrMapOvr>
+</p:notes>
+</file>
+
+<file path=ppt/notesSlides/notesSlide24.xml><?xml version="1.0" encoding="utf-8"?>
+<p:notes xmlns:a="http://schemas.openxmlformats.org/drawingml/2006/main" xmlns:r="http://schemas.openxmlformats.org/officeDocument/2006/relationships" xmlns:p="http://schemas.openxmlformats.org/presentationml/2006/main">
+  <p:cSld>
+    <p:spTree>
+      <p:nvGrpSpPr>
+        <p:cNvPr id="1" name=""/>
+        <p:cNvGrpSpPr/>
+        <p:nvPr/>
+      </p:nvGrpSpPr>
+      <p:grpSpPr>
+        <a:xfrm>
+          <a:off x="0" y="0"/>
+          <a:ext cx="0" cy="0"/>
+          <a:chOff x="0" y="0"/>
+          <a:chExt cx="0" cy="0"/>
+        </a:xfrm>
+      </p:grpSpPr>
+      <p:sp>
+        <p:nvSpPr>
+          <p:cNvPr id="2" name="Slide Image Placeholder 1"/>
+          <p:cNvSpPr>
+            <a:spLocks noGrp="1" noRot="1" noChangeAspect="1"/>
+          </p:cNvSpPr>
+          <p:nvPr>
+            <p:ph type="sldImg"/>
+          </p:nvPr>
+        </p:nvSpPr>
+        <p:spPr/>
+      </p:sp>
+      <p:sp>
+        <p:nvSpPr>
+          <p:cNvPr id="3" name="Notes Placeholder 2"/>
+          <p:cNvSpPr>
+            <a:spLocks noGrp="1"/>
+          </p:cNvSpPr>
+          <p:nvPr>
+            <p:ph type="body" idx="1"/>
+          </p:nvPr>
+        </p:nvSpPr>
+        <p:spPr/>
+        <p:txBody>
+          <a:bodyPr/>
+          <a:lstStyle/>
+          <a:p>
+            <a:endParaRPr lang="en-US" dirty="0"/>
+          </a:p>
+        </p:txBody>
+      </p:sp>
+      <p:sp>
+        <p:nvSpPr>
+          <p:cNvPr id="4" name="Slide Number Placeholder 3"/>
+          <p:cNvSpPr>
+            <a:spLocks noGrp="1"/>
+          </p:cNvSpPr>
+          <p:nvPr>
+            <p:ph type="sldNum" sz="quarter" idx="5"/>
+          </p:nvPr>
+        </p:nvSpPr>
+        <p:spPr/>
+        <p:txBody>
+          <a:bodyPr/>
+          <a:lstStyle/>
+          <a:p>
+            <a:fld id="{B9F26414-4BE6-427A-9F34-1430B41B92D6}" type="slidenum">
+              <a:rPr lang="en-US" smtClean="0"/>
+              <a:t>24</a:t>
+            </a:fld>
+            <a:endParaRPr lang="en-US"/>
+          </a:p>
+        </p:txBody>
+      </p:sp>
+    </p:spTree>
+    <p:extLst>
+      <p:ext uri="{BB962C8B-B14F-4D97-AF65-F5344CB8AC3E}">
+        <p14:creationId xmlns:p14="http://schemas.microsoft.com/office/powerpoint/2010/main" val="553560941"/>
       </p:ext>
     </p:extLst>
   </p:cSld>
@@ -3136,7 +4523,7 @@
           <a:p>
             <a:fld id="{EA0C0817-A112-4847-8014-A94B7D2A4EA3}" type="datetime1">
               <a:rPr lang="en-US" smtClean="0"/>
-              <a:t>10/22/2021</a:t>
+              <a:t>10/26/2021</a:t>
             </a:fld>
             <a:endParaRPr lang="en-US" dirty="0"/>
           </a:p>
@@ -3338,7 +4725,7 @@
           <a:p>
             <a:fld id="{7332B432-ACDA-4023-A761-2BAB76577B62}" type="datetime1">
               <a:rPr lang="en-US" smtClean="0"/>
-              <a:t>10/22/2021</a:t>
+              <a:t>10/26/2021</a:t>
             </a:fld>
             <a:endParaRPr lang="en-US" dirty="0"/>
           </a:p>
@@ -3937,7 +5324,7 @@
           <a:p>
             <a:fld id="{D9C646AA-F36E-4540-911D-FFFC0A0EF24A}" type="datetime1">
               <a:rPr lang="en-US" smtClean="0"/>
-              <a:t>10/22/2021</a:t>
+              <a:t>10/26/2021</a:t>
             </a:fld>
             <a:endParaRPr lang="en-US" dirty="0"/>
           </a:p>
@@ -4257,7 +5644,7 @@
           <a:p>
             <a:fld id="{69186D26-FA5F-4637-B602-B7C2DC34CFD4}" type="datetime1">
               <a:rPr lang="en-US" smtClean="0"/>
-              <a:t>10/22/2021</a:t>
+              <a:t>10/26/2021</a:t>
             </a:fld>
             <a:endParaRPr lang="en-US" dirty="0"/>
           </a:p>
@@ -4694,7 +6081,7 @@
           <a:p>
             <a:fld id="{8A7F15D8-96D1-4781-BC50-CA8A088B2FE4}" type="datetime1">
               <a:rPr lang="en-US" smtClean="0"/>
-              <a:t>10/22/2021</a:t>
+              <a:t>10/26/2021</a:t>
             </a:fld>
             <a:endParaRPr lang="en-US" dirty="0"/>
           </a:p>
@@ -4812,7 +6199,7 @@
           <a:p>
             <a:fld id="{F9A96C99-B8F8-4528-BD05-0E16E943DC09}" type="datetime1">
               <a:rPr lang="en-US" smtClean="0"/>
-              <a:t>10/22/2021</a:t>
+              <a:t>10/26/2021</a:t>
             </a:fld>
             <a:endParaRPr lang="en-US" dirty="0"/>
           </a:p>
@@ -4907,7 +6294,7 @@
           <a:p>
             <a:fld id="{03636942-C211-4B28-8DBD-C953E00AF71B}" type="datetime1">
               <a:rPr lang="en-US" smtClean="0"/>
-              <a:t>10/22/2021</a:t>
+              <a:t>10/26/2021</a:t>
             </a:fld>
             <a:endParaRPr lang="en-US" dirty="0"/>
           </a:p>
@@ -5324,7 +6711,7 @@
           <a:p>
             <a:fld id="{7E8D12A6-918A-48BD-8CB9-CA713993B0EA}" type="datetime1">
               <a:rPr lang="en-US" smtClean="0"/>
-              <a:t>10/22/2021</a:t>
+              <a:t>10/26/2021</a:t>
             </a:fld>
             <a:endParaRPr lang="en-US" dirty="0"/>
           </a:p>
@@ -5586,7 +6973,7 @@
             <a:fld id="{E778CE86-875F-4587-BCF6-FA054AFC0D53}" type="datetime1">
               <a:rPr lang="en-US" smtClean="0"/>
               <a:pPr/>
-              <a:t>10/22/2021</a:t>
+              <a:t>10/26/2021</a:t>
             </a:fld>
             <a:endParaRPr lang="en-US" dirty="0"/>
           </a:p>
@@ -6102,7 +7489,7 @@
           <a:p>
             <a:fld id="{F6FA2B21-3FCD-4721-B95C-427943F61125}" type="datetime1">
               <a:rPr lang="en-US" smtClean="0"/>
-              <a:t>10/22/2021</a:t>
+              <a:t>10/26/2021</a:t>
             </a:fld>
             <a:endParaRPr lang="en-US" dirty="0"/>
           </a:p>
@@ -6906,76 +8293,876 @@
           <a:p>
             <a:r>
               <a:rPr lang="en-US" dirty="0"/>
-              <a:t>Given Set of Requirements, How would you order them?</a:t>
-            </a:r>
-          </a:p>
-        </p:txBody>
-      </p:sp>
-      <p:sp>
-        <p:nvSpPr>
-          <p:cNvPr id="2" name="Content Placeholder 1">
+              <a:t>Project Development Models</a:t>
+            </a:r>
+          </a:p>
+        </p:txBody>
+      </p:sp>
+      <p:sp>
+        <p:nvSpPr>
+          <p:cNvPr id="3" name="Rectangle 2">
             <a:extLst>
               <a:ext uri="{FF2B5EF4-FFF2-40B4-BE49-F238E27FC236}">
-                <a16:creationId xmlns:a16="http://schemas.microsoft.com/office/drawing/2014/main" id="{7D7427A6-1030-45CE-92A8-5212E0F721D8}"/>
+                <a16:creationId xmlns:a16="http://schemas.microsoft.com/office/drawing/2014/main" id="{E8CC6C66-6F5E-46BF-972E-AF15E6DD18D0}"/>
               </a:ext>
             </a:extLst>
           </p:cNvPr>
-          <p:cNvSpPr>
-            <a:spLocks noGrp="1"/>
-          </p:cNvSpPr>
-          <p:nvPr>
-            <p:ph idx="1"/>
-          </p:nvPr>
-        </p:nvSpPr>
-        <p:spPr/>
-        <p:txBody>
-          <a:bodyPr>
-            <a:normAutofit/>
-          </a:bodyPr>
+          <p:cNvSpPr/>
+          <p:nvPr/>
+        </p:nvSpPr>
+        <p:spPr>
+          <a:xfrm>
+            <a:off x="985520" y="1798320"/>
+            <a:ext cx="1960880" cy="558800"/>
+          </a:xfrm>
+          <a:prstGeom prst="rect">
+            <a:avLst/>
+          </a:prstGeom>
+        </p:spPr>
+        <p:style>
+          <a:lnRef idx="2">
+            <a:schemeClr val="accent1">
+              <a:shade val="50000"/>
+            </a:schemeClr>
+          </a:lnRef>
+          <a:fillRef idx="1">
+            <a:schemeClr val="accent1"/>
+          </a:fillRef>
+          <a:effectRef idx="0">
+            <a:schemeClr val="accent1"/>
+          </a:effectRef>
+          <a:fontRef idx="minor">
+            <a:schemeClr val="lt1"/>
+          </a:fontRef>
+        </p:style>
+        <p:txBody>
+          <a:bodyPr rtlCol="0" anchor="ctr"/>
           <a:lstStyle/>
           <a:p>
-            <a:r>
-              <a:rPr lang="en-US" sz="2400" dirty="0"/>
-              <a:t>Numeric Vector Expectations</a:t>
-            </a:r>
-          </a:p>
-          <a:p>
-            <a:endParaRPr lang="en-US" sz="2400" dirty="0"/>
-          </a:p>
-          <a:p>
-            <a:r>
-              <a:rPr lang="en-US" sz="2400" dirty="0"/>
-              <a:t>Data Ingestion Expectations</a:t>
-            </a:r>
-          </a:p>
-          <a:p>
-            <a:endParaRPr lang="en-US" sz="2400" dirty="0"/>
-          </a:p>
-          <a:p>
-            <a:r>
-              <a:rPr lang="en-US" sz="2400" dirty="0"/>
-              <a:t>Character Vector Expectations</a:t>
-            </a:r>
-          </a:p>
-          <a:p>
-            <a:endParaRPr lang="en-US" sz="2400" dirty="0"/>
-          </a:p>
-          <a:p>
-            <a:r>
-              <a:rPr lang="en-US" sz="2400" dirty="0"/>
-              <a:t>Data Writing Expectations</a:t>
-            </a:r>
-          </a:p>
-          <a:p>
-            <a:pPr lvl="1"/>
-            <a:endParaRPr lang="en-US" dirty="0"/>
+            <a:pPr algn="ctr"/>
+            <a:r>
+              <a:rPr lang="en-US" dirty="0"/>
+              <a:t>Requirement 1</a:t>
+            </a:r>
+          </a:p>
+        </p:txBody>
+      </p:sp>
+      <p:sp>
+        <p:nvSpPr>
+          <p:cNvPr id="7" name="Rectangle 6">
+            <a:extLst>
+              <a:ext uri="{FF2B5EF4-FFF2-40B4-BE49-F238E27FC236}">
+                <a16:creationId xmlns:a16="http://schemas.microsoft.com/office/drawing/2014/main" id="{F09F9528-97AF-46BD-A42E-120300848722}"/>
+              </a:ext>
+            </a:extLst>
+          </p:cNvPr>
+          <p:cNvSpPr/>
+          <p:nvPr/>
+        </p:nvSpPr>
+        <p:spPr>
+          <a:xfrm>
+            <a:off x="3027680" y="1788160"/>
+            <a:ext cx="1960880" cy="558800"/>
+          </a:xfrm>
+          <a:prstGeom prst="rect">
+            <a:avLst/>
+          </a:prstGeom>
+        </p:spPr>
+        <p:style>
+          <a:lnRef idx="2">
+            <a:schemeClr val="accent1">
+              <a:shade val="50000"/>
+            </a:schemeClr>
+          </a:lnRef>
+          <a:fillRef idx="1">
+            <a:schemeClr val="accent1"/>
+          </a:fillRef>
+          <a:effectRef idx="0">
+            <a:schemeClr val="accent1"/>
+          </a:effectRef>
+          <a:fontRef idx="minor">
+            <a:schemeClr val="lt1"/>
+          </a:fontRef>
+        </p:style>
+        <p:txBody>
+          <a:bodyPr rtlCol="0" anchor="ctr"/>
+          <a:lstStyle/>
+          <a:p>
+            <a:pPr algn="ctr"/>
+            <a:r>
+              <a:rPr lang="en-US" dirty="0"/>
+              <a:t>Requirement 2</a:t>
+            </a:r>
+          </a:p>
+        </p:txBody>
+      </p:sp>
+      <p:sp>
+        <p:nvSpPr>
+          <p:cNvPr id="9" name="Rectangle 8">
+            <a:extLst>
+              <a:ext uri="{FF2B5EF4-FFF2-40B4-BE49-F238E27FC236}">
+                <a16:creationId xmlns:a16="http://schemas.microsoft.com/office/drawing/2014/main" id="{7F7F4FCB-A11B-4893-A8DC-57044090D74B}"/>
+              </a:ext>
+            </a:extLst>
+          </p:cNvPr>
+          <p:cNvSpPr/>
+          <p:nvPr/>
+        </p:nvSpPr>
+        <p:spPr>
+          <a:xfrm>
+            <a:off x="5069840" y="1788160"/>
+            <a:ext cx="1960880" cy="558800"/>
+          </a:xfrm>
+          <a:prstGeom prst="rect">
+            <a:avLst/>
+          </a:prstGeom>
+        </p:spPr>
+        <p:style>
+          <a:lnRef idx="2">
+            <a:schemeClr val="accent1">
+              <a:shade val="50000"/>
+            </a:schemeClr>
+          </a:lnRef>
+          <a:fillRef idx="1">
+            <a:schemeClr val="accent1"/>
+          </a:fillRef>
+          <a:effectRef idx="0">
+            <a:schemeClr val="accent1"/>
+          </a:effectRef>
+          <a:fontRef idx="minor">
+            <a:schemeClr val="lt1"/>
+          </a:fontRef>
+        </p:style>
+        <p:txBody>
+          <a:bodyPr rtlCol="0" anchor="ctr"/>
+          <a:lstStyle/>
+          <a:p>
+            <a:pPr algn="ctr"/>
+            <a:r>
+              <a:rPr lang="en-US" dirty="0"/>
+              <a:t>Requirement 3</a:t>
+            </a:r>
+          </a:p>
+        </p:txBody>
+      </p:sp>
+      <p:sp>
+        <p:nvSpPr>
+          <p:cNvPr id="13" name="Rectangle 12">
+            <a:extLst>
+              <a:ext uri="{FF2B5EF4-FFF2-40B4-BE49-F238E27FC236}">
+                <a16:creationId xmlns:a16="http://schemas.microsoft.com/office/drawing/2014/main" id="{28DA3B2A-BDAE-4795-A1ED-337B3B75151D}"/>
+              </a:ext>
+            </a:extLst>
+          </p:cNvPr>
+          <p:cNvSpPr/>
+          <p:nvPr/>
+        </p:nvSpPr>
+        <p:spPr>
+          <a:xfrm>
+            <a:off x="1328158" y="3082373"/>
+            <a:ext cx="1960880" cy="558800"/>
+          </a:xfrm>
+          <a:prstGeom prst="rect">
+            <a:avLst/>
+          </a:prstGeom>
+        </p:spPr>
+        <p:style>
+          <a:lnRef idx="2">
+            <a:schemeClr val="accent5">
+              <a:shade val="50000"/>
+            </a:schemeClr>
+          </a:lnRef>
+          <a:fillRef idx="1">
+            <a:schemeClr val="accent5"/>
+          </a:fillRef>
+          <a:effectRef idx="0">
+            <a:schemeClr val="accent5"/>
+          </a:effectRef>
+          <a:fontRef idx="minor">
+            <a:schemeClr val="lt1"/>
+          </a:fontRef>
+        </p:style>
+        <p:txBody>
+          <a:bodyPr rtlCol="0" anchor="ctr"/>
+          <a:lstStyle/>
+          <a:p>
+            <a:pPr algn="ctr"/>
+            <a:r>
+              <a:rPr lang="en-US" dirty="0"/>
+              <a:t>Test Case 1</a:t>
+            </a:r>
+          </a:p>
+        </p:txBody>
+      </p:sp>
+      <p:sp>
+        <p:nvSpPr>
+          <p:cNvPr id="14" name="Rectangle 13">
+            <a:extLst>
+              <a:ext uri="{FF2B5EF4-FFF2-40B4-BE49-F238E27FC236}">
+                <a16:creationId xmlns:a16="http://schemas.microsoft.com/office/drawing/2014/main" id="{BE63E247-0BED-4476-8B64-E7F0E4919D38}"/>
+              </a:ext>
+            </a:extLst>
+          </p:cNvPr>
+          <p:cNvSpPr/>
+          <p:nvPr/>
+        </p:nvSpPr>
+        <p:spPr>
+          <a:xfrm>
+            <a:off x="3370318" y="3072213"/>
+            <a:ext cx="1960880" cy="558800"/>
+          </a:xfrm>
+          <a:prstGeom prst="rect">
+            <a:avLst/>
+          </a:prstGeom>
+        </p:spPr>
+        <p:style>
+          <a:lnRef idx="2">
+            <a:schemeClr val="accent5">
+              <a:shade val="50000"/>
+            </a:schemeClr>
+          </a:lnRef>
+          <a:fillRef idx="1">
+            <a:schemeClr val="accent5"/>
+          </a:fillRef>
+          <a:effectRef idx="0">
+            <a:schemeClr val="accent5"/>
+          </a:effectRef>
+          <a:fontRef idx="minor">
+            <a:schemeClr val="lt1"/>
+          </a:fontRef>
+        </p:style>
+        <p:txBody>
+          <a:bodyPr rtlCol="0" anchor="ctr"/>
+          <a:lstStyle/>
+          <a:p>
+            <a:pPr algn="ctr"/>
+            <a:r>
+              <a:rPr lang="en-US" dirty="0"/>
+              <a:t>Test Case 2</a:t>
+            </a:r>
+          </a:p>
+        </p:txBody>
+      </p:sp>
+      <p:sp>
+        <p:nvSpPr>
+          <p:cNvPr id="15" name="Rectangle 14">
+            <a:extLst>
+              <a:ext uri="{FF2B5EF4-FFF2-40B4-BE49-F238E27FC236}">
+                <a16:creationId xmlns:a16="http://schemas.microsoft.com/office/drawing/2014/main" id="{B1FA705B-AF2A-448C-994A-D175C1F5A048}"/>
+              </a:ext>
+            </a:extLst>
+          </p:cNvPr>
+          <p:cNvSpPr/>
+          <p:nvPr/>
+        </p:nvSpPr>
+        <p:spPr>
+          <a:xfrm>
+            <a:off x="5412478" y="3072213"/>
+            <a:ext cx="1960880" cy="558800"/>
+          </a:xfrm>
+          <a:prstGeom prst="rect">
+            <a:avLst/>
+          </a:prstGeom>
+        </p:spPr>
+        <p:style>
+          <a:lnRef idx="2">
+            <a:schemeClr val="accent5">
+              <a:shade val="50000"/>
+            </a:schemeClr>
+          </a:lnRef>
+          <a:fillRef idx="1">
+            <a:schemeClr val="accent5"/>
+          </a:fillRef>
+          <a:effectRef idx="0">
+            <a:schemeClr val="accent5"/>
+          </a:effectRef>
+          <a:fontRef idx="minor">
+            <a:schemeClr val="lt1"/>
+          </a:fontRef>
+        </p:style>
+        <p:txBody>
+          <a:bodyPr rtlCol="0" anchor="ctr"/>
+          <a:lstStyle/>
+          <a:p>
+            <a:pPr algn="ctr"/>
+            <a:r>
+              <a:rPr lang="en-US" dirty="0"/>
+              <a:t>Test Case 3</a:t>
+            </a:r>
+          </a:p>
+        </p:txBody>
+      </p:sp>
+      <p:sp>
+        <p:nvSpPr>
+          <p:cNvPr id="16" name="Rectangle 15">
+            <a:extLst>
+              <a:ext uri="{FF2B5EF4-FFF2-40B4-BE49-F238E27FC236}">
+                <a16:creationId xmlns:a16="http://schemas.microsoft.com/office/drawing/2014/main" id="{6A5988EC-BB65-4B24-8434-85C210A26D18}"/>
+              </a:ext>
+            </a:extLst>
+          </p:cNvPr>
+          <p:cNvSpPr/>
+          <p:nvPr/>
+        </p:nvSpPr>
+        <p:spPr>
+          <a:xfrm>
+            <a:off x="1648198" y="4288213"/>
+            <a:ext cx="1960880" cy="558800"/>
+          </a:xfrm>
+          <a:prstGeom prst="rect">
+            <a:avLst/>
+          </a:prstGeom>
+        </p:spPr>
+        <p:style>
+          <a:lnRef idx="1">
+            <a:schemeClr val="accent2"/>
+          </a:lnRef>
+          <a:fillRef idx="2">
+            <a:schemeClr val="accent2"/>
+          </a:fillRef>
+          <a:effectRef idx="1">
+            <a:schemeClr val="accent2"/>
+          </a:effectRef>
+          <a:fontRef idx="minor">
+            <a:schemeClr val="dk1"/>
+          </a:fontRef>
+        </p:style>
+        <p:txBody>
+          <a:bodyPr rtlCol="0" anchor="ctr"/>
+          <a:lstStyle/>
+          <a:p>
+            <a:pPr algn="ctr"/>
+            <a:r>
+              <a:rPr lang="en-US" dirty="0"/>
+              <a:t>Test Code 1</a:t>
+            </a:r>
+          </a:p>
+        </p:txBody>
+      </p:sp>
+      <p:sp>
+        <p:nvSpPr>
+          <p:cNvPr id="17" name="Rectangle 16">
+            <a:extLst>
+              <a:ext uri="{FF2B5EF4-FFF2-40B4-BE49-F238E27FC236}">
+                <a16:creationId xmlns:a16="http://schemas.microsoft.com/office/drawing/2014/main" id="{780EAF2B-19EC-4122-BCBF-38B98B581AEC}"/>
+              </a:ext>
+            </a:extLst>
+          </p:cNvPr>
+          <p:cNvSpPr/>
+          <p:nvPr/>
+        </p:nvSpPr>
+        <p:spPr>
+          <a:xfrm>
+            <a:off x="3690358" y="4278053"/>
+            <a:ext cx="1960880" cy="558800"/>
+          </a:xfrm>
+          <a:prstGeom prst="rect">
+            <a:avLst/>
+          </a:prstGeom>
+        </p:spPr>
+        <p:style>
+          <a:lnRef idx="1">
+            <a:schemeClr val="accent2"/>
+          </a:lnRef>
+          <a:fillRef idx="2">
+            <a:schemeClr val="accent2"/>
+          </a:fillRef>
+          <a:effectRef idx="1">
+            <a:schemeClr val="accent2"/>
+          </a:effectRef>
+          <a:fontRef idx="minor">
+            <a:schemeClr val="dk1"/>
+          </a:fontRef>
+        </p:style>
+        <p:txBody>
+          <a:bodyPr rtlCol="0" anchor="ctr"/>
+          <a:lstStyle/>
+          <a:p>
+            <a:pPr algn="ctr"/>
+            <a:r>
+              <a:rPr lang="en-US" dirty="0"/>
+              <a:t>Test Code 2</a:t>
+            </a:r>
+          </a:p>
+        </p:txBody>
+      </p:sp>
+      <p:sp>
+        <p:nvSpPr>
+          <p:cNvPr id="18" name="Rectangle 17">
+            <a:extLst>
+              <a:ext uri="{FF2B5EF4-FFF2-40B4-BE49-F238E27FC236}">
+                <a16:creationId xmlns:a16="http://schemas.microsoft.com/office/drawing/2014/main" id="{00A0FFD5-47EA-4B4F-BD7A-501501760DAD}"/>
+              </a:ext>
+            </a:extLst>
+          </p:cNvPr>
+          <p:cNvSpPr/>
+          <p:nvPr/>
+        </p:nvSpPr>
+        <p:spPr>
+          <a:xfrm>
+            <a:off x="5732518" y="4278053"/>
+            <a:ext cx="1960880" cy="558800"/>
+          </a:xfrm>
+          <a:prstGeom prst="rect">
+            <a:avLst/>
+          </a:prstGeom>
+        </p:spPr>
+        <p:style>
+          <a:lnRef idx="1">
+            <a:schemeClr val="accent2"/>
+          </a:lnRef>
+          <a:fillRef idx="2">
+            <a:schemeClr val="accent2"/>
+          </a:fillRef>
+          <a:effectRef idx="1">
+            <a:schemeClr val="accent2"/>
+          </a:effectRef>
+          <a:fontRef idx="minor">
+            <a:schemeClr val="dk1"/>
+          </a:fontRef>
+        </p:style>
+        <p:txBody>
+          <a:bodyPr rtlCol="0" anchor="ctr"/>
+          <a:lstStyle/>
+          <a:p>
+            <a:pPr algn="ctr"/>
+            <a:r>
+              <a:rPr lang="en-US" dirty="0"/>
+              <a:t>Test Code 3</a:t>
+            </a:r>
+          </a:p>
+        </p:txBody>
+      </p:sp>
+      <p:sp>
+        <p:nvSpPr>
+          <p:cNvPr id="19" name="Rectangle 18">
+            <a:extLst>
+              <a:ext uri="{FF2B5EF4-FFF2-40B4-BE49-F238E27FC236}">
+                <a16:creationId xmlns:a16="http://schemas.microsoft.com/office/drawing/2014/main" id="{C29BF83C-A09C-4C13-BA13-B5ECD47FB6BA}"/>
+              </a:ext>
+            </a:extLst>
+          </p:cNvPr>
+          <p:cNvSpPr/>
+          <p:nvPr/>
+        </p:nvSpPr>
+        <p:spPr>
+          <a:xfrm>
+            <a:off x="5989058" y="5391937"/>
+            <a:ext cx="1960880" cy="558800"/>
+          </a:xfrm>
+          <a:prstGeom prst="rect">
+            <a:avLst/>
+          </a:prstGeom>
+        </p:spPr>
+        <p:style>
+          <a:lnRef idx="2">
+            <a:schemeClr val="accent4">
+              <a:shade val="50000"/>
+            </a:schemeClr>
+          </a:lnRef>
+          <a:fillRef idx="1">
+            <a:schemeClr val="accent4"/>
+          </a:fillRef>
+          <a:effectRef idx="0">
+            <a:schemeClr val="accent4"/>
+          </a:effectRef>
+          <a:fontRef idx="minor">
+            <a:schemeClr val="lt1"/>
+          </a:fontRef>
+        </p:style>
+        <p:txBody>
+          <a:bodyPr rtlCol="0" anchor="ctr"/>
+          <a:lstStyle/>
+          <a:p>
+            <a:pPr algn="ctr"/>
+            <a:r>
+              <a:rPr lang="en-US" dirty="0"/>
+              <a:t>Validation Report</a:t>
+            </a:r>
+          </a:p>
+        </p:txBody>
+      </p:sp>
+      <p:sp>
+        <p:nvSpPr>
+          <p:cNvPr id="20" name="Rectangle 19">
+            <a:extLst>
+              <a:ext uri="{FF2B5EF4-FFF2-40B4-BE49-F238E27FC236}">
+                <a16:creationId xmlns:a16="http://schemas.microsoft.com/office/drawing/2014/main" id="{F2CDF495-9829-406F-AB10-4BFF2AF6D0DB}"/>
+              </a:ext>
+            </a:extLst>
+          </p:cNvPr>
+          <p:cNvSpPr/>
+          <p:nvPr/>
+        </p:nvSpPr>
+        <p:spPr>
+          <a:xfrm>
+            <a:off x="9418320" y="3991649"/>
+            <a:ext cx="1960880" cy="558800"/>
+          </a:xfrm>
+          <a:prstGeom prst="rect">
+            <a:avLst/>
+          </a:prstGeom>
+        </p:spPr>
+        <p:style>
+          <a:lnRef idx="2">
+            <a:schemeClr val="dk1">
+              <a:shade val="50000"/>
+            </a:schemeClr>
+          </a:lnRef>
+          <a:fillRef idx="1">
+            <a:schemeClr val="dk1"/>
+          </a:fillRef>
+          <a:effectRef idx="0">
+            <a:schemeClr val="dk1"/>
+          </a:effectRef>
+          <a:fontRef idx="minor">
+            <a:schemeClr val="lt1"/>
+          </a:fontRef>
+        </p:style>
+        <p:txBody>
+          <a:bodyPr rtlCol="0" anchor="ctr"/>
+          <a:lstStyle/>
+          <a:p>
+            <a:pPr algn="ctr"/>
+            <a:r>
+              <a:rPr lang="en-US" dirty="0"/>
+              <a:t>Validation</a:t>
+            </a:r>
+          </a:p>
+        </p:txBody>
+      </p:sp>
+      <p:cxnSp>
+        <p:nvCxnSpPr>
+          <p:cNvPr id="22" name="Connector: Curved 21">
+            <a:extLst>
+              <a:ext uri="{FF2B5EF4-FFF2-40B4-BE49-F238E27FC236}">
+                <a16:creationId xmlns:a16="http://schemas.microsoft.com/office/drawing/2014/main" id="{38C53C21-4612-4E8E-AD30-F1AFF85C10E5}"/>
+              </a:ext>
+            </a:extLst>
+          </p:cNvPr>
+          <p:cNvCxnSpPr>
+            <a:cxnSpLocks/>
+            <a:stCxn id="9" idx="3"/>
+            <a:endCxn id="13" idx="1"/>
+          </p:cNvCxnSpPr>
+          <p:nvPr/>
+        </p:nvCxnSpPr>
+        <p:spPr>
+          <a:xfrm flipH="1">
+            <a:off x="1328158" y="2067560"/>
+            <a:ext cx="5702562" cy="1294213"/>
+          </a:xfrm>
+          <a:prstGeom prst="curvedConnector5">
+            <a:avLst>
+              <a:gd name="adj1" fmla="val -4009"/>
+              <a:gd name="adj2" fmla="val 50000"/>
+              <a:gd name="adj3" fmla="val 104009"/>
+            </a:avLst>
+          </a:prstGeom>
+          <a:ln>
+            <a:tailEnd type="triangle"/>
+          </a:ln>
+        </p:spPr>
+        <p:style>
+          <a:lnRef idx="1">
+            <a:schemeClr val="accent1"/>
+          </a:lnRef>
+          <a:fillRef idx="0">
+            <a:schemeClr val="accent1"/>
+          </a:fillRef>
+          <a:effectRef idx="0">
+            <a:schemeClr val="accent1"/>
+          </a:effectRef>
+          <a:fontRef idx="minor">
+            <a:schemeClr val="tx1"/>
+          </a:fontRef>
+        </p:style>
+      </p:cxnSp>
+      <p:cxnSp>
+        <p:nvCxnSpPr>
+          <p:cNvPr id="30" name="Connector: Curved 29">
+            <a:extLst>
+              <a:ext uri="{FF2B5EF4-FFF2-40B4-BE49-F238E27FC236}">
+                <a16:creationId xmlns:a16="http://schemas.microsoft.com/office/drawing/2014/main" id="{6E4FAAC7-91AB-483E-B4D7-0CC97FA49A32}"/>
+              </a:ext>
+            </a:extLst>
+          </p:cNvPr>
+          <p:cNvCxnSpPr>
+            <a:cxnSpLocks/>
+            <a:stCxn id="15" idx="3"/>
+            <a:endCxn id="16" idx="1"/>
+          </p:cNvCxnSpPr>
+          <p:nvPr/>
+        </p:nvCxnSpPr>
+        <p:spPr>
+          <a:xfrm flipH="1">
+            <a:off x="1648198" y="3351613"/>
+            <a:ext cx="5725160" cy="1216000"/>
+          </a:xfrm>
+          <a:prstGeom prst="curvedConnector5">
+            <a:avLst>
+              <a:gd name="adj1" fmla="val -3993"/>
+              <a:gd name="adj2" fmla="val 50000"/>
+              <a:gd name="adj3" fmla="val 103993"/>
+            </a:avLst>
+          </a:prstGeom>
+          <a:ln>
+            <a:tailEnd type="triangle"/>
+          </a:ln>
+        </p:spPr>
+        <p:style>
+          <a:lnRef idx="1">
+            <a:schemeClr val="accent1"/>
+          </a:lnRef>
+          <a:fillRef idx="0">
+            <a:schemeClr val="accent1"/>
+          </a:fillRef>
+          <a:effectRef idx="0">
+            <a:schemeClr val="accent1"/>
+          </a:effectRef>
+          <a:fontRef idx="minor">
+            <a:schemeClr val="tx1"/>
+          </a:fontRef>
+        </p:style>
+      </p:cxnSp>
+      <p:cxnSp>
+        <p:nvCxnSpPr>
+          <p:cNvPr id="35" name="Connector: Curved 34">
+            <a:extLst>
+              <a:ext uri="{FF2B5EF4-FFF2-40B4-BE49-F238E27FC236}">
+                <a16:creationId xmlns:a16="http://schemas.microsoft.com/office/drawing/2014/main" id="{29DA4205-3820-4AF7-809A-09222324EB25}"/>
+              </a:ext>
+            </a:extLst>
+          </p:cNvPr>
+          <p:cNvCxnSpPr>
+            <a:cxnSpLocks/>
+            <a:stCxn id="18" idx="3"/>
+            <a:endCxn id="19" idx="1"/>
+          </p:cNvCxnSpPr>
+          <p:nvPr/>
+        </p:nvCxnSpPr>
+        <p:spPr>
+          <a:xfrm flipH="1">
+            <a:off x="5989058" y="4557453"/>
+            <a:ext cx="1704340" cy="1113884"/>
+          </a:xfrm>
+          <a:prstGeom prst="curvedConnector5">
+            <a:avLst>
+              <a:gd name="adj1" fmla="val -13413"/>
+              <a:gd name="adj2" fmla="val 50000"/>
+              <a:gd name="adj3" fmla="val 113413"/>
+            </a:avLst>
+          </a:prstGeom>
+          <a:ln>
+            <a:tailEnd type="triangle"/>
+          </a:ln>
+        </p:spPr>
+        <p:style>
+          <a:lnRef idx="1">
+            <a:schemeClr val="accent1"/>
+          </a:lnRef>
+          <a:fillRef idx="0">
+            <a:schemeClr val="accent1"/>
+          </a:fillRef>
+          <a:effectRef idx="0">
+            <a:schemeClr val="accent1"/>
+          </a:effectRef>
+          <a:fontRef idx="minor">
+            <a:schemeClr val="tx1"/>
+          </a:fontRef>
+        </p:style>
+      </p:cxnSp>
+      <p:cxnSp>
+        <p:nvCxnSpPr>
+          <p:cNvPr id="40" name="Connector: Curved 39">
+            <a:extLst>
+              <a:ext uri="{FF2B5EF4-FFF2-40B4-BE49-F238E27FC236}">
+                <a16:creationId xmlns:a16="http://schemas.microsoft.com/office/drawing/2014/main" id="{4C0B8916-D116-4231-9816-8F8179855583}"/>
+              </a:ext>
+            </a:extLst>
+          </p:cNvPr>
+          <p:cNvCxnSpPr>
+            <a:cxnSpLocks/>
+            <a:stCxn id="19" idx="3"/>
+            <a:endCxn id="20" idx="2"/>
+          </p:cNvCxnSpPr>
+          <p:nvPr/>
+        </p:nvCxnSpPr>
+        <p:spPr>
+          <a:xfrm flipV="1">
+            <a:off x="7949938" y="4550449"/>
+            <a:ext cx="2448822" cy="1120888"/>
+          </a:xfrm>
+          <a:prstGeom prst="curvedConnector2">
+            <a:avLst/>
+          </a:prstGeom>
+          <a:ln>
+            <a:tailEnd type="triangle"/>
+          </a:ln>
+        </p:spPr>
+        <p:style>
+          <a:lnRef idx="1">
+            <a:schemeClr val="accent1"/>
+          </a:lnRef>
+          <a:fillRef idx="0">
+            <a:schemeClr val="accent1"/>
+          </a:fillRef>
+          <a:effectRef idx="0">
+            <a:schemeClr val="accent1"/>
+          </a:effectRef>
+          <a:fontRef idx="minor">
+            <a:schemeClr val="tx1"/>
+          </a:fontRef>
+        </p:style>
+      </p:cxnSp>
+      <p:sp>
+        <p:nvSpPr>
+          <p:cNvPr id="27" name="Rectangle 26">
+            <a:extLst>
+              <a:ext uri="{FF2B5EF4-FFF2-40B4-BE49-F238E27FC236}">
+                <a16:creationId xmlns:a16="http://schemas.microsoft.com/office/drawing/2014/main" id="{2C75A948-4871-49C0-8E09-918C29BE2F58}"/>
+              </a:ext>
+            </a:extLst>
+          </p:cNvPr>
+          <p:cNvSpPr/>
+          <p:nvPr/>
+        </p:nvSpPr>
+        <p:spPr>
+          <a:xfrm>
+            <a:off x="685165" y="1648157"/>
+            <a:ext cx="7817704" cy="1084898"/>
+          </a:xfrm>
+          <a:prstGeom prst="rect">
+            <a:avLst/>
+          </a:prstGeom>
+          <a:noFill/>
+          <a:ln w="38100"/>
+        </p:spPr>
+        <p:style>
+          <a:lnRef idx="2">
+            <a:schemeClr val="accent1">
+              <a:shade val="50000"/>
+            </a:schemeClr>
+          </a:lnRef>
+          <a:fillRef idx="1">
+            <a:schemeClr val="accent1"/>
+          </a:fillRef>
+          <a:effectRef idx="0">
+            <a:schemeClr val="accent1"/>
+          </a:effectRef>
+          <a:fontRef idx="minor">
+            <a:schemeClr val="lt1"/>
+          </a:fontRef>
+        </p:style>
+        <p:txBody>
+          <a:bodyPr rtlCol="0" anchor="ctr"/>
+          <a:lstStyle/>
+          <a:p>
+            <a:pPr algn="ctr"/>
+            <a:endParaRPr lang="en-US"/>
+          </a:p>
+        </p:txBody>
+      </p:sp>
+      <p:sp>
+        <p:nvSpPr>
+          <p:cNvPr id="31" name="Rectangle 30">
+            <a:extLst>
+              <a:ext uri="{FF2B5EF4-FFF2-40B4-BE49-F238E27FC236}">
+                <a16:creationId xmlns:a16="http://schemas.microsoft.com/office/drawing/2014/main" id="{E0288D25-1DA8-45E2-B951-8F548FCAB881}"/>
+              </a:ext>
+            </a:extLst>
+          </p:cNvPr>
+          <p:cNvSpPr/>
+          <p:nvPr/>
+        </p:nvSpPr>
+        <p:spPr>
+          <a:xfrm>
+            <a:off x="685165" y="2733055"/>
+            <a:ext cx="7817704" cy="1216000"/>
+          </a:xfrm>
+          <a:prstGeom prst="rect">
+            <a:avLst/>
+          </a:prstGeom>
+          <a:noFill/>
+          <a:ln w="38100"/>
+        </p:spPr>
+        <p:style>
+          <a:lnRef idx="2">
+            <a:schemeClr val="accent1">
+              <a:shade val="50000"/>
+            </a:schemeClr>
+          </a:lnRef>
+          <a:fillRef idx="1">
+            <a:schemeClr val="accent1"/>
+          </a:fillRef>
+          <a:effectRef idx="0">
+            <a:schemeClr val="accent1"/>
+          </a:effectRef>
+          <a:fontRef idx="minor">
+            <a:schemeClr val="lt1"/>
+          </a:fontRef>
+        </p:style>
+        <p:txBody>
+          <a:bodyPr rtlCol="0" anchor="ctr"/>
+          <a:lstStyle/>
+          <a:p>
+            <a:pPr algn="ctr"/>
+            <a:endParaRPr lang="en-US"/>
+          </a:p>
+        </p:txBody>
+      </p:sp>
+      <p:sp>
+        <p:nvSpPr>
+          <p:cNvPr id="32" name="Rectangle 31">
+            <a:extLst>
+              <a:ext uri="{FF2B5EF4-FFF2-40B4-BE49-F238E27FC236}">
+                <a16:creationId xmlns:a16="http://schemas.microsoft.com/office/drawing/2014/main" id="{F1670A47-41C2-46AE-9A60-1A592FBC2429}"/>
+              </a:ext>
+            </a:extLst>
+          </p:cNvPr>
+          <p:cNvSpPr/>
+          <p:nvPr/>
+        </p:nvSpPr>
+        <p:spPr>
+          <a:xfrm>
+            <a:off x="685165" y="3938822"/>
+            <a:ext cx="7817704" cy="1124117"/>
+          </a:xfrm>
+          <a:prstGeom prst="rect">
+            <a:avLst/>
+          </a:prstGeom>
+          <a:noFill/>
+          <a:ln w="38100"/>
+        </p:spPr>
+        <p:style>
+          <a:lnRef idx="2">
+            <a:schemeClr val="accent1">
+              <a:shade val="50000"/>
+            </a:schemeClr>
+          </a:lnRef>
+          <a:fillRef idx="1">
+            <a:schemeClr val="accent1"/>
+          </a:fillRef>
+          <a:effectRef idx="0">
+            <a:schemeClr val="accent1"/>
+          </a:effectRef>
+          <a:fontRef idx="minor">
+            <a:schemeClr val="lt1"/>
+          </a:fontRef>
+        </p:style>
+        <p:txBody>
+          <a:bodyPr rtlCol="0" anchor="ctr"/>
+          <a:lstStyle/>
+          <a:p>
+            <a:pPr algn="ctr"/>
+            <a:endParaRPr lang="en-US"/>
           </a:p>
         </p:txBody>
       </p:sp>
     </p:spTree>
     <p:extLst>
       <p:ext uri="{BB962C8B-B14F-4D97-AF65-F5344CB8AC3E}">
-        <p14:creationId xmlns:p14="http://schemas.microsoft.com/office/powerpoint/2010/main" val="1171627170"/>
+        <p14:creationId xmlns:p14="http://schemas.microsoft.com/office/powerpoint/2010/main" val="430117980"/>
       </p:ext>
     </p:extLst>
   </p:cSld>
@@ -7025,7 +9212,7 @@
           <a:p>
             <a:r>
               <a:rPr lang="en-US" dirty="0"/>
-              <a:t>Ordering options</a:t>
+              <a:t>Project Development Models</a:t>
             </a:r>
           </a:p>
         </p:txBody>
@@ -7046,42 +9233,44 @@
             <p:ph idx="1"/>
           </p:nvPr>
         </p:nvSpPr>
-        <p:spPr>
-          <a:xfrm>
-            <a:off x="1066800" y="2103120"/>
-            <a:ext cx="5232400" cy="3849624"/>
-          </a:xfrm>
-        </p:spPr>
-        <p:txBody>
-          <a:bodyPr/>
+        <p:spPr/>
+        <p:txBody>
+          <a:bodyPr>
+            <a:normAutofit/>
+          </a:bodyPr>
           <a:lstStyle/>
           <a:p>
             <a:r>
               <a:rPr lang="en-US" sz="2400" dirty="0"/>
-              <a:t>Updating Requirements and Validation Reports by hand</a:t>
-            </a:r>
-          </a:p>
-          <a:p>
+              <a:t>Agile Project Model</a:t>
+            </a:r>
+          </a:p>
+          <a:p>
+            <a:pPr lvl="1"/>
+            <a:r>
+              <a:rPr lang="en-US" sz="2200" dirty="0"/>
+              <a:t>Iterate on all elements based on user feedback</a:t>
+            </a:r>
+          </a:p>
+          <a:p>
+            <a:pPr lvl="1"/>
+            <a:r>
+              <a:rPr lang="en-US" sz="2200" dirty="0"/>
+              <a:t>Short sprints to design and add/test features until users needs are met</a:t>
+            </a:r>
+          </a:p>
+          <a:p>
+            <a:pPr lvl="1"/>
+            <a:r>
+              <a:rPr lang="en-US" sz="2200" dirty="0"/>
+              <a:t>Validation documentation may be generated and rerun after each sprint</a:t>
+            </a:r>
             <a:endParaRPr lang="en-US" sz="2400" dirty="0"/>
           </a:p>
           <a:p>
-            <a:pPr lvl="1"/>
-            <a:r>
-              <a:rPr lang="en-US" sz="2200" dirty="0"/>
-              <a:t>Ensure order matches across updates</a:t>
-            </a:r>
-          </a:p>
-          <a:p>
-            <a:pPr lvl="1"/>
-            <a:r>
-              <a:rPr lang="en-US" sz="2200" dirty="0"/>
-              <a:t>If any numbering impacted, need to update</a:t>
-            </a:r>
-          </a:p>
-          <a:p>
-            <a:endParaRPr lang="en-US" sz="2400" dirty="0"/>
-          </a:p>
-          <a:p>
+            <a:pPr marL="0" indent="0">
+              <a:buNone/>
+            </a:pPr>
             <a:endParaRPr lang="en-US" sz="2400" dirty="0"/>
           </a:p>
           <a:p>
@@ -7093,7 +9282,7 @@
     </p:spTree>
     <p:extLst>
       <p:ext uri="{BB962C8B-B14F-4D97-AF65-F5344CB8AC3E}">
-        <p14:creationId xmlns:p14="http://schemas.microsoft.com/office/powerpoint/2010/main" val="3785140488"/>
+        <p14:creationId xmlns:p14="http://schemas.microsoft.com/office/powerpoint/2010/main" val="2122518490"/>
       </p:ext>
     </p:extLst>
   </p:cSld>
@@ -7143,101 +9332,1659 @@
           <a:p>
             <a:r>
               <a:rPr lang="en-US" dirty="0"/>
-              <a:t>Ordering options</a:t>
-            </a:r>
-          </a:p>
-        </p:txBody>
-      </p:sp>
-      <p:sp>
-        <p:nvSpPr>
-          <p:cNvPr id="2" name="Content Placeholder 1">
+              <a:t>Project Development Models</a:t>
+            </a:r>
+          </a:p>
+        </p:txBody>
+      </p:sp>
+      <p:sp>
+        <p:nvSpPr>
+          <p:cNvPr id="3" name="Rectangle 2">
             <a:extLst>
               <a:ext uri="{FF2B5EF4-FFF2-40B4-BE49-F238E27FC236}">
-                <a16:creationId xmlns:a16="http://schemas.microsoft.com/office/drawing/2014/main" id="{7D7427A6-1030-45CE-92A8-5212E0F721D8}"/>
+                <a16:creationId xmlns:a16="http://schemas.microsoft.com/office/drawing/2014/main" id="{E8CC6C66-6F5E-46BF-972E-AF15E6DD18D0}"/>
               </a:ext>
             </a:extLst>
           </p:cNvPr>
-          <p:cNvSpPr>
-            <a:spLocks noGrp="1"/>
-          </p:cNvSpPr>
-          <p:nvPr>
-            <p:ph idx="1"/>
-          </p:nvPr>
+          <p:cNvSpPr/>
+          <p:nvPr/>
         </p:nvSpPr>
         <p:spPr>
           <a:xfrm>
-            <a:off x="1066800" y="2103120"/>
-            <a:ext cx="5232400" cy="3849624"/>
+            <a:off x="985520" y="1798320"/>
+            <a:ext cx="1960880" cy="558800"/>
           </a:xfrm>
+          <a:prstGeom prst="rect">
+            <a:avLst/>
+          </a:prstGeom>
         </p:spPr>
-        <p:txBody>
-          <a:bodyPr/>
+        <p:style>
+          <a:lnRef idx="2">
+            <a:schemeClr val="accent1">
+              <a:shade val="50000"/>
+            </a:schemeClr>
+          </a:lnRef>
+          <a:fillRef idx="1">
+            <a:schemeClr val="accent1"/>
+          </a:fillRef>
+          <a:effectRef idx="0">
+            <a:schemeClr val="accent1"/>
+          </a:effectRef>
+          <a:fontRef idx="minor">
+            <a:schemeClr val="lt1"/>
+          </a:fontRef>
+        </p:style>
+        <p:txBody>
+          <a:bodyPr rtlCol="0" anchor="ctr"/>
           <a:lstStyle/>
           <a:p>
-            <a:r>
-              <a:rPr lang="en-US" sz="2400" dirty="0" err="1"/>
-              <a:t>vt_get_child_files</a:t>
-            </a:r>
-            <a:r>
-              <a:rPr lang="en-US" sz="2400" dirty="0"/>
-              <a:t>(loc=“</a:t>
-            </a:r>
-            <a:r>
-              <a:rPr lang="en-US" sz="2400" dirty="0" err="1"/>
-              <a:t>yml</a:t>
-            </a:r>
-            <a:r>
-              <a:rPr lang="en-US" sz="2400" dirty="0"/>
-              <a:t>”)</a:t>
-            </a:r>
-            <a:endParaRPr lang="en-US" sz="2200" dirty="0"/>
-          </a:p>
-          <a:p>
-            <a:pPr lvl="1"/>
-            <a:r>
-              <a:rPr lang="en-US" sz="2000" dirty="0"/>
-              <a:t>Vector of files in order of </a:t>
-            </a:r>
-            <a:r>
-              <a:rPr lang="en-US" sz="2000" dirty="0" err="1"/>
-              <a:t>yml</a:t>
-            </a:r>
-            <a:endParaRPr lang="en-US" sz="2000" dirty="0"/>
-          </a:p>
-          <a:p>
-            <a:pPr lvl="1"/>
-            <a:endParaRPr lang="en-US" sz="2000" dirty="0"/>
-          </a:p>
-          <a:p>
-            <a:r>
-              <a:rPr lang="en-US" sz="2200" dirty="0" err="1"/>
-              <a:t>vt_file</a:t>
-            </a:r>
-            <a:r>
-              <a:rPr lang="en-US" sz="2200" dirty="0"/>
-              <a:t>()</a:t>
-            </a:r>
-          </a:p>
-          <a:p>
-            <a:pPr lvl="1"/>
-            <a:r>
-              <a:rPr lang="en-US" sz="2000" dirty="0"/>
-              <a:t>Serialized across vectors</a:t>
-            </a:r>
-          </a:p>
-          <a:p>
-            <a:endParaRPr lang="en-US" sz="2400" dirty="0"/>
-          </a:p>
-          <a:p>
-            <a:pPr lvl="1"/>
-            <a:endParaRPr lang="en-US" dirty="0"/>
-          </a:p>
-        </p:txBody>
-      </p:sp>
+            <a:pPr algn="ctr"/>
+            <a:r>
+              <a:rPr lang="en-US" dirty="0"/>
+              <a:t>Requirement 1</a:t>
+            </a:r>
+          </a:p>
+        </p:txBody>
+      </p:sp>
+      <p:sp>
+        <p:nvSpPr>
+          <p:cNvPr id="7" name="Rectangle 6">
+            <a:extLst>
+              <a:ext uri="{FF2B5EF4-FFF2-40B4-BE49-F238E27FC236}">
+                <a16:creationId xmlns:a16="http://schemas.microsoft.com/office/drawing/2014/main" id="{F09F9528-97AF-46BD-A42E-120300848722}"/>
+              </a:ext>
+            </a:extLst>
+          </p:cNvPr>
+          <p:cNvSpPr/>
+          <p:nvPr/>
+        </p:nvSpPr>
+        <p:spPr>
+          <a:xfrm>
+            <a:off x="4099463" y="1767054"/>
+            <a:ext cx="1960880" cy="558800"/>
+          </a:xfrm>
+          <a:prstGeom prst="rect">
+            <a:avLst/>
+          </a:prstGeom>
+        </p:spPr>
+        <p:style>
+          <a:lnRef idx="2">
+            <a:schemeClr val="accent1">
+              <a:shade val="50000"/>
+            </a:schemeClr>
+          </a:lnRef>
+          <a:fillRef idx="1">
+            <a:schemeClr val="accent1"/>
+          </a:fillRef>
+          <a:effectRef idx="0">
+            <a:schemeClr val="accent1"/>
+          </a:effectRef>
+          <a:fontRef idx="minor">
+            <a:schemeClr val="lt1"/>
+          </a:fontRef>
+        </p:style>
+        <p:txBody>
+          <a:bodyPr rtlCol="0" anchor="ctr"/>
+          <a:lstStyle/>
+          <a:p>
+            <a:pPr algn="ctr"/>
+            <a:r>
+              <a:rPr lang="en-US" dirty="0"/>
+              <a:t>Requirement 2</a:t>
+            </a:r>
+          </a:p>
+        </p:txBody>
+      </p:sp>
+      <p:sp>
+        <p:nvSpPr>
+          <p:cNvPr id="9" name="Rectangle 8">
+            <a:extLst>
+              <a:ext uri="{FF2B5EF4-FFF2-40B4-BE49-F238E27FC236}">
+                <a16:creationId xmlns:a16="http://schemas.microsoft.com/office/drawing/2014/main" id="{7F7F4FCB-A11B-4893-A8DC-57044090D74B}"/>
+              </a:ext>
+            </a:extLst>
+          </p:cNvPr>
+          <p:cNvSpPr/>
+          <p:nvPr/>
+        </p:nvSpPr>
+        <p:spPr>
+          <a:xfrm>
+            <a:off x="7333813" y="1776374"/>
+            <a:ext cx="1960880" cy="558800"/>
+          </a:xfrm>
+          <a:prstGeom prst="rect">
+            <a:avLst/>
+          </a:prstGeom>
+        </p:spPr>
+        <p:style>
+          <a:lnRef idx="2">
+            <a:schemeClr val="accent1">
+              <a:shade val="50000"/>
+            </a:schemeClr>
+          </a:lnRef>
+          <a:fillRef idx="1">
+            <a:schemeClr val="accent1"/>
+          </a:fillRef>
+          <a:effectRef idx="0">
+            <a:schemeClr val="accent1"/>
+          </a:effectRef>
+          <a:fontRef idx="minor">
+            <a:schemeClr val="lt1"/>
+          </a:fontRef>
+        </p:style>
+        <p:txBody>
+          <a:bodyPr rtlCol="0" anchor="ctr"/>
+          <a:lstStyle/>
+          <a:p>
+            <a:pPr algn="ctr"/>
+            <a:r>
+              <a:rPr lang="en-US" dirty="0"/>
+              <a:t>Requirement 3</a:t>
+            </a:r>
+          </a:p>
+        </p:txBody>
+      </p:sp>
+      <p:sp>
+        <p:nvSpPr>
+          <p:cNvPr id="13" name="Rectangle 12">
+            <a:extLst>
+              <a:ext uri="{FF2B5EF4-FFF2-40B4-BE49-F238E27FC236}">
+                <a16:creationId xmlns:a16="http://schemas.microsoft.com/office/drawing/2014/main" id="{28DA3B2A-BDAE-4795-A1ED-337B3B75151D}"/>
+              </a:ext>
+            </a:extLst>
+          </p:cNvPr>
+          <p:cNvSpPr/>
+          <p:nvPr/>
+        </p:nvSpPr>
+        <p:spPr>
+          <a:xfrm>
+            <a:off x="1307313" y="2915485"/>
+            <a:ext cx="1960880" cy="558800"/>
+          </a:xfrm>
+          <a:prstGeom prst="rect">
+            <a:avLst/>
+          </a:prstGeom>
+        </p:spPr>
+        <p:style>
+          <a:lnRef idx="2">
+            <a:schemeClr val="accent5">
+              <a:shade val="50000"/>
+            </a:schemeClr>
+          </a:lnRef>
+          <a:fillRef idx="1">
+            <a:schemeClr val="accent5"/>
+          </a:fillRef>
+          <a:effectRef idx="0">
+            <a:schemeClr val="accent5"/>
+          </a:effectRef>
+          <a:fontRef idx="minor">
+            <a:schemeClr val="lt1"/>
+          </a:fontRef>
+        </p:style>
+        <p:txBody>
+          <a:bodyPr rtlCol="0" anchor="ctr"/>
+          <a:lstStyle/>
+          <a:p>
+            <a:pPr algn="ctr"/>
+            <a:r>
+              <a:rPr lang="en-US" dirty="0"/>
+              <a:t>Test Case 1</a:t>
+            </a:r>
+          </a:p>
+        </p:txBody>
+      </p:sp>
+      <p:sp>
+        <p:nvSpPr>
+          <p:cNvPr id="14" name="Rectangle 13">
+            <a:extLst>
+              <a:ext uri="{FF2B5EF4-FFF2-40B4-BE49-F238E27FC236}">
+                <a16:creationId xmlns:a16="http://schemas.microsoft.com/office/drawing/2014/main" id="{BE63E247-0BED-4476-8B64-E7F0E4919D38}"/>
+              </a:ext>
+            </a:extLst>
+          </p:cNvPr>
+          <p:cNvSpPr/>
+          <p:nvPr/>
+        </p:nvSpPr>
+        <p:spPr>
+          <a:xfrm>
+            <a:off x="4218242" y="3105890"/>
+            <a:ext cx="1960880" cy="558800"/>
+          </a:xfrm>
+          <a:prstGeom prst="rect">
+            <a:avLst/>
+          </a:prstGeom>
+        </p:spPr>
+        <p:style>
+          <a:lnRef idx="2">
+            <a:schemeClr val="accent5">
+              <a:shade val="50000"/>
+            </a:schemeClr>
+          </a:lnRef>
+          <a:fillRef idx="1">
+            <a:schemeClr val="accent5"/>
+          </a:fillRef>
+          <a:effectRef idx="0">
+            <a:schemeClr val="accent5"/>
+          </a:effectRef>
+          <a:fontRef idx="minor">
+            <a:schemeClr val="lt1"/>
+          </a:fontRef>
+        </p:style>
+        <p:txBody>
+          <a:bodyPr rtlCol="0" anchor="ctr"/>
+          <a:lstStyle/>
+          <a:p>
+            <a:pPr algn="ctr"/>
+            <a:r>
+              <a:rPr lang="en-US" dirty="0"/>
+              <a:t>Test Case 2</a:t>
+            </a:r>
+          </a:p>
+        </p:txBody>
+      </p:sp>
+      <p:sp>
+        <p:nvSpPr>
+          <p:cNvPr id="15" name="Rectangle 14">
+            <a:extLst>
+              <a:ext uri="{FF2B5EF4-FFF2-40B4-BE49-F238E27FC236}">
+                <a16:creationId xmlns:a16="http://schemas.microsoft.com/office/drawing/2014/main" id="{B1FA705B-AF2A-448C-994A-D175C1F5A048}"/>
+              </a:ext>
+            </a:extLst>
+          </p:cNvPr>
+          <p:cNvSpPr/>
+          <p:nvPr/>
+        </p:nvSpPr>
+        <p:spPr>
+          <a:xfrm>
+            <a:off x="7510145" y="2940142"/>
+            <a:ext cx="1960880" cy="558800"/>
+          </a:xfrm>
+          <a:prstGeom prst="rect">
+            <a:avLst/>
+          </a:prstGeom>
+        </p:spPr>
+        <p:style>
+          <a:lnRef idx="2">
+            <a:schemeClr val="accent5">
+              <a:shade val="50000"/>
+            </a:schemeClr>
+          </a:lnRef>
+          <a:fillRef idx="1">
+            <a:schemeClr val="accent5"/>
+          </a:fillRef>
+          <a:effectRef idx="0">
+            <a:schemeClr val="accent5"/>
+          </a:effectRef>
+          <a:fontRef idx="minor">
+            <a:schemeClr val="lt1"/>
+          </a:fontRef>
+        </p:style>
+        <p:txBody>
+          <a:bodyPr rtlCol="0" anchor="ctr"/>
+          <a:lstStyle/>
+          <a:p>
+            <a:pPr algn="ctr"/>
+            <a:r>
+              <a:rPr lang="en-US" dirty="0"/>
+              <a:t>Test Case 3</a:t>
+            </a:r>
+          </a:p>
+        </p:txBody>
+      </p:sp>
+      <p:sp>
+        <p:nvSpPr>
+          <p:cNvPr id="16" name="Rectangle 15">
+            <a:extLst>
+              <a:ext uri="{FF2B5EF4-FFF2-40B4-BE49-F238E27FC236}">
+                <a16:creationId xmlns:a16="http://schemas.microsoft.com/office/drawing/2014/main" id="{6A5988EC-BB65-4B24-8434-85C210A26D18}"/>
+              </a:ext>
+            </a:extLst>
+          </p:cNvPr>
+          <p:cNvSpPr/>
+          <p:nvPr/>
+        </p:nvSpPr>
+        <p:spPr>
+          <a:xfrm>
+            <a:off x="1228090" y="4106034"/>
+            <a:ext cx="1960880" cy="558800"/>
+          </a:xfrm>
+          <a:prstGeom prst="rect">
+            <a:avLst/>
+          </a:prstGeom>
+        </p:spPr>
+        <p:style>
+          <a:lnRef idx="1">
+            <a:schemeClr val="accent2"/>
+          </a:lnRef>
+          <a:fillRef idx="2">
+            <a:schemeClr val="accent2"/>
+          </a:fillRef>
+          <a:effectRef idx="1">
+            <a:schemeClr val="accent2"/>
+          </a:effectRef>
+          <a:fontRef idx="minor">
+            <a:schemeClr val="dk1"/>
+          </a:fontRef>
+        </p:style>
+        <p:txBody>
+          <a:bodyPr rtlCol="0" anchor="ctr"/>
+          <a:lstStyle/>
+          <a:p>
+            <a:pPr algn="ctr"/>
+            <a:r>
+              <a:rPr lang="en-US" dirty="0"/>
+              <a:t>Test Code 1</a:t>
+            </a:r>
+          </a:p>
+        </p:txBody>
+      </p:sp>
+      <p:sp>
+        <p:nvSpPr>
+          <p:cNvPr id="17" name="Rectangle 16">
+            <a:extLst>
+              <a:ext uri="{FF2B5EF4-FFF2-40B4-BE49-F238E27FC236}">
+                <a16:creationId xmlns:a16="http://schemas.microsoft.com/office/drawing/2014/main" id="{780EAF2B-19EC-4122-BCBF-38B98B581AEC}"/>
+              </a:ext>
+            </a:extLst>
+          </p:cNvPr>
+          <p:cNvSpPr/>
+          <p:nvPr/>
+        </p:nvSpPr>
+        <p:spPr>
+          <a:xfrm>
+            <a:off x="4364574" y="4330652"/>
+            <a:ext cx="1960880" cy="558800"/>
+          </a:xfrm>
+          <a:prstGeom prst="rect">
+            <a:avLst/>
+          </a:prstGeom>
+        </p:spPr>
+        <p:style>
+          <a:lnRef idx="1">
+            <a:schemeClr val="accent2"/>
+          </a:lnRef>
+          <a:fillRef idx="2">
+            <a:schemeClr val="accent2"/>
+          </a:fillRef>
+          <a:effectRef idx="1">
+            <a:schemeClr val="accent2"/>
+          </a:effectRef>
+          <a:fontRef idx="minor">
+            <a:schemeClr val="dk1"/>
+          </a:fontRef>
+        </p:style>
+        <p:txBody>
+          <a:bodyPr rtlCol="0" anchor="ctr"/>
+          <a:lstStyle/>
+          <a:p>
+            <a:pPr algn="ctr"/>
+            <a:r>
+              <a:rPr lang="en-US" dirty="0"/>
+              <a:t>Test Code 2</a:t>
+            </a:r>
+          </a:p>
+        </p:txBody>
+      </p:sp>
+      <p:sp>
+        <p:nvSpPr>
+          <p:cNvPr id="18" name="Rectangle 17">
+            <a:extLst>
+              <a:ext uri="{FF2B5EF4-FFF2-40B4-BE49-F238E27FC236}">
+                <a16:creationId xmlns:a16="http://schemas.microsoft.com/office/drawing/2014/main" id="{00A0FFD5-47EA-4B4F-BD7A-501501760DAD}"/>
+              </a:ext>
+            </a:extLst>
+          </p:cNvPr>
+          <p:cNvSpPr/>
+          <p:nvPr/>
+        </p:nvSpPr>
+        <p:spPr>
+          <a:xfrm>
+            <a:off x="7510145" y="4042653"/>
+            <a:ext cx="1960880" cy="558800"/>
+          </a:xfrm>
+          <a:prstGeom prst="rect">
+            <a:avLst/>
+          </a:prstGeom>
+        </p:spPr>
+        <p:style>
+          <a:lnRef idx="1">
+            <a:schemeClr val="accent2"/>
+          </a:lnRef>
+          <a:fillRef idx="2">
+            <a:schemeClr val="accent2"/>
+          </a:fillRef>
+          <a:effectRef idx="1">
+            <a:schemeClr val="accent2"/>
+          </a:effectRef>
+          <a:fontRef idx="minor">
+            <a:schemeClr val="dk1"/>
+          </a:fontRef>
+        </p:style>
+        <p:txBody>
+          <a:bodyPr rtlCol="0" anchor="ctr"/>
+          <a:lstStyle/>
+          <a:p>
+            <a:pPr algn="ctr"/>
+            <a:r>
+              <a:rPr lang="en-US" dirty="0"/>
+              <a:t>Test Code 3</a:t>
+            </a:r>
+          </a:p>
+        </p:txBody>
+      </p:sp>
+      <p:sp>
+        <p:nvSpPr>
+          <p:cNvPr id="19" name="Rectangle 18">
+            <a:extLst>
+              <a:ext uri="{FF2B5EF4-FFF2-40B4-BE49-F238E27FC236}">
+                <a16:creationId xmlns:a16="http://schemas.microsoft.com/office/drawing/2014/main" id="{C29BF83C-A09C-4C13-BA13-B5ECD47FB6BA}"/>
+              </a:ext>
+            </a:extLst>
+          </p:cNvPr>
+          <p:cNvSpPr/>
+          <p:nvPr/>
+        </p:nvSpPr>
+        <p:spPr>
+          <a:xfrm>
+            <a:off x="4422140" y="5860829"/>
+            <a:ext cx="1960880" cy="558800"/>
+          </a:xfrm>
+          <a:prstGeom prst="rect">
+            <a:avLst/>
+          </a:prstGeom>
+        </p:spPr>
+        <p:style>
+          <a:lnRef idx="2">
+            <a:schemeClr val="accent4">
+              <a:shade val="50000"/>
+            </a:schemeClr>
+          </a:lnRef>
+          <a:fillRef idx="1">
+            <a:schemeClr val="accent4"/>
+          </a:fillRef>
+          <a:effectRef idx="0">
+            <a:schemeClr val="accent4"/>
+          </a:effectRef>
+          <a:fontRef idx="minor">
+            <a:schemeClr val="lt1"/>
+          </a:fontRef>
+        </p:style>
+        <p:txBody>
+          <a:bodyPr rtlCol="0" anchor="ctr"/>
+          <a:lstStyle/>
+          <a:p>
+            <a:pPr algn="ctr"/>
+            <a:r>
+              <a:rPr lang="en-US" dirty="0"/>
+              <a:t>Validation Report</a:t>
+            </a:r>
+          </a:p>
+        </p:txBody>
+      </p:sp>
+      <p:sp>
+        <p:nvSpPr>
+          <p:cNvPr id="20" name="Rectangle 19">
+            <a:extLst>
+              <a:ext uri="{FF2B5EF4-FFF2-40B4-BE49-F238E27FC236}">
+                <a16:creationId xmlns:a16="http://schemas.microsoft.com/office/drawing/2014/main" id="{F2CDF495-9829-406F-AB10-4BFF2AF6D0DB}"/>
+              </a:ext>
+            </a:extLst>
+          </p:cNvPr>
+          <p:cNvSpPr/>
+          <p:nvPr/>
+        </p:nvSpPr>
+        <p:spPr>
+          <a:xfrm>
+            <a:off x="9093200" y="5860829"/>
+            <a:ext cx="1960880" cy="558800"/>
+          </a:xfrm>
+          <a:prstGeom prst="rect">
+            <a:avLst/>
+          </a:prstGeom>
+        </p:spPr>
+        <p:style>
+          <a:lnRef idx="2">
+            <a:schemeClr val="dk1">
+              <a:shade val="50000"/>
+            </a:schemeClr>
+          </a:lnRef>
+          <a:fillRef idx="1">
+            <a:schemeClr val="dk1"/>
+          </a:fillRef>
+          <a:effectRef idx="0">
+            <a:schemeClr val="dk1"/>
+          </a:effectRef>
+          <a:fontRef idx="minor">
+            <a:schemeClr val="lt1"/>
+          </a:fontRef>
+        </p:style>
+        <p:txBody>
+          <a:bodyPr rtlCol="0" anchor="ctr"/>
+          <a:lstStyle/>
+          <a:p>
+            <a:pPr algn="ctr"/>
+            <a:r>
+              <a:rPr lang="en-US" dirty="0"/>
+              <a:t>Validation</a:t>
+            </a:r>
+          </a:p>
+        </p:txBody>
+      </p:sp>
+      <p:cxnSp>
+        <p:nvCxnSpPr>
+          <p:cNvPr id="30" name="Connector: Curved 29">
+            <a:extLst>
+              <a:ext uri="{FF2B5EF4-FFF2-40B4-BE49-F238E27FC236}">
+                <a16:creationId xmlns:a16="http://schemas.microsoft.com/office/drawing/2014/main" id="{6E4FAAC7-91AB-483E-B4D7-0CC97FA49A32}"/>
+              </a:ext>
+            </a:extLst>
+          </p:cNvPr>
+          <p:cNvCxnSpPr>
+            <a:cxnSpLocks/>
+            <a:stCxn id="13" idx="3"/>
+            <a:endCxn id="16" idx="1"/>
+          </p:cNvCxnSpPr>
+          <p:nvPr/>
+        </p:nvCxnSpPr>
+        <p:spPr>
+          <a:xfrm flipH="1">
+            <a:off x="1228090" y="3194885"/>
+            <a:ext cx="2040103" cy="1190549"/>
+          </a:xfrm>
+          <a:prstGeom prst="curvedConnector5">
+            <a:avLst>
+              <a:gd name="adj1" fmla="val -11205"/>
+              <a:gd name="adj2" fmla="val 50000"/>
+              <a:gd name="adj3" fmla="val 111205"/>
+            </a:avLst>
+          </a:prstGeom>
+          <a:ln>
+            <a:tailEnd type="triangle"/>
+          </a:ln>
+        </p:spPr>
+        <p:style>
+          <a:lnRef idx="1">
+            <a:schemeClr val="accent1"/>
+          </a:lnRef>
+          <a:fillRef idx="0">
+            <a:schemeClr val="accent1"/>
+          </a:fillRef>
+          <a:effectRef idx="0">
+            <a:schemeClr val="accent1"/>
+          </a:effectRef>
+          <a:fontRef idx="minor">
+            <a:schemeClr val="tx1"/>
+          </a:fontRef>
+        </p:style>
+      </p:cxnSp>
+      <p:cxnSp>
+        <p:nvCxnSpPr>
+          <p:cNvPr id="35" name="Connector: Curved 34">
+            <a:extLst>
+              <a:ext uri="{FF2B5EF4-FFF2-40B4-BE49-F238E27FC236}">
+                <a16:creationId xmlns:a16="http://schemas.microsoft.com/office/drawing/2014/main" id="{29DA4205-3820-4AF7-809A-09222324EB25}"/>
+              </a:ext>
+            </a:extLst>
+          </p:cNvPr>
+          <p:cNvCxnSpPr>
+            <a:cxnSpLocks/>
+            <a:stCxn id="18" idx="3"/>
+            <a:endCxn id="19" idx="1"/>
+          </p:cNvCxnSpPr>
+          <p:nvPr/>
+        </p:nvCxnSpPr>
+        <p:spPr>
+          <a:xfrm flipH="1">
+            <a:off x="4422140" y="4322053"/>
+            <a:ext cx="5048885" cy="1818176"/>
+          </a:xfrm>
+          <a:prstGeom prst="curvedConnector5">
+            <a:avLst>
+              <a:gd name="adj1" fmla="val -4528"/>
+              <a:gd name="adj2" fmla="val 50000"/>
+              <a:gd name="adj3" fmla="val 104528"/>
+            </a:avLst>
+          </a:prstGeom>
+          <a:ln>
+            <a:tailEnd type="triangle"/>
+          </a:ln>
+        </p:spPr>
+        <p:style>
+          <a:lnRef idx="1">
+            <a:schemeClr val="accent1"/>
+          </a:lnRef>
+          <a:fillRef idx="0">
+            <a:schemeClr val="accent1"/>
+          </a:fillRef>
+          <a:effectRef idx="0">
+            <a:schemeClr val="accent1"/>
+          </a:effectRef>
+          <a:fontRef idx="minor">
+            <a:schemeClr val="tx1"/>
+          </a:fontRef>
+        </p:style>
+      </p:cxnSp>
+      <p:cxnSp>
+        <p:nvCxnSpPr>
+          <p:cNvPr id="40" name="Connector: Curved 39">
+            <a:extLst>
+              <a:ext uri="{FF2B5EF4-FFF2-40B4-BE49-F238E27FC236}">
+                <a16:creationId xmlns:a16="http://schemas.microsoft.com/office/drawing/2014/main" id="{4C0B8916-D116-4231-9816-8F8179855583}"/>
+              </a:ext>
+            </a:extLst>
+          </p:cNvPr>
+          <p:cNvCxnSpPr>
+            <a:cxnSpLocks/>
+            <a:stCxn id="19" idx="3"/>
+            <a:endCxn id="20" idx="1"/>
+          </p:cNvCxnSpPr>
+          <p:nvPr/>
+        </p:nvCxnSpPr>
+        <p:spPr>
+          <a:xfrm>
+            <a:off x="6383020" y="6140229"/>
+            <a:ext cx="2710180" cy="12700"/>
+          </a:xfrm>
+          <a:prstGeom prst="curvedConnector3">
+            <a:avLst>
+              <a:gd name="adj1" fmla="val 50000"/>
+            </a:avLst>
+          </a:prstGeom>
+          <a:ln>
+            <a:tailEnd type="triangle"/>
+          </a:ln>
+        </p:spPr>
+        <p:style>
+          <a:lnRef idx="1">
+            <a:schemeClr val="accent1"/>
+          </a:lnRef>
+          <a:fillRef idx="0">
+            <a:schemeClr val="accent1"/>
+          </a:fillRef>
+          <a:effectRef idx="0">
+            <a:schemeClr val="accent1"/>
+          </a:effectRef>
+          <a:fontRef idx="minor">
+            <a:schemeClr val="tx1"/>
+          </a:fontRef>
+        </p:style>
+      </p:cxnSp>
+      <p:cxnSp>
+        <p:nvCxnSpPr>
+          <p:cNvPr id="29" name="Connector: Curved 28">
+            <a:extLst>
+              <a:ext uri="{FF2B5EF4-FFF2-40B4-BE49-F238E27FC236}">
+                <a16:creationId xmlns:a16="http://schemas.microsoft.com/office/drawing/2014/main" id="{6DCB7271-5574-4725-84F2-BADEE313343D}"/>
+              </a:ext>
+            </a:extLst>
+          </p:cNvPr>
+          <p:cNvCxnSpPr>
+            <a:cxnSpLocks/>
+            <a:stCxn id="3" idx="3"/>
+            <a:endCxn id="7" idx="1"/>
+          </p:cNvCxnSpPr>
+          <p:nvPr/>
+        </p:nvCxnSpPr>
+        <p:spPr>
+          <a:xfrm flipV="1">
+            <a:off x="2946400" y="2046454"/>
+            <a:ext cx="1153063" cy="31266"/>
+          </a:xfrm>
+          <a:prstGeom prst="curvedConnector3">
+            <a:avLst>
+              <a:gd name="adj1" fmla="val 50000"/>
+            </a:avLst>
+          </a:prstGeom>
+          <a:ln>
+            <a:tailEnd type="triangle"/>
+          </a:ln>
+        </p:spPr>
+        <p:style>
+          <a:lnRef idx="1">
+            <a:schemeClr val="accent1"/>
+          </a:lnRef>
+          <a:fillRef idx="0">
+            <a:schemeClr val="accent1"/>
+          </a:fillRef>
+          <a:effectRef idx="0">
+            <a:schemeClr val="accent1"/>
+          </a:effectRef>
+          <a:fontRef idx="minor">
+            <a:schemeClr val="tx1"/>
+          </a:fontRef>
+        </p:style>
+      </p:cxnSp>
+      <p:cxnSp>
+        <p:nvCxnSpPr>
+          <p:cNvPr id="39" name="Connector: Curved 38">
+            <a:extLst>
+              <a:ext uri="{FF2B5EF4-FFF2-40B4-BE49-F238E27FC236}">
+                <a16:creationId xmlns:a16="http://schemas.microsoft.com/office/drawing/2014/main" id="{315B3CEC-DC5E-48F1-B0E0-E95E9AFFDB31}"/>
+              </a:ext>
+            </a:extLst>
+          </p:cNvPr>
+          <p:cNvCxnSpPr>
+            <a:cxnSpLocks/>
+            <a:stCxn id="3" idx="3"/>
+            <a:endCxn id="13" idx="1"/>
+          </p:cNvCxnSpPr>
+          <p:nvPr/>
+        </p:nvCxnSpPr>
+        <p:spPr>
+          <a:xfrm flipH="1">
+            <a:off x="1307313" y="2077720"/>
+            <a:ext cx="1639087" cy="1117165"/>
+          </a:xfrm>
+          <a:prstGeom prst="curvedConnector5">
+            <a:avLst>
+              <a:gd name="adj1" fmla="val -13947"/>
+              <a:gd name="adj2" fmla="val 50000"/>
+              <a:gd name="adj3" fmla="val 113947"/>
+            </a:avLst>
+          </a:prstGeom>
+          <a:ln>
+            <a:tailEnd type="triangle"/>
+          </a:ln>
+        </p:spPr>
+        <p:style>
+          <a:lnRef idx="1">
+            <a:schemeClr val="accent1"/>
+          </a:lnRef>
+          <a:fillRef idx="0">
+            <a:schemeClr val="accent1"/>
+          </a:fillRef>
+          <a:effectRef idx="0">
+            <a:schemeClr val="accent1"/>
+          </a:effectRef>
+          <a:fontRef idx="minor">
+            <a:schemeClr val="tx1"/>
+          </a:fontRef>
+        </p:style>
+      </p:cxnSp>
+      <p:cxnSp>
+        <p:nvCxnSpPr>
+          <p:cNvPr id="42" name="Connector: Curved 41">
+            <a:extLst>
+              <a:ext uri="{FF2B5EF4-FFF2-40B4-BE49-F238E27FC236}">
+                <a16:creationId xmlns:a16="http://schemas.microsoft.com/office/drawing/2014/main" id="{66DF90B3-ABDF-408C-8BF7-3DDEBD0ED74C}"/>
+              </a:ext>
+            </a:extLst>
+          </p:cNvPr>
+          <p:cNvCxnSpPr>
+            <a:cxnSpLocks/>
+            <a:stCxn id="13" idx="3"/>
+            <a:endCxn id="3" idx="1"/>
+          </p:cNvCxnSpPr>
+          <p:nvPr/>
+        </p:nvCxnSpPr>
+        <p:spPr>
+          <a:xfrm flipH="1" flipV="1">
+            <a:off x="985520" y="2077720"/>
+            <a:ext cx="2282673" cy="1117165"/>
+          </a:xfrm>
+          <a:prstGeom prst="curvedConnector5">
+            <a:avLst>
+              <a:gd name="adj1" fmla="val -10015"/>
+              <a:gd name="adj2" fmla="val 50000"/>
+              <a:gd name="adj3" fmla="val 110015"/>
+            </a:avLst>
+          </a:prstGeom>
+          <a:ln>
+            <a:tailEnd type="triangle"/>
+          </a:ln>
+        </p:spPr>
+        <p:style>
+          <a:lnRef idx="1">
+            <a:schemeClr val="accent1"/>
+          </a:lnRef>
+          <a:fillRef idx="0">
+            <a:schemeClr val="accent1"/>
+          </a:fillRef>
+          <a:effectRef idx="0">
+            <a:schemeClr val="accent1"/>
+          </a:effectRef>
+          <a:fontRef idx="minor">
+            <a:schemeClr val="tx1"/>
+          </a:fontRef>
+        </p:style>
+      </p:cxnSp>
+      <p:cxnSp>
+        <p:nvCxnSpPr>
+          <p:cNvPr id="51" name="Connector: Curved 50">
+            <a:extLst>
+              <a:ext uri="{FF2B5EF4-FFF2-40B4-BE49-F238E27FC236}">
+                <a16:creationId xmlns:a16="http://schemas.microsoft.com/office/drawing/2014/main" id="{10128308-A498-4D93-8AF9-346176970E0D}"/>
+              </a:ext>
+            </a:extLst>
+          </p:cNvPr>
+          <p:cNvCxnSpPr>
+            <a:cxnSpLocks/>
+            <a:stCxn id="7" idx="3"/>
+            <a:endCxn id="14" idx="1"/>
+          </p:cNvCxnSpPr>
+          <p:nvPr/>
+        </p:nvCxnSpPr>
+        <p:spPr>
+          <a:xfrm flipH="1">
+            <a:off x="4218242" y="2046454"/>
+            <a:ext cx="1842101" cy="1338836"/>
+          </a:xfrm>
+          <a:prstGeom prst="curvedConnector5">
+            <a:avLst>
+              <a:gd name="adj1" fmla="val -12410"/>
+              <a:gd name="adj2" fmla="val 50000"/>
+              <a:gd name="adj3" fmla="val 112410"/>
+            </a:avLst>
+          </a:prstGeom>
+          <a:ln>
+            <a:tailEnd type="triangle"/>
+          </a:ln>
+        </p:spPr>
+        <p:style>
+          <a:lnRef idx="1">
+            <a:schemeClr val="accent1"/>
+          </a:lnRef>
+          <a:fillRef idx="0">
+            <a:schemeClr val="accent1"/>
+          </a:fillRef>
+          <a:effectRef idx="0">
+            <a:schemeClr val="accent1"/>
+          </a:effectRef>
+          <a:fontRef idx="minor">
+            <a:schemeClr val="tx1"/>
+          </a:fontRef>
+        </p:style>
+      </p:cxnSp>
+      <p:cxnSp>
+        <p:nvCxnSpPr>
+          <p:cNvPr id="68" name="Connector: Curved 67">
+            <a:extLst>
+              <a:ext uri="{FF2B5EF4-FFF2-40B4-BE49-F238E27FC236}">
+                <a16:creationId xmlns:a16="http://schemas.microsoft.com/office/drawing/2014/main" id="{39DAD2A1-1D7E-4266-84A2-15128EAF29B2}"/>
+              </a:ext>
+            </a:extLst>
+          </p:cNvPr>
+          <p:cNvCxnSpPr>
+            <a:cxnSpLocks/>
+            <a:stCxn id="16" idx="3"/>
+            <a:endCxn id="19" idx="1"/>
+          </p:cNvCxnSpPr>
+          <p:nvPr/>
+        </p:nvCxnSpPr>
+        <p:spPr>
+          <a:xfrm>
+            <a:off x="3188970" y="4385434"/>
+            <a:ext cx="1233170" cy="1754795"/>
+          </a:xfrm>
+          <a:prstGeom prst="curvedConnector3">
+            <a:avLst>
+              <a:gd name="adj1" fmla="val 50000"/>
+            </a:avLst>
+          </a:prstGeom>
+          <a:ln>
+            <a:tailEnd type="triangle"/>
+          </a:ln>
+        </p:spPr>
+        <p:style>
+          <a:lnRef idx="1">
+            <a:schemeClr val="accent1"/>
+          </a:lnRef>
+          <a:fillRef idx="0">
+            <a:schemeClr val="accent1"/>
+          </a:fillRef>
+          <a:effectRef idx="0">
+            <a:schemeClr val="accent1"/>
+          </a:effectRef>
+          <a:fontRef idx="minor">
+            <a:schemeClr val="tx1"/>
+          </a:fontRef>
+        </p:style>
+      </p:cxnSp>
+      <p:cxnSp>
+        <p:nvCxnSpPr>
+          <p:cNvPr id="71" name="Connector: Curved 70">
+            <a:extLst>
+              <a:ext uri="{FF2B5EF4-FFF2-40B4-BE49-F238E27FC236}">
+                <a16:creationId xmlns:a16="http://schemas.microsoft.com/office/drawing/2014/main" id="{D3144F48-8416-4D51-ACD2-138A534A72D3}"/>
+              </a:ext>
+            </a:extLst>
+          </p:cNvPr>
+          <p:cNvCxnSpPr>
+            <a:cxnSpLocks/>
+            <a:stCxn id="17" idx="3"/>
+            <a:endCxn id="19" idx="1"/>
+          </p:cNvCxnSpPr>
+          <p:nvPr/>
+        </p:nvCxnSpPr>
+        <p:spPr>
+          <a:xfrm flipH="1">
+            <a:off x="4422140" y="4610052"/>
+            <a:ext cx="1903314" cy="1530177"/>
+          </a:xfrm>
+          <a:prstGeom prst="curvedConnector5">
+            <a:avLst>
+              <a:gd name="adj1" fmla="val -12011"/>
+              <a:gd name="adj2" fmla="val 50000"/>
+              <a:gd name="adj3" fmla="val 112011"/>
+            </a:avLst>
+          </a:prstGeom>
+          <a:ln>
+            <a:tailEnd type="triangle"/>
+          </a:ln>
+        </p:spPr>
+        <p:style>
+          <a:lnRef idx="1">
+            <a:schemeClr val="accent1"/>
+          </a:lnRef>
+          <a:fillRef idx="0">
+            <a:schemeClr val="accent1"/>
+          </a:fillRef>
+          <a:effectRef idx="0">
+            <a:schemeClr val="accent1"/>
+          </a:effectRef>
+          <a:fontRef idx="minor">
+            <a:schemeClr val="tx1"/>
+          </a:fontRef>
+        </p:style>
+      </p:cxnSp>
+      <p:cxnSp>
+        <p:nvCxnSpPr>
+          <p:cNvPr id="75" name="Connector: Curved 74">
+            <a:extLst>
+              <a:ext uri="{FF2B5EF4-FFF2-40B4-BE49-F238E27FC236}">
+                <a16:creationId xmlns:a16="http://schemas.microsoft.com/office/drawing/2014/main" id="{2EE36E3F-1B6D-405B-B550-AA60850FC983}"/>
+              </a:ext>
+            </a:extLst>
+          </p:cNvPr>
+          <p:cNvCxnSpPr>
+            <a:cxnSpLocks/>
+            <a:stCxn id="14" idx="3"/>
+            <a:endCxn id="17" idx="1"/>
+          </p:cNvCxnSpPr>
+          <p:nvPr/>
+        </p:nvCxnSpPr>
+        <p:spPr>
+          <a:xfrm flipH="1">
+            <a:off x="4364574" y="3385290"/>
+            <a:ext cx="1814548" cy="1224762"/>
+          </a:xfrm>
+          <a:prstGeom prst="curvedConnector5">
+            <a:avLst>
+              <a:gd name="adj1" fmla="val -12598"/>
+              <a:gd name="adj2" fmla="val 50000"/>
+              <a:gd name="adj3" fmla="val 112598"/>
+            </a:avLst>
+          </a:prstGeom>
+          <a:ln>
+            <a:tailEnd type="triangle"/>
+          </a:ln>
+        </p:spPr>
+        <p:style>
+          <a:lnRef idx="1">
+            <a:schemeClr val="accent1"/>
+          </a:lnRef>
+          <a:fillRef idx="0">
+            <a:schemeClr val="accent1"/>
+          </a:fillRef>
+          <a:effectRef idx="0">
+            <a:schemeClr val="accent1"/>
+          </a:effectRef>
+          <a:fontRef idx="minor">
+            <a:schemeClr val="tx1"/>
+          </a:fontRef>
+        </p:style>
+      </p:cxnSp>
+      <p:cxnSp>
+        <p:nvCxnSpPr>
+          <p:cNvPr id="78" name="Connector: Curved 77">
+            <a:extLst>
+              <a:ext uri="{FF2B5EF4-FFF2-40B4-BE49-F238E27FC236}">
+                <a16:creationId xmlns:a16="http://schemas.microsoft.com/office/drawing/2014/main" id="{07F04E68-8869-4B00-941B-9745F3A46C89}"/>
+              </a:ext>
+            </a:extLst>
+          </p:cNvPr>
+          <p:cNvCxnSpPr>
+            <a:cxnSpLocks/>
+            <a:stCxn id="14" idx="3"/>
+            <a:endCxn id="7" idx="1"/>
+          </p:cNvCxnSpPr>
+          <p:nvPr/>
+        </p:nvCxnSpPr>
+        <p:spPr>
+          <a:xfrm flipH="1" flipV="1">
+            <a:off x="4099463" y="2046454"/>
+            <a:ext cx="2079659" cy="1338836"/>
+          </a:xfrm>
+          <a:prstGeom prst="curvedConnector5">
+            <a:avLst>
+              <a:gd name="adj1" fmla="val -10992"/>
+              <a:gd name="adj2" fmla="val 50000"/>
+              <a:gd name="adj3" fmla="val 110992"/>
+            </a:avLst>
+          </a:prstGeom>
+          <a:ln>
+            <a:tailEnd type="triangle"/>
+          </a:ln>
+        </p:spPr>
+        <p:style>
+          <a:lnRef idx="1">
+            <a:schemeClr val="accent1"/>
+          </a:lnRef>
+          <a:fillRef idx="0">
+            <a:schemeClr val="accent1"/>
+          </a:fillRef>
+          <a:effectRef idx="0">
+            <a:schemeClr val="accent1"/>
+          </a:effectRef>
+          <a:fontRef idx="minor">
+            <a:schemeClr val="tx1"/>
+          </a:fontRef>
+        </p:style>
+      </p:cxnSp>
+      <p:cxnSp>
+        <p:nvCxnSpPr>
+          <p:cNvPr id="94" name="Connector: Curved 93">
+            <a:extLst>
+              <a:ext uri="{FF2B5EF4-FFF2-40B4-BE49-F238E27FC236}">
+                <a16:creationId xmlns:a16="http://schemas.microsoft.com/office/drawing/2014/main" id="{D405B8CA-69DE-43FD-8F4A-D417E20C6CE2}"/>
+              </a:ext>
+            </a:extLst>
+          </p:cNvPr>
+          <p:cNvCxnSpPr>
+            <a:cxnSpLocks/>
+            <a:stCxn id="9" idx="3"/>
+            <a:endCxn id="15" idx="1"/>
+          </p:cNvCxnSpPr>
+          <p:nvPr/>
+        </p:nvCxnSpPr>
+        <p:spPr>
+          <a:xfrm flipH="1">
+            <a:off x="7510145" y="2055774"/>
+            <a:ext cx="1784548" cy="1163768"/>
+          </a:xfrm>
+          <a:prstGeom prst="curvedConnector5">
+            <a:avLst>
+              <a:gd name="adj1" fmla="val -12810"/>
+              <a:gd name="adj2" fmla="val 50000"/>
+              <a:gd name="adj3" fmla="val 112810"/>
+            </a:avLst>
+          </a:prstGeom>
+          <a:ln>
+            <a:tailEnd type="triangle"/>
+          </a:ln>
+        </p:spPr>
+        <p:style>
+          <a:lnRef idx="1">
+            <a:schemeClr val="accent1"/>
+          </a:lnRef>
+          <a:fillRef idx="0">
+            <a:schemeClr val="accent1"/>
+          </a:fillRef>
+          <a:effectRef idx="0">
+            <a:schemeClr val="accent1"/>
+          </a:effectRef>
+          <a:fontRef idx="minor">
+            <a:schemeClr val="tx1"/>
+          </a:fontRef>
+        </p:style>
+      </p:cxnSp>
+      <p:cxnSp>
+        <p:nvCxnSpPr>
+          <p:cNvPr id="108" name="Connector: Curved 107">
+            <a:extLst>
+              <a:ext uri="{FF2B5EF4-FFF2-40B4-BE49-F238E27FC236}">
+                <a16:creationId xmlns:a16="http://schemas.microsoft.com/office/drawing/2014/main" id="{1B3C40CE-B48C-45A4-AACD-1517D86D87A8}"/>
+              </a:ext>
+            </a:extLst>
+          </p:cNvPr>
+          <p:cNvCxnSpPr>
+            <a:cxnSpLocks/>
+            <a:stCxn id="15" idx="3"/>
+            <a:endCxn id="18" idx="1"/>
+          </p:cNvCxnSpPr>
+          <p:nvPr/>
+        </p:nvCxnSpPr>
+        <p:spPr>
+          <a:xfrm flipH="1">
+            <a:off x="7510145" y="3219542"/>
+            <a:ext cx="1960880" cy="1102511"/>
+          </a:xfrm>
+          <a:prstGeom prst="curvedConnector5">
+            <a:avLst>
+              <a:gd name="adj1" fmla="val -11658"/>
+              <a:gd name="adj2" fmla="val 50000"/>
+              <a:gd name="adj3" fmla="val 111658"/>
+            </a:avLst>
+          </a:prstGeom>
+          <a:ln>
+            <a:tailEnd type="triangle"/>
+          </a:ln>
+        </p:spPr>
+        <p:style>
+          <a:lnRef idx="1">
+            <a:schemeClr val="accent1"/>
+          </a:lnRef>
+          <a:fillRef idx="0">
+            <a:schemeClr val="accent1"/>
+          </a:fillRef>
+          <a:effectRef idx="0">
+            <a:schemeClr val="accent1"/>
+          </a:effectRef>
+          <a:fontRef idx="minor">
+            <a:schemeClr val="tx1"/>
+          </a:fontRef>
+        </p:style>
+      </p:cxnSp>
+      <p:cxnSp>
+        <p:nvCxnSpPr>
+          <p:cNvPr id="117" name="Connector: Curved 116">
+            <a:extLst>
+              <a:ext uri="{FF2B5EF4-FFF2-40B4-BE49-F238E27FC236}">
+                <a16:creationId xmlns:a16="http://schemas.microsoft.com/office/drawing/2014/main" id="{C7C592E2-0EE6-470D-B512-F59CA9104E35}"/>
+              </a:ext>
+            </a:extLst>
+          </p:cNvPr>
+          <p:cNvCxnSpPr>
+            <a:cxnSpLocks/>
+            <a:stCxn id="18" idx="3"/>
+            <a:endCxn id="15" idx="1"/>
+          </p:cNvCxnSpPr>
+          <p:nvPr/>
+        </p:nvCxnSpPr>
+        <p:spPr>
+          <a:xfrm flipH="1" flipV="1">
+            <a:off x="7510145" y="3219542"/>
+            <a:ext cx="1960880" cy="1102511"/>
+          </a:xfrm>
+          <a:prstGeom prst="curvedConnector5">
+            <a:avLst>
+              <a:gd name="adj1" fmla="val -11658"/>
+              <a:gd name="adj2" fmla="val 50000"/>
+              <a:gd name="adj3" fmla="val 111658"/>
+            </a:avLst>
+          </a:prstGeom>
+          <a:ln>
+            <a:tailEnd type="triangle"/>
+          </a:ln>
+        </p:spPr>
+        <p:style>
+          <a:lnRef idx="1">
+            <a:schemeClr val="accent1"/>
+          </a:lnRef>
+          <a:fillRef idx="0">
+            <a:schemeClr val="accent1"/>
+          </a:fillRef>
+          <a:effectRef idx="0">
+            <a:schemeClr val="accent1"/>
+          </a:effectRef>
+          <a:fontRef idx="minor">
+            <a:schemeClr val="tx1"/>
+          </a:fontRef>
+        </p:style>
+      </p:cxnSp>
+      <p:sp>
+        <p:nvSpPr>
+          <p:cNvPr id="122" name="Rectangle 121">
+            <a:extLst>
+              <a:ext uri="{FF2B5EF4-FFF2-40B4-BE49-F238E27FC236}">
+                <a16:creationId xmlns:a16="http://schemas.microsoft.com/office/drawing/2014/main" id="{8EE2C9B1-8D85-47CE-B60A-B817E535CEEC}"/>
+              </a:ext>
+            </a:extLst>
+          </p:cNvPr>
+          <p:cNvSpPr/>
+          <p:nvPr/>
+        </p:nvSpPr>
+        <p:spPr>
+          <a:xfrm>
+            <a:off x="685165" y="1648157"/>
+            <a:ext cx="2937796" cy="4055808"/>
+          </a:xfrm>
+          <a:prstGeom prst="rect">
+            <a:avLst/>
+          </a:prstGeom>
+          <a:noFill/>
+          <a:ln w="38100"/>
+        </p:spPr>
+        <p:style>
+          <a:lnRef idx="2">
+            <a:schemeClr val="accent1">
+              <a:shade val="50000"/>
+            </a:schemeClr>
+          </a:lnRef>
+          <a:fillRef idx="1">
+            <a:schemeClr val="accent1"/>
+          </a:fillRef>
+          <a:effectRef idx="0">
+            <a:schemeClr val="accent1"/>
+          </a:effectRef>
+          <a:fontRef idx="minor">
+            <a:schemeClr val="lt1"/>
+          </a:fontRef>
+        </p:style>
+        <p:txBody>
+          <a:bodyPr rtlCol="0" anchor="ctr"/>
+          <a:lstStyle/>
+          <a:p>
+            <a:pPr algn="ctr"/>
+            <a:endParaRPr lang="en-US"/>
+          </a:p>
+        </p:txBody>
+      </p:sp>
+      <p:sp>
+        <p:nvSpPr>
+          <p:cNvPr id="123" name="Rectangle 122">
+            <a:extLst>
+              <a:ext uri="{FF2B5EF4-FFF2-40B4-BE49-F238E27FC236}">
+                <a16:creationId xmlns:a16="http://schemas.microsoft.com/office/drawing/2014/main" id="{A2953538-1CFC-429B-8F00-1F1E932B17F0}"/>
+              </a:ext>
+            </a:extLst>
+          </p:cNvPr>
+          <p:cNvSpPr/>
+          <p:nvPr/>
+        </p:nvSpPr>
+        <p:spPr>
+          <a:xfrm>
+            <a:off x="3622961" y="1648157"/>
+            <a:ext cx="3178994" cy="4055808"/>
+          </a:xfrm>
+          <a:prstGeom prst="rect">
+            <a:avLst/>
+          </a:prstGeom>
+          <a:noFill/>
+          <a:ln w="38100"/>
+        </p:spPr>
+        <p:style>
+          <a:lnRef idx="2">
+            <a:schemeClr val="accent1">
+              <a:shade val="50000"/>
+            </a:schemeClr>
+          </a:lnRef>
+          <a:fillRef idx="1">
+            <a:schemeClr val="accent1"/>
+          </a:fillRef>
+          <a:effectRef idx="0">
+            <a:schemeClr val="accent1"/>
+          </a:effectRef>
+          <a:fontRef idx="minor">
+            <a:schemeClr val="lt1"/>
+          </a:fontRef>
+        </p:style>
+        <p:txBody>
+          <a:bodyPr rtlCol="0" anchor="ctr"/>
+          <a:lstStyle/>
+          <a:p>
+            <a:pPr algn="ctr"/>
+            <a:endParaRPr lang="en-US"/>
+          </a:p>
+        </p:txBody>
+      </p:sp>
+      <p:sp>
+        <p:nvSpPr>
+          <p:cNvPr id="128" name="Rectangle 127">
+            <a:extLst>
+              <a:ext uri="{FF2B5EF4-FFF2-40B4-BE49-F238E27FC236}">
+                <a16:creationId xmlns:a16="http://schemas.microsoft.com/office/drawing/2014/main" id="{61764500-167F-4CCA-875A-FEB1A9FA70E1}"/>
+              </a:ext>
+            </a:extLst>
+          </p:cNvPr>
+          <p:cNvSpPr/>
+          <p:nvPr/>
+        </p:nvSpPr>
+        <p:spPr>
+          <a:xfrm>
+            <a:off x="6801956" y="1648157"/>
+            <a:ext cx="3045625" cy="4055808"/>
+          </a:xfrm>
+          <a:prstGeom prst="rect">
+            <a:avLst/>
+          </a:prstGeom>
+          <a:noFill/>
+          <a:ln w="38100"/>
+        </p:spPr>
+        <p:style>
+          <a:lnRef idx="2">
+            <a:schemeClr val="accent1">
+              <a:shade val="50000"/>
+            </a:schemeClr>
+          </a:lnRef>
+          <a:fillRef idx="1">
+            <a:schemeClr val="accent1"/>
+          </a:fillRef>
+          <a:effectRef idx="0">
+            <a:schemeClr val="accent1"/>
+          </a:effectRef>
+          <a:fontRef idx="minor">
+            <a:schemeClr val="lt1"/>
+          </a:fontRef>
+        </p:style>
+        <p:txBody>
+          <a:bodyPr rtlCol="0" anchor="ctr"/>
+          <a:lstStyle/>
+          <a:p>
+            <a:pPr algn="ctr"/>
+            <a:endParaRPr lang="en-US"/>
+          </a:p>
+        </p:txBody>
+      </p:sp>
+      <p:sp>
+        <p:nvSpPr>
+          <p:cNvPr id="130" name="Rectangle 129">
+            <a:extLst>
+              <a:ext uri="{FF2B5EF4-FFF2-40B4-BE49-F238E27FC236}">
+                <a16:creationId xmlns:a16="http://schemas.microsoft.com/office/drawing/2014/main" id="{D9FA44F3-1470-4286-A47F-6EBF660BE353}"/>
+              </a:ext>
+            </a:extLst>
+          </p:cNvPr>
+          <p:cNvSpPr/>
+          <p:nvPr/>
+        </p:nvSpPr>
+        <p:spPr>
+          <a:xfrm>
+            <a:off x="9842500" y="1648157"/>
+            <a:ext cx="1363980" cy="4055808"/>
+          </a:xfrm>
+          <a:prstGeom prst="rect">
+            <a:avLst/>
+          </a:prstGeom>
+          <a:noFill/>
+          <a:ln w="38100"/>
+        </p:spPr>
+        <p:style>
+          <a:lnRef idx="2">
+            <a:schemeClr val="accent1">
+              <a:shade val="50000"/>
+            </a:schemeClr>
+          </a:lnRef>
+          <a:fillRef idx="1">
+            <a:schemeClr val="accent1"/>
+          </a:fillRef>
+          <a:effectRef idx="0">
+            <a:schemeClr val="accent1"/>
+          </a:effectRef>
+          <a:fontRef idx="minor">
+            <a:schemeClr val="lt1"/>
+          </a:fontRef>
+        </p:style>
+        <p:txBody>
+          <a:bodyPr rtlCol="0" anchor="ctr"/>
+          <a:lstStyle/>
+          <a:p>
+            <a:pPr algn="ctr"/>
+            <a:endParaRPr lang="en-US"/>
+          </a:p>
+        </p:txBody>
+      </p:sp>
+      <p:sp>
+        <p:nvSpPr>
+          <p:cNvPr id="131" name="TextBox 130">
+            <a:extLst>
+              <a:ext uri="{FF2B5EF4-FFF2-40B4-BE49-F238E27FC236}">
+                <a16:creationId xmlns:a16="http://schemas.microsoft.com/office/drawing/2014/main" id="{DDFD2FF3-D7A2-4412-8BD8-25256DD7E1C6}"/>
+              </a:ext>
+            </a:extLst>
+          </p:cNvPr>
+          <p:cNvSpPr txBox="1"/>
+          <p:nvPr/>
+        </p:nvSpPr>
+        <p:spPr>
+          <a:xfrm>
+            <a:off x="9934575" y="1861291"/>
+            <a:ext cx="1049020" cy="369332"/>
+          </a:xfrm>
+          <a:prstGeom prst="rect">
+            <a:avLst/>
+          </a:prstGeom>
+          <a:noFill/>
+        </p:spPr>
+        <p:txBody>
+          <a:bodyPr wrap="square" rtlCol="0">
+            <a:spAutoFit/>
+          </a:bodyPr>
+          <a:lstStyle/>
+          <a:p>
+            <a:r>
+              <a:rPr lang="en-US" dirty="0"/>
+              <a:t>…</a:t>
+            </a:r>
+          </a:p>
+        </p:txBody>
+      </p:sp>
+      <p:sp>
+        <p:nvSpPr>
+          <p:cNvPr id="132" name="Arrow: Right 131">
+            <a:extLst>
+              <a:ext uri="{FF2B5EF4-FFF2-40B4-BE49-F238E27FC236}">
+                <a16:creationId xmlns:a16="http://schemas.microsoft.com/office/drawing/2014/main" id="{43B6B5D5-0302-4B8B-B1BD-FF225AD86C0E}"/>
+              </a:ext>
+            </a:extLst>
+          </p:cNvPr>
+          <p:cNvSpPr/>
+          <p:nvPr/>
+        </p:nvSpPr>
+        <p:spPr>
+          <a:xfrm>
+            <a:off x="10708640" y="1904332"/>
+            <a:ext cx="690880" cy="213134"/>
+          </a:xfrm>
+          <a:prstGeom prst="rightArrow">
+            <a:avLst/>
+          </a:prstGeom>
+        </p:spPr>
+        <p:style>
+          <a:lnRef idx="2">
+            <a:schemeClr val="accent1">
+              <a:shade val="50000"/>
+            </a:schemeClr>
+          </a:lnRef>
+          <a:fillRef idx="1">
+            <a:schemeClr val="accent1"/>
+          </a:fillRef>
+          <a:effectRef idx="0">
+            <a:schemeClr val="accent1"/>
+          </a:effectRef>
+          <a:fontRef idx="minor">
+            <a:schemeClr val="lt1"/>
+          </a:fontRef>
+        </p:style>
+        <p:txBody>
+          <a:bodyPr rtlCol="0" anchor="ctr"/>
+          <a:lstStyle/>
+          <a:p>
+            <a:pPr algn="ctr"/>
+            <a:endParaRPr lang="en-US"/>
+          </a:p>
+        </p:txBody>
+      </p:sp>
+      <p:cxnSp>
+        <p:nvCxnSpPr>
+          <p:cNvPr id="69" name="Connector: Curved 68">
+            <a:extLst>
+              <a:ext uri="{FF2B5EF4-FFF2-40B4-BE49-F238E27FC236}">
+                <a16:creationId xmlns:a16="http://schemas.microsoft.com/office/drawing/2014/main" id="{FB5B7609-937E-4058-BECF-F2740FFE68D5}"/>
+              </a:ext>
+            </a:extLst>
+          </p:cNvPr>
+          <p:cNvCxnSpPr>
+            <a:cxnSpLocks/>
+            <a:stCxn id="17" idx="3"/>
+            <a:endCxn id="14" idx="1"/>
+          </p:cNvCxnSpPr>
+          <p:nvPr/>
+        </p:nvCxnSpPr>
+        <p:spPr>
+          <a:xfrm flipH="1" flipV="1">
+            <a:off x="4218242" y="3385290"/>
+            <a:ext cx="2107212" cy="1224762"/>
+          </a:xfrm>
+          <a:prstGeom prst="curvedConnector5">
+            <a:avLst>
+              <a:gd name="adj1" fmla="val -10848"/>
+              <a:gd name="adj2" fmla="val 50000"/>
+              <a:gd name="adj3" fmla="val 110848"/>
+            </a:avLst>
+          </a:prstGeom>
+          <a:ln>
+            <a:tailEnd type="triangle"/>
+          </a:ln>
+        </p:spPr>
+        <p:style>
+          <a:lnRef idx="1">
+            <a:schemeClr val="accent1"/>
+          </a:lnRef>
+          <a:fillRef idx="0">
+            <a:schemeClr val="accent1"/>
+          </a:fillRef>
+          <a:effectRef idx="0">
+            <a:schemeClr val="accent1"/>
+          </a:effectRef>
+          <a:fontRef idx="minor">
+            <a:schemeClr val="tx1"/>
+          </a:fontRef>
+        </p:style>
+      </p:cxnSp>
+      <p:cxnSp>
+        <p:nvCxnSpPr>
+          <p:cNvPr id="77" name="Connector: Curved 76">
+            <a:extLst>
+              <a:ext uri="{FF2B5EF4-FFF2-40B4-BE49-F238E27FC236}">
+                <a16:creationId xmlns:a16="http://schemas.microsoft.com/office/drawing/2014/main" id="{FB4895D7-7A2E-4A87-83F5-7DFD29F2A99D}"/>
+              </a:ext>
+            </a:extLst>
+          </p:cNvPr>
+          <p:cNvCxnSpPr>
+            <a:cxnSpLocks/>
+            <a:stCxn id="16" idx="3"/>
+            <a:endCxn id="13" idx="1"/>
+          </p:cNvCxnSpPr>
+          <p:nvPr/>
+        </p:nvCxnSpPr>
+        <p:spPr>
+          <a:xfrm flipH="1" flipV="1">
+            <a:off x="1307313" y="3194885"/>
+            <a:ext cx="1881657" cy="1190549"/>
+          </a:xfrm>
+          <a:prstGeom prst="curvedConnector5">
+            <a:avLst>
+              <a:gd name="adj1" fmla="val -12149"/>
+              <a:gd name="adj2" fmla="val 50000"/>
+              <a:gd name="adj3" fmla="val 112149"/>
+            </a:avLst>
+          </a:prstGeom>
+          <a:ln>
+            <a:tailEnd type="triangle"/>
+          </a:ln>
+        </p:spPr>
+        <p:style>
+          <a:lnRef idx="1">
+            <a:schemeClr val="accent1"/>
+          </a:lnRef>
+          <a:fillRef idx="0">
+            <a:schemeClr val="accent1"/>
+          </a:fillRef>
+          <a:effectRef idx="0">
+            <a:schemeClr val="accent1"/>
+          </a:effectRef>
+          <a:fontRef idx="minor">
+            <a:schemeClr val="tx1"/>
+          </a:fontRef>
+        </p:style>
+      </p:cxnSp>
+      <p:cxnSp>
+        <p:nvCxnSpPr>
+          <p:cNvPr id="82" name="Connector: Curved 81">
+            <a:extLst>
+              <a:ext uri="{FF2B5EF4-FFF2-40B4-BE49-F238E27FC236}">
+                <a16:creationId xmlns:a16="http://schemas.microsoft.com/office/drawing/2014/main" id="{79B86714-098D-4A82-A95E-F3B571054897}"/>
+              </a:ext>
+            </a:extLst>
+          </p:cNvPr>
+          <p:cNvCxnSpPr>
+            <a:cxnSpLocks/>
+            <a:stCxn id="7" idx="3"/>
+            <a:endCxn id="9" idx="1"/>
+          </p:cNvCxnSpPr>
+          <p:nvPr/>
+        </p:nvCxnSpPr>
+        <p:spPr>
+          <a:xfrm>
+            <a:off x="6060343" y="2046454"/>
+            <a:ext cx="1273470" cy="9320"/>
+          </a:xfrm>
+          <a:prstGeom prst="curvedConnector3">
+            <a:avLst>
+              <a:gd name="adj1" fmla="val 50000"/>
+            </a:avLst>
+          </a:prstGeom>
+          <a:ln>
+            <a:tailEnd type="triangle"/>
+          </a:ln>
+        </p:spPr>
+        <p:style>
+          <a:lnRef idx="1">
+            <a:schemeClr val="accent1"/>
+          </a:lnRef>
+          <a:fillRef idx="0">
+            <a:schemeClr val="accent1"/>
+          </a:fillRef>
+          <a:effectRef idx="0">
+            <a:schemeClr val="accent1"/>
+          </a:effectRef>
+          <a:fontRef idx="minor">
+            <a:schemeClr val="tx1"/>
+          </a:fontRef>
+        </p:style>
+      </p:cxnSp>
+      <p:cxnSp>
+        <p:nvCxnSpPr>
+          <p:cNvPr id="112" name="Connector: Curved 111">
+            <a:extLst>
+              <a:ext uri="{FF2B5EF4-FFF2-40B4-BE49-F238E27FC236}">
+                <a16:creationId xmlns:a16="http://schemas.microsoft.com/office/drawing/2014/main" id="{71900828-639C-4344-8EF3-5860F2C3C0B1}"/>
+              </a:ext>
+            </a:extLst>
+          </p:cNvPr>
+          <p:cNvCxnSpPr>
+            <a:cxnSpLocks/>
+            <a:stCxn id="15" idx="3"/>
+            <a:endCxn id="9" idx="1"/>
+          </p:cNvCxnSpPr>
+          <p:nvPr/>
+        </p:nvCxnSpPr>
+        <p:spPr>
+          <a:xfrm flipH="1" flipV="1">
+            <a:off x="7333813" y="2055774"/>
+            <a:ext cx="2137212" cy="1163768"/>
+          </a:xfrm>
+          <a:prstGeom prst="curvedConnector5">
+            <a:avLst>
+              <a:gd name="adj1" fmla="val -10696"/>
+              <a:gd name="adj2" fmla="val 50000"/>
+              <a:gd name="adj3" fmla="val 110696"/>
+            </a:avLst>
+          </a:prstGeom>
+          <a:ln>
+            <a:tailEnd type="triangle"/>
+          </a:ln>
+        </p:spPr>
+        <p:style>
+          <a:lnRef idx="1">
+            <a:schemeClr val="accent1"/>
+          </a:lnRef>
+          <a:fillRef idx="0">
+            <a:schemeClr val="accent1"/>
+          </a:fillRef>
+          <a:effectRef idx="0">
+            <a:schemeClr val="accent1"/>
+          </a:effectRef>
+          <a:fontRef idx="minor">
+            <a:schemeClr val="tx1"/>
+          </a:fontRef>
+        </p:style>
+      </p:cxnSp>
     </p:spTree>
     <p:extLst>
       <p:ext uri="{BB962C8B-B14F-4D97-AF65-F5344CB8AC3E}">
-        <p14:creationId xmlns:p14="http://schemas.microsoft.com/office/powerpoint/2010/main" val="1263296597"/>
+        <p14:creationId xmlns:p14="http://schemas.microsoft.com/office/powerpoint/2010/main" val="371209954"/>
       </p:ext>
     </p:extLst>
   </p:cSld>
@@ -7287,6 +11034,902 @@
           <a:p>
             <a:r>
               <a:rPr lang="en-US" dirty="0"/>
+              <a:t>Validation</a:t>
+            </a:r>
+            <a:br>
+              <a:rPr lang="en-US" dirty="0"/>
+            </a:br>
+            <a:r>
+              <a:rPr lang="en-US" dirty="0"/>
+              <a:t> Element Ordering</a:t>
+            </a:r>
+          </a:p>
+        </p:txBody>
+      </p:sp>
+    </p:spTree>
+    <p:extLst>
+      <p:ext uri="{BB962C8B-B14F-4D97-AF65-F5344CB8AC3E}">
+        <p14:creationId xmlns:p14="http://schemas.microsoft.com/office/powerpoint/2010/main" val="1052588023"/>
+      </p:ext>
+    </p:extLst>
+  </p:cSld>
+  <p:clrMapOvr>
+    <a:masterClrMapping/>
+  </p:clrMapOvr>
+</p:sld>
+</file>
+
+<file path=ppt/slides/slide14.xml><?xml version="1.0" encoding="utf-8"?>
+<p:sld xmlns:a="http://schemas.openxmlformats.org/drawingml/2006/main" xmlns:r="http://schemas.openxmlformats.org/officeDocument/2006/relationships" xmlns:p="http://schemas.openxmlformats.org/presentationml/2006/main">
+  <p:cSld>
+    <p:spTree>
+      <p:nvGrpSpPr>
+        <p:cNvPr id="1" name=""/>
+        <p:cNvGrpSpPr/>
+        <p:nvPr/>
+      </p:nvGrpSpPr>
+      <p:grpSpPr>
+        <a:xfrm>
+          <a:off x="0" y="0"/>
+          <a:ext cx="0" cy="0"/>
+          <a:chOff x="0" y="0"/>
+          <a:chExt cx="0" cy="0"/>
+        </a:xfrm>
+      </p:grpSpPr>
+      <p:sp>
+        <p:nvSpPr>
+          <p:cNvPr id="8" name="Title 7">
+            <a:extLst>
+              <a:ext uri="{FF2B5EF4-FFF2-40B4-BE49-F238E27FC236}">
+                <a16:creationId xmlns:a16="http://schemas.microsoft.com/office/drawing/2014/main" id="{6A34AC25-F9D4-48D7-A664-C590D06BF559}"/>
+              </a:ext>
+            </a:extLst>
+          </p:cNvPr>
+          <p:cNvSpPr>
+            <a:spLocks noGrp="1"/>
+          </p:cNvSpPr>
+          <p:nvPr>
+            <p:ph type="title"/>
+          </p:nvPr>
+        </p:nvSpPr>
+        <p:spPr/>
+        <p:txBody>
+          <a:bodyPr/>
+          <a:lstStyle/>
+          <a:p>
+            <a:r>
+              <a:rPr lang="en-US" dirty="0"/>
+              <a:t>Ordering options</a:t>
+            </a:r>
+          </a:p>
+        </p:txBody>
+      </p:sp>
+      <p:sp>
+        <p:nvSpPr>
+          <p:cNvPr id="2" name="Content Placeholder 1">
+            <a:extLst>
+              <a:ext uri="{FF2B5EF4-FFF2-40B4-BE49-F238E27FC236}">
+                <a16:creationId xmlns:a16="http://schemas.microsoft.com/office/drawing/2014/main" id="{7D7427A6-1030-45CE-92A8-5212E0F721D8}"/>
+              </a:ext>
+            </a:extLst>
+          </p:cNvPr>
+          <p:cNvSpPr>
+            <a:spLocks noGrp="1"/>
+          </p:cNvSpPr>
+          <p:nvPr>
+            <p:ph idx="1"/>
+          </p:nvPr>
+        </p:nvSpPr>
+        <p:spPr/>
+        <p:txBody>
+          <a:bodyPr/>
+          <a:lstStyle/>
+          <a:p>
+            <a:r>
+              <a:rPr lang="en-US" sz="2400" dirty="0"/>
+              <a:t>Requirements, Test Cases and Test Code are developed over time</a:t>
+            </a:r>
+          </a:p>
+          <a:p>
+            <a:endParaRPr lang="en-US" sz="2400" dirty="0"/>
+          </a:p>
+          <a:p>
+            <a:r>
+              <a:rPr lang="en-US" sz="2400" dirty="0"/>
+              <a:t>Order/Importance of each changes over time</a:t>
+            </a:r>
+          </a:p>
+          <a:p>
+            <a:endParaRPr lang="en-US" sz="2400" dirty="0"/>
+          </a:p>
+          <a:p>
+            <a:endParaRPr lang="en-US" sz="2400" dirty="0"/>
+          </a:p>
+          <a:p>
+            <a:pPr lvl="1"/>
+            <a:endParaRPr lang="en-US" dirty="0"/>
+          </a:p>
+        </p:txBody>
+      </p:sp>
+    </p:spTree>
+    <p:extLst>
+      <p:ext uri="{BB962C8B-B14F-4D97-AF65-F5344CB8AC3E}">
+        <p14:creationId xmlns:p14="http://schemas.microsoft.com/office/powerpoint/2010/main" val="3821056105"/>
+      </p:ext>
+    </p:extLst>
+  </p:cSld>
+  <p:clrMapOvr>
+    <a:masterClrMapping/>
+  </p:clrMapOvr>
+</p:sld>
+</file>
+
+<file path=ppt/slides/slide15.xml><?xml version="1.0" encoding="utf-8"?>
+<p:sld xmlns:a="http://schemas.openxmlformats.org/drawingml/2006/main" xmlns:r="http://schemas.openxmlformats.org/officeDocument/2006/relationships" xmlns:p="http://schemas.openxmlformats.org/presentationml/2006/main">
+  <p:cSld>
+    <p:spTree>
+      <p:nvGrpSpPr>
+        <p:cNvPr id="1" name=""/>
+        <p:cNvGrpSpPr/>
+        <p:nvPr/>
+      </p:nvGrpSpPr>
+      <p:grpSpPr>
+        <a:xfrm>
+          <a:off x="0" y="0"/>
+          <a:ext cx="0" cy="0"/>
+          <a:chOff x="0" y="0"/>
+          <a:chExt cx="0" cy="0"/>
+        </a:xfrm>
+      </p:grpSpPr>
+      <p:sp>
+        <p:nvSpPr>
+          <p:cNvPr id="8" name="Title 7">
+            <a:extLst>
+              <a:ext uri="{FF2B5EF4-FFF2-40B4-BE49-F238E27FC236}">
+                <a16:creationId xmlns:a16="http://schemas.microsoft.com/office/drawing/2014/main" id="{6A34AC25-F9D4-48D7-A664-C590D06BF559}"/>
+              </a:ext>
+            </a:extLst>
+          </p:cNvPr>
+          <p:cNvSpPr>
+            <a:spLocks noGrp="1"/>
+          </p:cNvSpPr>
+          <p:nvPr>
+            <p:ph type="title"/>
+          </p:nvPr>
+        </p:nvSpPr>
+        <p:spPr/>
+        <p:txBody>
+          <a:bodyPr/>
+          <a:lstStyle/>
+          <a:p>
+            <a:r>
+              <a:rPr lang="en-US" dirty="0"/>
+              <a:t>Given Set of Requirements, How would you order them?</a:t>
+            </a:r>
+          </a:p>
+        </p:txBody>
+      </p:sp>
+      <p:sp>
+        <p:nvSpPr>
+          <p:cNvPr id="2" name="Content Placeholder 1">
+            <a:extLst>
+              <a:ext uri="{FF2B5EF4-FFF2-40B4-BE49-F238E27FC236}">
+                <a16:creationId xmlns:a16="http://schemas.microsoft.com/office/drawing/2014/main" id="{7D7427A6-1030-45CE-92A8-5212E0F721D8}"/>
+              </a:ext>
+            </a:extLst>
+          </p:cNvPr>
+          <p:cNvSpPr>
+            <a:spLocks noGrp="1"/>
+          </p:cNvSpPr>
+          <p:nvPr>
+            <p:ph idx="1"/>
+          </p:nvPr>
+        </p:nvSpPr>
+        <p:spPr/>
+        <p:txBody>
+          <a:bodyPr>
+            <a:normAutofit/>
+          </a:bodyPr>
+          <a:lstStyle/>
+          <a:p>
+            <a:r>
+              <a:rPr lang="en-US" sz="2400" dirty="0"/>
+              <a:t>Numeric Vector Expectations</a:t>
+            </a:r>
+          </a:p>
+          <a:p>
+            <a:endParaRPr lang="en-US" sz="2400" dirty="0"/>
+          </a:p>
+          <a:p>
+            <a:r>
+              <a:rPr lang="en-US" sz="2400" dirty="0"/>
+              <a:t>Data Ingestion Expectations</a:t>
+            </a:r>
+          </a:p>
+          <a:p>
+            <a:endParaRPr lang="en-US" sz="2400" dirty="0"/>
+          </a:p>
+          <a:p>
+            <a:r>
+              <a:rPr lang="en-US" sz="2400" dirty="0"/>
+              <a:t>Character Vector Expectations</a:t>
+            </a:r>
+          </a:p>
+          <a:p>
+            <a:endParaRPr lang="en-US" sz="2400" dirty="0"/>
+          </a:p>
+          <a:p>
+            <a:r>
+              <a:rPr lang="en-US" sz="2400" dirty="0"/>
+              <a:t>Data Writing Expectations</a:t>
+            </a:r>
+          </a:p>
+          <a:p>
+            <a:pPr lvl="1"/>
+            <a:endParaRPr lang="en-US" dirty="0"/>
+          </a:p>
+        </p:txBody>
+      </p:sp>
+    </p:spTree>
+    <p:extLst>
+      <p:ext uri="{BB962C8B-B14F-4D97-AF65-F5344CB8AC3E}">
+        <p14:creationId xmlns:p14="http://schemas.microsoft.com/office/powerpoint/2010/main" val="1171627170"/>
+      </p:ext>
+    </p:extLst>
+  </p:cSld>
+  <p:clrMapOvr>
+    <a:masterClrMapping/>
+  </p:clrMapOvr>
+</p:sld>
+</file>
+
+<file path=ppt/slides/slide16.xml><?xml version="1.0" encoding="utf-8"?>
+<p:sld xmlns:a="http://schemas.openxmlformats.org/drawingml/2006/main" xmlns:r="http://schemas.openxmlformats.org/officeDocument/2006/relationships" xmlns:p="http://schemas.openxmlformats.org/presentationml/2006/main">
+  <p:cSld>
+    <p:spTree>
+      <p:nvGrpSpPr>
+        <p:cNvPr id="1" name=""/>
+        <p:cNvGrpSpPr/>
+        <p:nvPr/>
+      </p:nvGrpSpPr>
+      <p:grpSpPr>
+        <a:xfrm>
+          <a:off x="0" y="0"/>
+          <a:ext cx="0" cy="0"/>
+          <a:chOff x="0" y="0"/>
+          <a:chExt cx="0" cy="0"/>
+        </a:xfrm>
+      </p:grpSpPr>
+      <p:sp>
+        <p:nvSpPr>
+          <p:cNvPr id="8" name="Title 7">
+            <a:extLst>
+              <a:ext uri="{FF2B5EF4-FFF2-40B4-BE49-F238E27FC236}">
+                <a16:creationId xmlns:a16="http://schemas.microsoft.com/office/drawing/2014/main" id="{6A34AC25-F9D4-48D7-A664-C590D06BF559}"/>
+              </a:ext>
+            </a:extLst>
+          </p:cNvPr>
+          <p:cNvSpPr>
+            <a:spLocks noGrp="1"/>
+          </p:cNvSpPr>
+          <p:nvPr>
+            <p:ph type="title"/>
+          </p:nvPr>
+        </p:nvSpPr>
+        <p:spPr/>
+        <p:txBody>
+          <a:bodyPr/>
+          <a:lstStyle/>
+          <a:p>
+            <a:r>
+              <a:rPr lang="en-US" dirty="0"/>
+              <a:t>Ordering options</a:t>
+            </a:r>
+          </a:p>
+        </p:txBody>
+      </p:sp>
+      <p:sp>
+        <p:nvSpPr>
+          <p:cNvPr id="2" name="Content Placeholder 1">
+            <a:extLst>
+              <a:ext uri="{FF2B5EF4-FFF2-40B4-BE49-F238E27FC236}">
+                <a16:creationId xmlns:a16="http://schemas.microsoft.com/office/drawing/2014/main" id="{7D7427A6-1030-45CE-92A8-5212E0F721D8}"/>
+              </a:ext>
+            </a:extLst>
+          </p:cNvPr>
+          <p:cNvSpPr>
+            <a:spLocks noGrp="1"/>
+          </p:cNvSpPr>
+          <p:nvPr>
+            <p:ph idx="1"/>
+          </p:nvPr>
+        </p:nvSpPr>
+        <p:spPr>
+          <a:xfrm>
+            <a:off x="1066800" y="2103120"/>
+            <a:ext cx="5232400" cy="3849624"/>
+          </a:xfrm>
+        </p:spPr>
+        <p:txBody>
+          <a:bodyPr/>
+          <a:lstStyle/>
+          <a:p>
+            <a:r>
+              <a:rPr lang="en-US" sz="2400" dirty="0"/>
+              <a:t>Updating Requirements and Validation Reports by hand</a:t>
+            </a:r>
+          </a:p>
+          <a:p>
+            <a:endParaRPr lang="en-US" sz="2400" dirty="0"/>
+          </a:p>
+          <a:p>
+            <a:pPr lvl="1"/>
+            <a:r>
+              <a:rPr lang="en-US" sz="2200" dirty="0"/>
+              <a:t>Ensure order matches across updates</a:t>
+            </a:r>
+          </a:p>
+          <a:p>
+            <a:pPr lvl="1"/>
+            <a:r>
+              <a:rPr lang="en-US" sz="2200" dirty="0"/>
+              <a:t>If any numbering impacted, need to update</a:t>
+            </a:r>
+          </a:p>
+          <a:p>
+            <a:endParaRPr lang="en-US" sz="2400" dirty="0"/>
+          </a:p>
+          <a:p>
+            <a:endParaRPr lang="en-US" sz="2400" dirty="0"/>
+          </a:p>
+          <a:p>
+            <a:pPr lvl="1"/>
+            <a:endParaRPr lang="en-US" dirty="0"/>
+          </a:p>
+        </p:txBody>
+      </p:sp>
+      <p:pic>
+        <p:nvPicPr>
+          <p:cNvPr id="3" name="Picture 2">
+            <a:extLst>
+              <a:ext uri="{FF2B5EF4-FFF2-40B4-BE49-F238E27FC236}">
+                <a16:creationId xmlns:a16="http://schemas.microsoft.com/office/drawing/2014/main" id="{754AFF4A-5F49-4C44-BC5B-54D88CF639A7}"/>
+              </a:ext>
+            </a:extLst>
+          </p:cNvPr>
+          <p:cNvPicPr>
+            <a:picLocks noChangeAspect="1"/>
+          </p:cNvPicPr>
+          <p:nvPr/>
+        </p:nvPicPr>
+        <p:blipFill>
+          <a:blip r:embed="rId3"/>
+          <a:stretch>
+            <a:fillRect/>
+          </a:stretch>
+        </p:blipFill>
+        <p:spPr>
+          <a:xfrm>
+            <a:off x="6339840" y="1056322"/>
+            <a:ext cx="5410200" cy="4562475"/>
+          </a:xfrm>
+          <a:prstGeom prst="rect">
+            <a:avLst/>
+          </a:prstGeom>
+        </p:spPr>
+      </p:pic>
+    </p:spTree>
+    <p:extLst>
+      <p:ext uri="{BB962C8B-B14F-4D97-AF65-F5344CB8AC3E}">
+        <p14:creationId xmlns:p14="http://schemas.microsoft.com/office/powerpoint/2010/main" val="3785140488"/>
+      </p:ext>
+    </p:extLst>
+  </p:cSld>
+  <p:clrMapOvr>
+    <a:masterClrMapping/>
+  </p:clrMapOvr>
+</p:sld>
+</file>
+
+<file path=ppt/slides/slide17.xml><?xml version="1.0" encoding="utf-8"?>
+<p:sld xmlns:a="http://schemas.openxmlformats.org/drawingml/2006/main" xmlns:r="http://schemas.openxmlformats.org/officeDocument/2006/relationships" xmlns:p="http://schemas.openxmlformats.org/presentationml/2006/main">
+  <p:cSld>
+    <p:spTree>
+      <p:nvGrpSpPr>
+        <p:cNvPr id="1" name=""/>
+        <p:cNvGrpSpPr/>
+        <p:nvPr/>
+      </p:nvGrpSpPr>
+      <p:grpSpPr>
+        <a:xfrm>
+          <a:off x="0" y="0"/>
+          <a:ext cx="0" cy="0"/>
+          <a:chOff x="0" y="0"/>
+          <a:chExt cx="0" cy="0"/>
+        </a:xfrm>
+      </p:grpSpPr>
+      <p:sp>
+        <p:nvSpPr>
+          <p:cNvPr id="8" name="Title 7">
+            <a:extLst>
+              <a:ext uri="{FF2B5EF4-FFF2-40B4-BE49-F238E27FC236}">
+                <a16:creationId xmlns:a16="http://schemas.microsoft.com/office/drawing/2014/main" id="{6A34AC25-F9D4-48D7-A664-C590D06BF559}"/>
+              </a:ext>
+            </a:extLst>
+          </p:cNvPr>
+          <p:cNvSpPr>
+            <a:spLocks noGrp="1"/>
+          </p:cNvSpPr>
+          <p:nvPr>
+            <p:ph type="title"/>
+          </p:nvPr>
+        </p:nvSpPr>
+        <p:spPr/>
+        <p:txBody>
+          <a:bodyPr/>
+          <a:lstStyle/>
+          <a:p>
+            <a:r>
+              <a:rPr lang="en-US" dirty="0"/>
+              <a:t>Ordering options</a:t>
+            </a:r>
+          </a:p>
+        </p:txBody>
+      </p:sp>
+      <p:sp>
+        <p:nvSpPr>
+          <p:cNvPr id="2" name="Content Placeholder 1">
+            <a:extLst>
+              <a:ext uri="{FF2B5EF4-FFF2-40B4-BE49-F238E27FC236}">
+                <a16:creationId xmlns:a16="http://schemas.microsoft.com/office/drawing/2014/main" id="{7D7427A6-1030-45CE-92A8-5212E0F721D8}"/>
+              </a:ext>
+            </a:extLst>
+          </p:cNvPr>
+          <p:cNvSpPr>
+            <a:spLocks noGrp="1"/>
+          </p:cNvSpPr>
+          <p:nvPr>
+            <p:ph idx="1"/>
+          </p:nvPr>
+        </p:nvSpPr>
+        <p:spPr>
+          <a:xfrm>
+            <a:off x="1066800" y="2103120"/>
+            <a:ext cx="5232400" cy="3849624"/>
+          </a:xfrm>
+        </p:spPr>
+        <p:txBody>
+          <a:bodyPr/>
+          <a:lstStyle/>
+          <a:p>
+            <a:r>
+              <a:rPr lang="en-US" sz="2400" dirty="0" err="1"/>
+              <a:t>vt_get_child_files</a:t>
+            </a:r>
+            <a:r>
+              <a:rPr lang="en-US" sz="2400" dirty="0"/>
+              <a:t>(loc=“</a:t>
+            </a:r>
+            <a:r>
+              <a:rPr lang="en-US" sz="2400" dirty="0" err="1"/>
+              <a:t>yml</a:t>
+            </a:r>
+            <a:r>
+              <a:rPr lang="en-US" sz="2400" dirty="0"/>
+              <a:t>”)</a:t>
+            </a:r>
+            <a:endParaRPr lang="en-US" sz="2200" dirty="0"/>
+          </a:p>
+          <a:p>
+            <a:pPr lvl="1"/>
+            <a:r>
+              <a:rPr lang="en-US" sz="2000" dirty="0"/>
+              <a:t>Vector of files in order of </a:t>
+            </a:r>
+            <a:r>
+              <a:rPr lang="en-US" sz="2000" dirty="0" err="1"/>
+              <a:t>yml</a:t>
+            </a:r>
+            <a:endParaRPr lang="en-US" sz="2000" dirty="0"/>
+          </a:p>
+          <a:p>
+            <a:pPr lvl="1"/>
+            <a:endParaRPr lang="en-US" sz="2000" dirty="0"/>
+          </a:p>
+          <a:p>
+            <a:r>
+              <a:rPr lang="en-US" sz="2200" dirty="0" err="1"/>
+              <a:t>vt_file</a:t>
+            </a:r>
+            <a:r>
+              <a:rPr lang="en-US" sz="2200" dirty="0"/>
+              <a:t>()</a:t>
+            </a:r>
+          </a:p>
+          <a:p>
+            <a:pPr lvl="1"/>
+            <a:r>
+              <a:rPr lang="en-US" sz="2000" dirty="0"/>
+              <a:t>Serialized across vectors</a:t>
+            </a:r>
+          </a:p>
+          <a:p>
+            <a:endParaRPr lang="en-US" sz="2400" dirty="0"/>
+          </a:p>
+          <a:p>
+            <a:pPr lvl="1"/>
+            <a:endParaRPr lang="en-US" dirty="0"/>
+          </a:p>
+        </p:txBody>
+      </p:sp>
+      <p:pic>
+        <p:nvPicPr>
+          <p:cNvPr id="5" name="Picture 4">
+            <a:extLst>
+              <a:ext uri="{FF2B5EF4-FFF2-40B4-BE49-F238E27FC236}">
+                <a16:creationId xmlns:a16="http://schemas.microsoft.com/office/drawing/2014/main" id="{4015D8A4-EF97-4B62-BA83-24F697166C18}"/>
+              </a:ext>
+            </a:extLst>
+          </p:cNvPr>
+          <p:cNvPicPr>
+            <a:picLocks noChangeAspect="1"/>
+          </p:cNvPicPr>
+          <p:nvPr/>
+        </p:nvPicPr>
+        <p:blipFill>
+          <a:blip r:embed="rId3"/>
+          <a:stretch>
+            <a:fillRect/>
+          </a:stretch>
+        </p:blipFill>
+        <p:spPr>
+          <a:xfrm>
+            <a:off x="7266621" y="4566894"/>
+            <a:ext cx="2962275" cy="1733550"/>
+          </a:xfrm>
+          <a:prstGeom prst="rect">
+            <a:avLst/>
+          </a:prstGeom>
+        </p:spPr>
+      </p:pic>
+      <p:pic>
+        <p:nvPicPr>
+          <p:cNvPr id="6" name="Picture 5">
+            <a:extLst>
+              <a:ext uri="{FF2B5EF4-FFF2-40B4-BE49-F238E27FC236}">
+                <a16:creationId xmlns:a16="http://schemas.microsoft.com/office/drawing/2014/main" id="{9F38E71E-6C87-4D5A-879C-911CDC946B81}"/>
+              </a:ext>
+            </a:extLst>
+          </p:cNvPr>
+          <p:cNvPicPr>
+            <a:picLocks noChangeAspect="1"/>
+          </p:cNvPicPr>
+          <p:nvPr/>
+        </p:nvPicPr>
+        <p:blipFill>
+          <a:blip r:embed="rId4"/>
+          <a:stretch>
+            <a:fillRect/>
+          </a:stretch>
+        </p:blipFill>
+        <p:spPr>
+          <a:xfrm>
+            <a:off x="5641825" y="716513"/>
+            <a:ext cx="6171804" cy="3634507"/>
+          </a:xfrm>
+          <a:prstGeom prst="rect">
+            <a:avLst/>
+          </a:prstGeom>
+        </p:spPr>
+      </p:pic>
+    </p:spTree>
+    <p:extLst>
+      <p:ext uri="{BB962C8B-B14F-4D97-AF65-F5344CB8AC3E}">
+        <p14:creationId xmlns:p14="http://schemas.microsoft.com/office/powerpoint/2010/main" val="1263296597"/>
+      </p:ext>
+    </p:extLst>
+  </p:cSld>
+  <p:clrMapOvr>
+    <a:masterClrMapping/>
+  </p:clrMapOvr>
+</p:sld>
+</file>
+
+<file path=ppt/slides/slide18.xml><?xml version="1.0" encoding="utf-8"?>
+<p:sld xmlns:a="http://schemas.openxmlformats.org/drawingml/2006/main" xmlns:r="http://schemas.openxmlformats.org/officeDocument/2006/relationships" xmlns:p="http://schemas.openxmlformats.org/presentationml/2006/main">
+  <p:cSld>
+    <p:spTree>
+      <p:nvGrpSpPr>
+        <p:cNvPr id="1" name=""/>
+        <p:cNvGrpSpPr/>
+        <p:nvPr/>
+      </p:nvGrpSpPr>
+      <p:grpSpPr>
+        <a:xfrm>
+          <a:off x="0" y="0"/>
+          <a:ext cx="0" cy="0"/>
+          <a:chOff x="0" y="0"/>
+          <a:chExt cx="0" cy="0"/>
+        </a:xfrm>
+      </p:grpSpPr>
+      <p:sp>
+        <p:nvSpPr>
+          <p:cNvPr id="8" name="Title 7">
+            <a:extLst>
+              <a:ext uri="{FF2B5EF4-FFF2-40B4-BE49-F238E27FC236}">
+                <a16:creationId xmlns:a16="http://schemas.microsoft.com/office/drawing/2014/main" id="{6A34AC25-F9D4-48D7-A664-C590D06BF559}"/>
+              </a:ext>
+            </a:extLst>
+          </p:cNvPr>
+          <p:cNvSpPr>
+            <a:spLocks noGrp="1"/>
+          </p:cNvSpPr>
+          <p:nvPr>
+            <p:ph type="title"/>
+          </p:nvPr>
+        </p:nvSpPr>
+        <p:spPr/>
+        <p:txBody>
+          <a:bodyPr/>
+          <a:lstStyle/>
+          <a:p>
+            <a:r>
+              <a:rPr lang="en-US" dirty="0"/>
+              <a:t>Validation File Order options</a:t>
+            </a:r>
+          </a:p>
+        </p:txBody>
+      </p:sp>
+      <p:sp>
+        <p:nvSpPr>
+          <p:cNvPr id="2" name="Content Placeholder 1">
+            <a:extLst>
+              <a:ext uri="{FF2B5EF4-FFF2-40B4-BE49-F238E27FC236}">
+                <a16:creationId xmlns:a16="http://schemas.microsoft.com/office/drawing/2014/main" id="{7D7427A6-1030-45CE-92A8-5212E0F721D8}"/>
+              </a:ext>
+            </a:extLst>
+          </p:cNvPr>
+          <p:cNvSpPr>
+            <a:spLocks noGrp="1"/>
+          </p:cNvSpPr>
+          <p:nvPr>
+            <p:ph idx="1"/>
+          </p:nvPr>
+        </p:nvSpPr>
+        <p:spPr>
+          <a:xfrm>
+            <a:off x="1066800" y="2103120"/>
+            <a:ext cx="5232400" cy="3849624"/>
+          </a:xfrm>
+        </p:spPr>
+        <p:txBody>
+          <a:bodyPr/>
+          <a:lstStyle/>
+          <a:p>
+            <a:r>
+              <a:rPr lang="en-US" sz="2400" dirty="0" err="1"/>
+              <a:t>vt_add_file_to_config</a:t>
+            </a:r>
+            <a:r>
+              <a:rPr lang="en-US" sz="2400" dirty="0"/>
+              <a:t>()</a:t>
+            </a:r>
+          </a:p>
+          <a:p>
+            <a:pPr lvl="1"/>
+            <a:r>
+              <a:rPr lang="en-US" sz="2000" dirty="0"/>
+              <a:t>filename</a:t>
+            </a:r>
+          </a:p>
+          <a:p>
+            <a:pPr lvl="1"/>
+            <a:r>
+              <a:rPr lang="en-US" sz="2000" dirty="0"/>
+              <a:t>before, after (</a:t>
+            </a:r>
+            <a:r>
+              <a:rPr lang="en-US" sz="2000" dirty="0" err="1"/>
+              <a:t>tidyselect</a:t>
+            </a:r>
+            <a:r>
+              <a:rPr lang="en-US" sz="2000" dirty="0"/>
+              <a:t> verbs)</a:t>
+            </a:r>
+          </a:p>
+          <a:p>
+            <a:pPr marL="0" indent="0">
+              <a:buNone/>
+            </a:pPr>
+            <a:endParaRPr lang="en-US" sz="2000" dirty="0"/>
+          </a:p>
+          <a:p>
+            <a:endParaRPr lang="en-US" sz="2200" dirty="0"/>
+          </a:p>
+          <a:p>
+            <a:r>
+              <a:rPr lang="en-US" sz="2200" dirty="0" err="1"/>
+              <a:t>vt_drop_file_from_config</a:t>
+            </a:r>
+            <a:r>
+              <a:rPr lang="en-US" sz="2200" dirty="0"/>
+              <a:t>()</a:t>
+            </a:r>
+          </a:p>
+          <a:p>
+            <a:pPr lvl="1"/>
+            <a:r>
+              <a:rPr lang="en-US" sz="2000" dirty="0"/>
+              <a:t>filename</a:t>
+            </a:r>
+          </a:p>
+          <a:p>
+            <a:endParaRPr lang="en-US" sz="2200" dirty="0"/>
+          </a:p>
+          <a:p>
+            <a:endParaRPr lang="en-US" sz="2200" dirty="0"/>
+          </a:p>
+          <a:p>
+            <a:endParaRPr lang="en-US" sz="2200" dirty="0"/>
+          </a:p>
+          <a:p>
+            <a:endParaRPr lang="en-US" sz="2200" dirty="0"/>
+          </a:p>
+          <a:p>
+            <a:endParaRPr lang="en-US" sz="2000" dirty="0"/>
+          </a:p>
+          <a:p>
+            <a:endParaRPr lang="en-US" sz="2400" dirty="0"/>
+          </a:p>
+          <a:p>
+            <a:pPr lvl="1"/>
+            <a:endParaRPr lang="en-US" dirty="0"/>
+          </a:p>
+        </p:txBody>
+      </p:sp>
+      <p:pic>
+        <p:nvPicPr>
+          <p:cNvPr id="3" name="Picture 2">
+            <a:extLst>
+              <a:ext uri="{FF2B5EF4-FFF2-40B4-BE49-F238E27FC236}">
+                <a16:creationId xmlns:a16="http://schemas.microsoft.com/office/drawing/2014/main" id="{A0B2A6A5-6822-472C-A9F5-4688A5650F84}"/>
+              </a:ext>
+            </a:extLst>
+          </p:cNvPr>
+          <p:cNvPicPr>
+            <a:picLocks noChangeAspect="1"/>
+          </p:cNvPicPr>
+          <p:nvPr/>
+        </p:nvPicPr>
+        <p:blipFill>
+          <a:blip r:embed="rId3"/>
+          <a:stretch>
+            <a:fillRect/>
+          </a:stretch>
+        </p:blipFill>
+        <p:spPr>
+          <a:xfrm>
+            <a:off x="2533650" y="3429000"/>
+            <a:ext cx="7124700" cy="371475"/>
+          </a:xfrm>
+          <a:prstGeom prst="rect">
+            <a:avLst/>
+          </a:prstGeom>
+        </p:spPr>
+      </p:pic>
+      <p:pic>
+        <p:nvPicPr>
+          <p:cNvPr id="5" name="Picture 4">
+            <a:extLst>
+              <a:ext uri="{FF2B5EF4-FFF2-40B4-BE49-F238E27FC236}">
+                <a16:creationId xmlns:a16="http://schemas.microsoft.com/office/drawing/2014/main" id="{E9F3AC4D-9B80-4101-8A2F-FE5D2B694B4D}"/>
+              </a:ext>
+            </a:extLst>
+          </p:cNvPr>
+          <p:cNvPicPr>
+            <a:picLocks noChangeAspect="1"/>
+          </p:cNvPicPr>
+          <p:nvPr/>
+        </p:nvPicPr>
+        <p:blipFill>
+          <a:blip r:embed="rId4"/>
+          <a:stretch>
+            <a:fillRect/>
+          </a:stretch>
+        </p:blipFill>
+        <p:spPr>
+          <a:xfrm>
+            <a:off x="6930775" y="1606524"/>
+            <a:ext cx="2962275" cy="1733550"/>
+          </a:xfrm>
+          <a:prstGeom prst="rect">
+            <a:avLst/>
+          </a:prstGeom>
+        </p:spPr>
+      </p:pic>
+      <p:pic>
+        <p:nvPicPr>
+          <p:cNvPr id="4" name="Picture 3">
+            <a:extLst>
+              <a:ext uri="{FF2B5EF4-FFF2-40B4-BE49-F238E27FC236}">
+                <a16:creationId xmlns:a16="http://schemas.microsoft.com/office/drawing/2014/main" id="{090200EE-993F-43EB-8841-0E4A6D365F66}"/>
+              </a:ext>
+            </a:extLst>
+          </p:cNvPr>
+          <p:cNvPicPr>
+            <a:picLocks noChangeAspect="1"/>
+          </p:cNvPicPr>
+          <p:nvPr/>
+        </p:nvPicPr>
+        <p:blipFill>
+          <a:blip r:embed="rId5"/>
+          <a:stretch>
+            <a:fillRect/>
+          </a:stretch>
+        </p:blipFill>
+        <p:spPr>
+          <a:xfrm>
+            <a:off x="6930775" y="4027932"/>
+            <a:ext cx="3009634" cy="1733549"/>
+          </a:xfrm>
+          <a:prstGeom prst="rect">
+            <a:avLst/>
+          </a:prstGeom>
+        </p:spPr>
+      </p:pic>
+    </p:spTree>
+    <p:extLst>
+      <p:ext uri="{BB962C8B-B14F-4D97-AF65-F5344CB8AC3E}">
+        <p14:creationId xmlns:p14="http://schemas.microsoft.com/office/powerpoint/2010/main" val="2756397016"/>
+      </p:ext>
+    </p:extLst>
+  </p:cSld>
+  <p:clrMapOvr>
+    <a:masterClrMapping/>
+  </p:clrMapOvr>
+</p:sld>
+</file>
+
+<file path=ppt/slides/slide19.xml><?xml version="1.0" encoding="utf-8"?>
+<p:sld xmlns:a="http://schemas.openxmlformats.org/drawingml/2006/main" xmlns:r="http://schemas.openxmlformats.org/officeDocument/2006/relationships" xmlns:p="http://schemas.openxmlformats.org/presentationml/2006/main">
+  <p:cSld>
+    <p:spTree>
+      <p:nvGrpSpPr>
+        <p:cNvPr id="1" name=""/>
+        <p:cNvGrpSpPr/>
+        <p:nvPr/>
+      </p:nvGrpSpPr>
+      <p:grpSpPr>
+        <a:xfrm>
+          <a:off x="0" y="0"/>
+          <a:ext cx="0" cy="0"/>
+          <a:chOff x="0" y="0"/>
+          <a:chExt cx="0" cy="0"/>
+        </a:xfrm>
+      </p:grpSpPr>
+      <p:sp>
+        <p:nvSpPr>
+          <p:cNvPr id="2" name="Title 1">
+            <a:extLst>
+              <a:ext uri="{FF2B5EF4-FFF2-40B4-BE49-F238E27FC236}">
+                <a16:creationId xmlns:a16="http://schemas.microsoft.com/office/drawing/2014/main" id="{7614332B-4F24-42F4-A704-A6F1183E9470}"/>
+              </a:ext>
+            </a:extLst>
+          </p:cNvPr>
+          <p:cNvSpPr>
+            <a:spLocks noGrp="1"/>
+          </p:cNvSpPr>
+          <p:nvPr>
+            <p:ph type="ctrTitle"/>
+          </p:nvPr>
+        </p:nvSpPr>
+        <p:spPr/>
+        <p:txBody>
+          <a:bodyPr/>
+          <a:lstStyle/>
+          <a:p>
+            <a:r>
+              <a:rPr lang="en-US" dirty="0"/>
               <a:t>Users across time</a:t>
             </a:r>
           </a:p>
@@ -7305,7 +11948,119 @@
 </p:sld>
 </file>
 
-<file path=ppt/slides/slide14.xml><?xml version="1.0" encoding="utf-8"?>
+<file path=ppt/slides/slide2.xml><?xml version="1.0" encoding="utf-8"?>
+<p:sld xmlns:a="http://schemas.openxmlformats.org/drawingml/2006/main" xmlns:r="http://schemas.openxmlformats.org/officeDocument/2006/relationships" xmlns:p="http://schemas.openxmlformats.org/presentationml/2006/main">
+  <p:cSld>
+    <p:spTree>
+      <p:nvGrpSpPr>
+        <p:cNvPr id="1" name=""/>
+        <p:cNvGrpSpPr/>
+        <p:nvPr/>
+      </p:nvGrpSpPr>
+      <p:grpSpPr>
+        <a:xfrm>
+          <a:off x="0" y="0"/>
+          <a:ext cx="0" cy="0"/>
+          <a:chOff x="0" y="0"/>
+          <a:chExt cx="0" cy="0"/>
+        </a:xfrm>
+      </p:grpSpPr>
+      <p:sp>
+        <p:nvSpPr>
+          <p:cNvPr id="2" name="Title 1">
+            <a:extLst>
+              <a:ext uri="{FF2B5EF4-FFF2-40B4-BE49-F238E27FC236}">
+                <a16:creationId xmlns:a16="http://schemas.microsoft.com/office/drawing/2014/main" id="{749E0D1B-C9EF-4CB6-9922-ED9D4AC52C59}"/>
+              </a:ext>
+            </a:extLst>
+          </p:cNvPr>
+          <p:cNvSpPr>
+            <a:spLocks noGrp="1"/>
+          </p:cNvSpPr>
+          <p:nvPr>
+            <p:ph type="title"/>
+          </p:nvPr>
+        </p:nvSpPr>
+        <p:spPr/>
+        <p:txBody>
+          <a:bodyPr/>
+          <a:lstStyle/>
+          <a:p>
+            <a:r>
+              <a:rPr lang="en-US" dirty="0"/>
+              <a:t>Welcome</a:t>
+            </a:r>
+          </a:p>
+        </p:txBody>
+      </p:sp>
+      <p:sp>
+        <p:nvSpPr>
+          <p:cNvPr id="5" name="Content Placeholder 4">
+            <a:extLst>
+              <a:ext uri="{FF2B5EF4-FFF2-40B4-BE49-F238E27FC236}">
+                <a16:creationId xmlns:a16="http://schemas.microsoft.com/office/drawing/2014/main" id="{7E558183-391D-4056-BC02-A181C5440B05}"/>
+              </a:ext>
+            </a:extLst>
+          </p:cNvPr>
+          <p:cNvSpPr>
+            <a:spLocks noGrp="1"/>
+          </p:cNvSpPr>
+          <p:nvPr>
+            <p:ph idx="1"/>
+          </p:nvPr>
+        </p:nvSpPr>
+        <p:spPr/>
+        <p:txBody>
+          <a:bodyPr>
+            <a:normAutofit/>
+          </a:bodyPr>
+          <a:lstStyle/>
+          <a:p>
+            <a:r>
+              <a:rPr lang="en-US" sz="2400" dirty="0"/>
+              <a:t>Multiple Reports</a:t>
+            </a:r>
+          </a:p>
+          <a:p>
+            <a:r>
+              <a:rPr lang="en-US" sz="2400" dirty="0"/>
+              <a:t>Project Management Models</a:t>
+            </a:r>
+          </a:p>
+          <a:p>
+            <a:r>
+              <a:rPr lang="en-US" sz="2400" dirty="0"/>
+              <a:t>Ordering validation elements</a:t>
+            </a:r>
+          </a:p>
+          <a:p>
+            <a:r>
+              <a:rPr lang="en-US" sz="2400" dirty="0"/>
+              <a:t>Adding and removing users</a:t>
+            </a:r>
+          </a:p>
+          <a:p>
+            <a:endParaRPr lang="en-US" sz="2200" dirty="0"/>
+          </a:p>
+          <a:p>
+            <a:endParaRPr lang="en-US" sz="2400" dirty="0"/>
+          </a:p>
+        </p:txBody>
+      </p:sp>
+    </p:spTree>
+    <p:extLst>
+      <p:ext uri="{BB962C8B-B14F-4D97-AF65-F5344CB8AC3E}">
+        <p14:creationId xmlns:p14="http://schemas.microsoft.com/office/powerpoint/2010/main" val="1601236187"/>
+      </p:ext>
+    </p:extLst>
+  </p:cSld>
+  <p:clrMapOvr>
+    <a:masterClrMapping/>
+  </p:clrMapOvr>
+</p:sld>
+</file>
+
+<file path=ppt/slides/slide20.xml><?xml version="1.0" encoding="utf-8"?>
 <p:sld xmlns:a="http://schemas.openxmlformats.org/drawingml/2006/main" xmlns:r="http://schemas.openxmlformats.org/officeDocument/2006/relationships" xmlns:p="http://schemas.openxmlformats.org/presentationml/2006/main">
   <p:cSld>
     <p:spTree>
@@ -7382,7 +12137,7 @@
 </p:sld>
 </file>
 
-<file path=ppt/slides/slide15.xml><?xml version="1.0" encoding="utf-8"?>
+<file path=ppt/slides/slide21.xml><?xml version="1.0" encoding="utf-8"?>
 <p:sld xmlns:a="http://schemas.openxmlformats.org/drawingml/2006/main" xmlns:r="http://schemas.openxmlformats.org/officeDocument/2006/relationships" xmlns:p="http://schemas.openxmlformats.org/presentationml/2006/main">
   <p:cSld>
     <p:spTree>
@@ -7508,7 +12263,7 @@
 </p:sld>
 </file>
 
-<file path=ppt/slides/slide16.xml><?xml version="1.0" encoding="utf-8"?>
+<file path=ppt/slides/slide22.xml><?xml version="1.0" encoding="utf-8"?>
 <p:sld xmlns:a="http://schemas.openxmlformats.org/drawingml/2006/main" xmlns:r="http://schemas.openxmlformats.org/officeDocument/2006/relationships" xmlns:p="http://schemas.openxmlformats.org/presentationml/2006/main">
   <p:cSld>
     <p:spTree>
@@ -7596,7 +12351,7 @@
 </p:sld>
 </file>
 
-<file path=ppt/slides/slide17.xml><?xml version="1.0" encoding="utf-8"?>
+<file path=ppt/slides/slide23.xml><?xml version="1.0" encoding="utf-8"?>
 <p:sld xmlns:a="http://schemas.openxmlformats.org/drawingml/2006/main" xmlns:r="http://schemas.openxmlformats.org/officeDocument/2006/relationships" xmlns:p="http://schemas.openxmlformats.org/presentationml/2006/main">
   <p:cSld>
     <p:spTree>
@@ -7717,7 +12472,7 @@
 </p:sld>
 </file>
 
-<file path=ppt/slides/slide18.xml><?xml version="1.0" encoding="utf-8"?>
+<file path=ppt/slides/slide24.xml><?xml version="1.0" encoding="utf-8"?>
 <p:sld xmlns:a="http://schemas.openxmlformats.org/drawingml/2006/main" xmlns:r="http://schemas.openxmlformats.org/officeDocument/2006/relationships" xmlns:p="http://schemas.openxmlformats.org/presentationml/2006/main">
   <p:cSld>
     <p:spTree>
@@ -7778,112 +12533,6 @@
     <p:extLst>
       <p:ext uri="{BB962C8B-B14F-4D97-AF65-F5344CB8AC3E}">
         <p14:creationId xmlns:p14="http://schemas.microsoft.com/office/powerpoint/2010/main" val="901462192"/>
-      </p:ext>
-    </p:extLst>
-  </p:cSld>
-  <p:clrMapOvr>
-    <a:masterClrMapping/>
-  </p:clrMapOvr>
-</p:sld>
-</file>
-
-<file path=ppt/slides/slide2.xml><?xml version="1.0" encoding="utf-8"?>
-<p:sld xmlns:a="http://schemas.openxmlformats.org/drawingml/2006/main" xmlns:r="http://schemas.openxmlformats.org/officeDocument/2006/relationships" xmlns:p="http://schemas.openxmlformats.org/presentationml/2006/main">
-  <p:cSld>
-    <p:spTree>
-      <p:nvGrpSpPr>
-        <p:cNvPr id="1" name=""/>
-        <p:cNvGrpSpPr/>
-        <p:nvPr/>
-      </p:nvGrpSpPr>
-      <p:grpSpPr>
-        <a:xfrm>
-          <a:off x="0" y="0"/>
-          <a:ext cx="0" cy="0"/>
-          <a:chOff x="0" y="0"/>
-          <a:chExt cx="0" cy="0"/>
-        </a:xfrm>
-      </p:grpSpPr>
-      <p:sp>
-        <p:nvSpPr>
-          <p:cNvPr id="2" name="Title 1">
-            <a:extLst>
-              <a:ext uri="{FF2B5EF4-FFF2-40B4-BE49-F238E27FC236}">
-                <a16:creationId xmlns:a16="http://schemas.microsoft.com/office/drawing/2014/main" id="{749E0D1B-C9EF-4CB6-9922-ED9D4AC52C59}"/>
-              </a:ext>
-            </a:extLst>
-          </p:cNvPr>
-          <p:cNvSpPr>
-            <a:spLocks noGrp="1"/>
-          </p:cNvSpPr>
-          <p:nvPr>
-            <p:ph type="title"/>
-          </p:nvPr>
-        </p:nvSpPr>
-        <p:spPr/>
-        <p:txBody>
-          <a:bodyPr/>
-          <a:lstStyle/>
-          <a:p>
-            <a:r>
-              <a:rPr lang="en-US" dirty="0"/>
-              <a:t>Welcome</a:t>
-            </a:r>
-          </a:p>
-        </p:txBody>
-      </p:sp>
-      <p:sp>
-        <p:nvSpPr>
-          <p:cNvPr id="5" name="Content Placeholder 4">
-            <a:extLst>
-              <a:ext uri="{FF2B5EF4-FFF2-40B4-BE49-F238E27FC236}">
-                <a16:creationId xmlns:a16="http://schemas.microsoft.com/office/drawing/2014/main" id="{7E558183-391D-4056-BC02-A181C5440B05}"/>
-              </a:ext>
-            </a:extLst>
-          </p:cNvPr>
-          <p:cNvSpPr>
-            <a:spLocks noGrp="1"/>
-          </p:cNvSpPr>
-          <p:nvPr>
-            <p:ph idx="1"/>
-          </p:nvPr>
-        </p:nvSpPr>
-        <p:spPr/>
-        <p:txBody>
-          <a:bodyPr>
-            <a:normAutofit/>
-          </a:bodyPr>
-          <a:lstStyle/>
-          <a:p>
-            <a:r>
-              <a:rPr lang="en-US" sz="2400" dirty="0"/>
-              <a:t>Multiple Reports</a:t>
-            </a:r>
-          </a:p>
-          <a:p>
-            <a:r>
-              <a:rPr lang="en-US" sz="2400" dirty="0"/>
-              <a:t>Ordering validation elements</a:t>
-            </a:r>
-          </a:p>
-          <a:p>
-            <a:r>
-              <a:rPr lang="en-US" sz="2400" dirty="0"/>
-              <a:t>Adding and removing users</a:t>
-            </a:r>
-          </a:p>
-          <a:p>
-            <a:endParaRPr lang="en-US" sz="2200" dirty="0"/>
-          </a:p>
-          <a:p>
-            <a:endParaRPr lang="en-US" sz="2400" dirty="0"/>
-          </a:p>
-        </p:txBody>
-      </p:sp>
-    </p:spTree>
-    <p:extLst>
-      <p:ext uri="{BB962C8B-B14F-4D97-AF65-F5344CB8AC3E}">
-        <p14:creationId xmlns:p14="http://schemas.microsoft.com/office/powerpoint/2010/main" val="1601236187"/>
       </p:ext>
     </p:extLst>
   </p:cSld>
@@ -8136,7 +12785,7 @@
         <p:spPr>
           <a:xfrm>
             <a:off x="1286933" y="2218267"/>
-            <a:ext cx="10905067" cy="3539430"/>
+            <a:ext cx="10905067" cy="2246769"/>
           </a:xfrm>
           <a:prstGeom prst="rect">
             <a:avLst/>
@@ -8181,37 +12830,6 @@
               <a:buChar char="•"/>
             </a:pPr>
             <a:endParaRPr lang="en-US" sz="2800" dirty="0"/>
-          </a:p>
-          <a:p>
-            <a:pPr marL="285750" indent="-285750">
-              <a:buFont typeface="Arial" panose="020B0604020202020204" pitchFamily="34" charset="0"/>
-              <a:buChar char="•"/>
-            </a:pPr>
-            <a:r>
-              <a:rPr lang="en-US" sz="2800" dirty="0" err="1"/>
-              <a:t>validation.yml</a:t>
-            </a:r>
-            <a:endParaRPr lang="en-US" sz="2800" dirty="0"/>
-          </a:p>
-          <a:p>
-            <a:pPr marL="742950" lvl="1" indent="-285750">
-              <a:buFont typeface="Arial" panose="020B0604020202020204" pitchFamily="34" charset="0"/>
-              <a:buChar char="•"/>
-            </a:pPr>
-            <a:r>
-              <a:rPr lang="en-US" sz="2800" dirty="0"/>
-              <a:t>Controls which report is run</a:t>
-            </a:r>
-          </a:p>
-          <a:p>
-            <a:pPr marL="742950" lvl="1" indent="-285750">
-              <a:buFont typeface="Arial" panose="020B0604020202020204" pitchFamily="34" charset="0"/>
-              <a:buChar char="•"/>
-            </a:pPr>
-            <a:r>
-              <a:rPr lang="en-US" sz="2800" dirty="0"/>
-              <a:t>Output location</a:t>
-            </a:r>
           </a:p>
         </p:txBody>
       </p:sp>
@@ -8287,8 +12905,8 @@
         </p:nvSpPr>
         <p:spPr>
           <a:xfrm>
-            <a:off x="3301766" y="3624667"/>
-            <a:ext cx="9523307" cy="1815882"/>
+            <a:off x="3133601" y="2657716"/>
+            <a:ext cx="9523307" cy="2677656"/>
           </a:xfrm>
           <a:prstGeom prst="rect">
             <a:avLst/>
@@ -8300,6 +12918,19 @@
             <a:spAutoFit/>
           </a:bodyPr>
           <a:lstStyle/>
+          <a:p>
+            <a:pPr marL="285750" indent="-285750">
+              <a:buFont typeface="Arial" panose="020B0604020202020204" pitchFamily="34" charset="0"/>
+              <a:buChar char="•"/>
+            </a:pPr>
+            <a:r>
+              <a:rPr lang="en-US" sz="2800" dirty="0"/>
+              <a:t> </a:t>
+            </a:r>
+          </a:p>
+          <a:p>
+            <a:endParaRPr lang="en-US" sz="2800" dirty="0"/>
+          </a:p>
           <a:p>
             <a:pPr marL="285750" indent="-285750">
               <a:buFont typeface="Arial" panose="020B0604020202020204" pitchFamily="34" charset="0"/>
@@ -8383,8 +13014,8 @@
         </p:blipFill>
         <p:spPr bwMode="auto">
           <a:xfrm>
-            <a:off x="5391840" y="2161513"/>
-            <a:ext cx="1408319" cy="1267487"/>
+            <a:off x="3615593" y="2454721"/>
+            <a:ext cx="1082532" cy="974279"/>
           </a:xfrm>
           <a:prstGeom prst="rect">
             <a:avLst/>
@@ -8695,19 +13326,14 @@
         </p:nvSpPr>
         <p:spPr/>
         <p:txBody>
-          <a:bodyPr/>
+          <a:bodyPr>
+            <a:normAutofit fontScale="90000"/>
+          </a:bodyPr>
           <a:lstStyle/>
           <a:p>
             <a:r>
               <a:rPr lang="en-US" dirty="0"/>
-              <a:t>Validation</a:t>
-            </a:r>
-            <a:br>
-              <a:rPr lang="en-US" dirty="0"/>
-            </a:br>
-            <a:r>
-              <a:rPr lang="en-US" dirty="0"/>
-              <a:t> Element Ordering</a:t>
+              <a:t>Project Management Models</a:t>
             </a:r>
           </a:p>
         </p:txBody>
@@ -8765,7 +13391,7 @@
           <a:p>
             <a:r>
               <a:rPr lang="en-US" dirty="0"/>
-              <a:t>Ordering options</a:t>
+              <a:t>Project Development Models</a:t>
             </a:r>
           </a:p>
         </p:txBody>
@@ -8788,24 +13414,48 @@
         </p:nvSpPr>
         <p:spPr/>
         <p:txBody>
-          <a:bodyPr/>
+          <a:bodyPr>
+            <a:normAutofit/>
+          </a:bodyPr>
           <a:lstStyle/>
           <a:p>
             <a:r>
               <a:rPr lang="en-US" sz="2400" dirty="0"/>
-              <a:t>Requirements, Test Cases and Test Code are developed over time</a:t>
-            </a:r>
+              <a:t>Waterfall Project Model</a:t>
+            </a:r>
+          </a:p>
+          <a:p>
+            <a:pPr lvl="1"/>
+            <a:r>
+              <a:rPr lang="en-US" sz="2200" dirty="0"/>
+              <a:t>All Requirements designed up-font</a:t>
+            </a:r>
+          </a:p>
+          <a:p>
+            <a:pPr lvl="1"/>
+            <a:r>
+              <a:rPr lang="en-US" sz="2200" dirty="0"/>
+              <a:t>Tests developed in once all requirements defined</a:t>
+            </a:r>
+          </a:p>
+          <a:p>
+            <a:pPr lvl="1"/>
+            <a:r>
+              <a:rPr lang="en-US" sz="2200" dirty="0"/>
+              <a:t>Linear sequencing of events from requirement development to validation report</a:t>
+            </a:r>
+          </a:p>
+          <a:p>
+            <a:pPr lvl="1"/>
+            <a:endParaRPr lang="en-US" sz="2200" dirty="0"/>
           </a:p>
           <a:p>
             <a:endParaRPr lang="en-US" sz="2400" dirty="0"/>
           </a:p>
           <a:p>
-            <a:r>
-              <a:rPr lang="en-US" sz="2400" dirty="0"/>
-              <a:t>Order/Importance of each changes over time</a:t>
-            </a:r>
-          </a:p>
-          <a:p>
+            <a:pPr marL="0" indent="0">
+              <a:buNone/>
+            </a:pPr>
             <a:endParaRPr lang="en-US" sz="2400" dirty="0"/>
           </a:p>
           <a:p>
@@ -9402,6 +14052,15 @@
 </file>
 
 <file path=customXml/item1.xml><?xml version="1.0" encoding="utf-8"?>
+<?mso-contentType ?>
+<FormTemplates xmlns="http://schemas.microsoft.com/sharepoint/v3/contenttype/forms">
+  <Display>DocumentLibraryForm</Display>
+  <Edit>DocumentLibraryForm</Edit>
+  <New>DocumentLibraryForm</New>
+</FormTemplates>
+</file>
+
+<file path=customXml/item2.xml><?xml version="1.0" encoding="utf-8"?>
 <ct:contentTypeSchema xmlns:ct="http://schemas.microsoft.com/office/2006/metadata/contentType" xmlns:ma="http://schemas.microsoft.com/office/2006/metadata/properties/metaAttributes" ct:_="" ma:_="" ma:contentTypeName="Document" ma:contentTypeID="0x01010079F111ED35F8CC479449609E8A0923A6" ma:contentTypeVersion="12" ma:contentTypeDescription="Create a new document." ma:contentTypeScope="" ma:versionID="a410dd7f93c95333ffa1b60ed6adedd1">
   <xsd:schema xmlns:xsd="http://www.w3.org/2001/XMLSchema" xmlns:xs="http://www.w3.org/2001/XMLSchema" xmlns:p="http://schemas.microsoft.com/office/2006/metadata/properties" xmlns:ns2="71af3243-3dd4-4a8d-8c0d-dd76da1f02a5" xmlns:ns3="16c05727-aa75-4e4a-9b5f-8a80a1165891" targetNamespace="http://schemas.microsoft.com/office/2006/metadata/properties" ma:root="true" ma:fieldsID="a936d9baba76aa3866493feff160faab" ns2:_="" ns3:_="">
     <xsd:import namespace="71af3243-3dd4-4a8d-8c0d-dd76da1f02a5"/>
@@ -9622,7 +14281,7 @@
 </ct:contentTypeSchema>
 </file>
 
-<file path=customXml/item2.xml><?xml version="1.0" encoding="utf-8"?>
+<file path=customXml/item3.xml><?xml version="1.0" encoding="utf-8"?>
 <p:properties xmlns:p="http://schemas.microsoft.com/office/2006/metadata/properties" xmlns:xsi="http://www.w3.org/2001/XMLSchema-instance" xmlns:pc="http://schemas.microsoft.com/office/infopath/2007/PartnerControls">
   <documentManagement>
     <Status xmlns="71af3243-3dd4-4a8d-8c0d-dd76da1f02a5">Not started</Status>
@@ -9631,16 +14290,15 @@
 </p:properties>
 </file>
 
-<file path=customXml/item3.xml><?xml version="1.0" encoding="utf-8"?>
-<?mso-contentType ?>
-<FormTemplates xmlns="http://schemas.microsoft.com/sharepoint/v3/contenttype/forms">
-  <Display>DocumentLibraryForm</Display>
-  <Edit>DocumentLibraryForm</Edit>
-  <New>DocumentLibraryForm</New>
-</FormTemplates>
+<file path=customXml/itemProps1.xml><?xml version="1.0" encoding="utf-8"?>
+<ds:datastoreItem xmlns:ds="http://schemas.openxmlformats.org/officeDocument/2006/customXml" ds:itemID="{CDB58277-F8DF-46FF-84EC-EF41B835E69F}">
+  <ds:schemaRefs>
+    <ds:schemaRef ds:uri="http://schemas.microsoft.com/sharepoint/v3/contenttype/forms"/>
+  </ds:schemaRefs>
+</ds:datastoreItem>
 </file>
 
-<file path=customXml/itemProps1.xml><?xml version="1.0" encoding="utf-8"?>
+<file path=customXml/itemProps2.xml><?xml version="1.0" encoding="utf-8"?>
 <ds:datastoreItem xmlns:ds="http://schemas.openxmlformats.org/officeDocument/2006/customXml" ds:itemID="{2D276E62-80A3-44DD-9BCC-97ED2B99B57F}">
   <ds:schemaRefs>
     <ds:schemaRef ds:uri="http://schemas.microsoft.com/office/2006/metadata/contentType"/>
@@ -9659,7 +14317,7 @@
 </ds:datastoreItem>
 </file>
 
-<file path=customXml/itemProps2.xml><?xml version="1.0" encoding="utf-8"?>
+<file path=customXml/itemProps3.xml><?xml version="1.0" encoding="utf-8"?>
 <ds:datastoreItem xmlns:ds="http://schemas.openxmlformats.org/officeDocument/2006/customXml" ds:itemID="{137651BA-F45C-4845-9AB3-E0A65B39F5E1}">
   <ds:schemaRefs>
     <ds:schemaRef ds:uri="http://schemas.openxmlformats.org/package/2006/metadata/core-properties"/>
@@ -9674,12 +14332,4 @@
     <ds:schemaRef ds:uri="http://www.w3.org/XML/1998/namespace"/>
   </ds:schemaRefs>
 </ds:datastoreItem>
-</file>
-
-<file path=customXml/itemProps3.xml><?xml version="1.0" encoding="utf-8"?>
-<ds:datastoreItem xmlns:ds="http://schemas.openxmlformats.org/officeDocument/2006/customXml" ds:itemID="{CDB58277-F8DF-46FF-84EC-EF41B835E69F}">
-  <ds:schemaRefs>
-    <ds:schemaRef ds:uri="http://schemas.microsoft.com/sharepoint/v3/contenttype/forms"/>
-  </ds:schemaRefs>
-</ds:datastoreItem>
 </file>
--- a/Slides/Slides-06-Managing_Validation_Projects/Slides-06-Managing_Validation_Projects.pptx
+++ b/Slides/Slides-06-Managing_Validation_Projects/Slides-06-Managing_Validation_Projects.pptx
@@ -168,10 +168,25 @@
   <pc:docChgLst>
     <pc:chgData name="Ellis Hughes" userId="70958ad1-f5a5-48f5-9815-bf834be6566e" providerId="ADAL" clId="{E53DD366-8EC7-4AE9-B8DD-4E98E28BB51B}"/>
     <pc:docChg chg="undo custSel addSld delSld modSld sldOrd">
-      <pc:chgData name="Ellis Hughes" userId="70958ad1-f5a5-48f5-9815-bf834be6566e" providerId="ADAL" clId="{E53DD366-8EC7-4AE9-B8DD-4E98E28BB51B}" dt="2021-10-26T19:49:38.850" v="3947" actId="20577"/>
+      <pc:chgData name="Ellis Hughes" userId="70958ad1-f5a5-48f5-9815-bf834be6566e" providerId="ADAL" clId="{E53DD366-8EC7-4AE9-B8DD-4E98E28BB51B}" dt="2021-11-01T14:37:03.241" v="3967" actId="368"/>
       <pc:docMkLst>
         <pc:docMk/>
       </pc:docMkLst>
+      <pc:sldChg chg="modSp mod">
+        <pc:chgData name="Ellis Hughes" userId="70958ad1-f5a5-48f5-9815-bf834be6566e" providerId="ADAL" clId="{E53DD366-8EC7-4AE9-B8DD-4E98E28BB51B}" dt="2021-11-01T14:36:59.047" v="3963" actId="1076"/>
+        <pc:sldMkLst>
+          <pc:docMk/>
+          <pc:sldMk cId="2584280759" sldId="257"/>
+        </pc:sldMkLst>
+        <pc:picChg chg="mod">
+          <ac:chgData name="Ellis Hughes" userId="70958ad1-f5a5-48f5-9815-bf834be6566e" providerId="ADAL" clId="{E53DD366-8EC7-4AE9-B8DD-4E98E28BB51B}" dt="2021-11-01T14:36:59.047" v="3963" actId="1076"/>
+          <ac:picMkLst>
+            <pc:docMk/>
+            <pc:sldMk cId="2584280759" sldId="257"/>
+            <ac:picMk id="6" creationId="{8045422F-7258-40AC-BD2E-2469AA448922}"/>
+          </ac:picMkLst>
+        </pc:picChg>
+      </pc:sldChg>
       <pc:sldChg chg="modSp mod">
         <pc:chgData name="Ellis Hughes" userId="70958ad1-f5a5-48f5-9815-bf834be6566e" providerId="ADAL" clId="{E53DD366-8EC7-4AE9-B8DD-4E98E28BB51B}" dt="2021-10-25T15:16:14.096" v="3507" actId="20577"/>
         <pc:sldMkLst>
@@ -187,8 +202,8 @@
           </ac:spMkLst>
         </pc:spChg>
       </pc:sldChg>
-      <pc:sldChg chg="modSp mod">
-        <pc:chgData name="Ellis Hughes" userId="70958ad1-f5a5-48f5-9815-bf834be6566e" providerId="ADAL" clId="{E53DD366-8EC7-4AE9-B8DD-4E98E28BB51B}" dt="2021-10-22T20:42:10.315" v="2286" actId="20577"/>
+      <pc:sldChg chg="addSp delSp modSp mod">
+        <pc:chgData name="Ellis Hughes" userId="70958ad1-f5a5-48f5-9815-bf834be6566e" providerId="ADAL" clId="{E53DD366-8EC7-4AE9-B8DD-4E98E28BB51B}" dt="2021-11-01T14:37:03.241" v="3967" actId="368"/>
         <pc:sldMkLst>
           <pc:docMk/>
           <pc:sldMk cId="901462192" sldId="330"/>
@@ -199,6 +214,22 @@
             <pc:docMk/>
             <pc:sldMk cId="901462192" sldId="330"/>
             <ac:spMk id="2" creationId="{7614332B-4F24-42F4-A704-A6F1183E9470}"/>
+          </ac:spMkLst>
+        </pc:spChg>
+        <pc:spChg chg="add mod">
+          <ac:chgData name="Ellis Hughes" userId="70958ad1-f5a5-48f5-9815-bf834be6566e" providerId="ADAL" clId="{E53DD366-8EC7-4AE9-B8DD-4E98E28BB51B}" dt="2021-11-01T14:37:03.241" v="3967" actId="368"/>
+          <ac:spMkLst>
+            <pc:docMk/>
+            <pc:sldMk cId="901462192" sldId="330"/>
+            <ac:spMk id="3" creationId="{D2554153-2EED-4B93-A8CC-DD148F528429}"/>
+          </ac:spMkLst>
+        </pc:spChg>
+        <pc:spChg chg="add del mod">
+          <ac:chgData name="Ellis Hughes" userId="70958ad1-f5a5-48f5-9815-bf834be6566e" providerId="ADAL" clId="{E53DD366-8EC7-4AE9-B8DD-4E98E28BB51B}" dt="2021-11-01T14:33:41.818" v="3955"/>
+          <ac:spMkLst>
+            <pc:docMk/>
+            <pc:sldMk cId="901462192" sldId="330"/>
+            <ac:spMk id="4" creationId="{DFD97153-746E-44AA-A34E-539A6F169E6E}"/>
           </ac:spMkLst>
         </pc:spChg>
       </pc:sldChg>
@@ -1465,7 +1496,7 @@
           <a:p>
             <a:fld id="{AE1375EF-7AC2-40F0-8984-3657FAAC21B8}" type="datetimeFigureOut">
               <a:rPr lang="en-US" smtClean="0"/>
-              <a:t>10/26/2021</a:t>
+              <a:t>11/1/2021</a:t>
             </a:fld>
             <a:endParaRPr lang="en-US"/>
           </a:p>
@@ -4523,7 +4554,7 @@
           <a:p>
             <a:fld id="{EA0C0817-A112-4847-8014-A94B7D2A4EA3}" type="datetime1">
               <a:rPr lang="en-US" smtClean="0"/>
-              <a:t>10/26/2021</a:t>
+              <a:t>11/1/2021</a:t>
             </a:fld>
             <a:endParaRPr lang="en-US" dirty="0"/>
           </a:p>
@@ -4725,7 +4756,7 @@
           <a:p>
             <a:fld id="{7332B432-ACDA-4023-A761-2BAB76577B62}" type="datetime1">
               <a:rPr lang="en-US" smtClean="0"/>
-              <a:t>10/26/2021</a:t>
+              <a:t>11/1/2021</a:t>
             </a:fld>
             <a:endParaRPr lang="en-US" dirty="0"/>
           </a:p>
@@ -5324,7 +5355,7 @@
           <a:p>
             <a:fld id="{D9C646AA-F36E-4540-911D-FFFC0A0EF24A}" type="datetime1">
               <a:rPr lang="en-US" smtClean="0"/>
-              <a:t>10/26/2021</a:t>
+              <a:t>11/1/2021</a:t>
             </a:fld>
             <a:endParaRPr lang="en-US" dirty="0"/>
           </a:p>
@@ -5644,7 +5675,7 @@
           <a:p>
             <a:fld id="{69186D26-FA5F-4637-B602-B7C2DC34CFD4}" type="datetime1">
               <a:rPr lang="en-US" smtClean="0"/>
-              <a:t>10/26/2021</a:t>
+              <a:t>11/1/2021</a:t>
             </a:fld>
             <a:endParaRPr lang="en-US" dirty="0"/>
           </a:p>
@@ -6081,7 +6112,7 @@
           <a:p>
             <a:fld id="{8A7F15D8-96D1-4781-BC50-CA8A088B2FE4}" type="datetime1">
               <a:rPr lang="en-US" smtClean="0"/>
-              <a:t>10/26/2021</a:t>
+              <a:t>11/1/2021</a:t>
             </a:fld>
             <a:endParaRPr lang="en-US" dirty="0"/>
           </a:p>
@@ -6199,7 +6230,7 @@
           <a:p>
             <a:fld id="{F9A96C99-B8F8-4528-BD05-0E16E943DC09}" type="datetime1">
               <a:rPr lang="en-US" smtClean="0"/>
-              <a:t>10/26/2021</a:t>
+              <a:t>11/1/2021</a:t>
             </a:fld>
             <a:endParaRPr lang="en-US" dirty="0"/>
           </a:p>
@@ -6294,7 +6325,7 @@
           <a:p>
             <a:fld id="{03636942-C211-4B28-8DBD-C953E00AF71B}" type="datetime1">
               <a:rPr lang="en-US" smtClean="0"/>
-              <a:t>10/26/2021</a:t>
+              <a:t>11/1/2021</a:t>
             </a:fld>
             <a:endParaRPr lang="en-US" dirty="0"/>
           </a:p>
@@ -6711,7 +6742,7 @@
           <a:p>
             <a:fld id="{7E8D12A6-918A-48BD-8CB9-CA713993B0EA}" type="datetime1">
               <a:rPr lang="en-US" smtClean="0"/>
-              <a:t>10/26/2021</a:t>
+              <a:t>11/1/2021</a:t>
             </a:fld>
             <a:endParaRPr lang="en-US" dirty="0"/>
           </a:p>
@@ -6973,7 +7004,7 @@
             <a:fld id="{E778CE86-875F-4587-BCF6-FA054AFC0D53}" type="datetime1">
               <a:rPr lang="en-US" smtClean="0"/>
               <a:pPr/>
-              <a:t>10/26/2021</a:t>
+              <a:t>11/1/2021</a:t>
             </a:fld>
             <a:endParaRPr lang="en-US" dirty="0"/>
           </a:p>
@@ -7489,7 +7520,7 @@
           <a:p>
             <a:fld id="{F6FA2B21-3FCD-4721-B95C-427943F61125}" type="datetime1">
               <a:rPr lang="en-US" smtClean="0"/>
-              <a:t>10/26/2021</a:t>
+              <a:t>11/1/2021</a:t>
             </a:fld>
             <a:endParaRPr lang="en-US" dirty="0"/>
           </a:p>
@@ -8184,18 +8215,13 @@
               </a:spcAft>
             </a:pPr>
             <a:r>
-              <a:rPr lang="en-US" sz="3600">
+              <a:rPr lang="en-US" sz="3600" dirty="0">
                 <a:solidFill>
                   <a:schemeClr val="tx1"/>
                 </a:solidFill>
               </a:rPr>
               <a:t>Validation Projects</a:t>
             </a:r>
-            <a:endParaRPr lang="en-US" sz="3600" dirty="0">
-              <a:solidFill>
-                <a:schemeClr val="tx1"/>
-              </a:solidFill>
-            </a:endParaRPr>
           </a:p>
         </p:txBody>
       </p:sp>
@@ -12529,6 +12555,77 @@
           </a:p>
         </p:txBody>
       </p:sp>
+      <p:sp>
+        <p:nvSpPr>
+          <p:cNvPr id="3" name="Title 1">
+            <a:extLst>
+              <a:ext uri="{FF2B5EF4-FFF2-40B4-BE49-F238E27FC236}">
+                <a16:creationId xmlns:a16="http://schemas.microsoft.com/office/drawing/2014/main" id="{D2554153-2EED-4B93-A8CC-DD148F528429}"/>
+              </a:ext>
+            </a:extLst>
+          </p:cNvPr>
+          <p:cNvSpPr txBox="1">
+            <a:spLocks/>
+          </p:cNvSpPr>
+          <p:nvPr/>
+        </p:nvSpPr>
+        <p:spPr>
+          <a:xfrm>
+            <a:off x="2839638" y="3931226"/>
+            <a:ext cx="6512723" cy="2437232"/>
+          </a:xfrm>
+          <a:prstGeom prst="rect">
+            <a:avLst/>
+          </a:prstGeom>
+        </p:spPr>
+        <p:txBody>
+          <a:bodyPr vert="horz" lIns="91440" tIns="45720" rIns="91440" bIns="45720" rtlCol="0" anchor="ctr">
+            <a:normAutofit/>
+          </a:bodyPr>
+          <a:lstStyle>
+            <a:lvl1pPr algn="ctr" defTabSz="914400" rtl="0" eaLnBrk="1" latinLnBrk="0" hangingPunct="1">
+              <a:lnSpc>
+                <a:spcPct val="83000"/>
+              </a:lnSpc>
+              <a:spcBef>
+                <a:spcPct val="0"/>
+              </a:spcBef>
+              <a:buNone/>
+              <a:defRPr lang="en-US" sz="6800" b="0" i="0" kern="1200" cap="all" spc="-100" baseline="0" dirty="0">
+                <a:solidFill>
+                  <a:schemeClr val="tx1">
+                    <a:lumMod val="85000"/>
+                    <a:lumOff val="15000"/>
+                  </a:schemeClr>
+                </a:solidFill>
+                <a:effectLst/>
+                <a:latin typeface="+mj-lt"/>
+                <a:ea typeface="+mn-ea"/>
+                <a:cs typeface="+mn-cs"/>
+              </a:defRPr>
+            </a:lvl1pPr>
+          </a:lstStyle>
+          <a:p>
+            <a:r>
+              <a:rPr lang="en-US" sz="2000" cap="none" dirty="0">
+                <a:latin typeface="+mn-lt"/>
+              </a:rPr>
+              <a:t>Navigate to </a:t>
+            </a:r>
+            <a:br>
+              <a:rPr lang="en-US" sz="2000" cap="none" dirty="0">
+                <a:latin typeface="+mn-lt"/>
+              </a:rPr>
+            </a:br>
+            <a:r>
+              <a:rPr lang="en-US" sz="2000" cap="none" dirty="0">
+                <a:latin typeface="+mn-lt"/>
+              </a:rPr>
+              <a:t>Materials/Materials-06-Validation_Project_Management</a:t>
+            </a:r>
+          </a:p>
+        </p:txBody>
+      </p:sp>
     </p:spTree>
     <p:extLst>
       <p:ext uri="{BB962C8B-B14F-4D97-AF65-F5344CB8AC3E}">
@@ -14052,15 +14149,6 @@
 </file>
 
 <file path=customXml/item1.xml><?xml version="1.0" encoding="utf-8"?>
-<?mso-contentType ?>
-<FormTemplates xmlns="http://schemas.microsoft.com/sharepoint/v3/contenttype/forms">
-  <Display>DocumentLibraryForm</Display>
-  <Edit>DocumentLibraryForm</Edit>
-  <New>DocumentLibraryForm</New>
-</FormTemplates>
-</file>
-
-<file path=customXml/item2.xml><?xml version="1.0" encoding="utf-8"?>
 <ct:contentTypeSchema xmlns:ct="http://schemas.microsoft.com/office/2006/metadata/contentType" xmlns:ma="http://schemas.microsoft.com/office/2006/metadata/properties/metaAttributes" ct:_="" ma:_="" ma:contentTypeName="Document" ma:contentTypeID="0x01010079F111ED35F8CC479449609E8A0923A6" ma:contentTypeVersion="12" ma:contentTypeDescription="Create a new document." ma:contentTypeScope="" ma:versionID="a410dd7f93c95333ffa1b60ed6adedd1">
   <xsd:schema xmlns:xsd="http://www.w3.org/2001/XMLSchema" xmlns:xs="http://www.w3.org/2001/XMLSchema" xmlns:p="http://schemas.microsoft.com/office/2006/metadata/properties" xmlns:ns2="71af3243-3dd4-4a8d-8c0d-dd76da1f02a5" xmlns:ns3="16c05727-aa75-4e4a-9b5f-8a80a1165891" targetNamespace="http://schemas.microsoft.com/office/2006/metadata/properties" ma:root="true" ma:fieldsID="a936d9baba76aa3866493feff160faab" ns2:_="" ns3:_="">
     <xsd:import namespace="71af3243-3dd4-4a8d-8c0d-dd76da1f02a5"/>
@@ -14281,6 +14369,15 @@
 </ct:contentTypeSchema>
 </file>
 
+<file path=customXml/item2.xml><?xml version="1.0" encoding="utf-8"?>
+<?mso-contentType ?>
+<FormTemplates xmlns="http://schemas.microsoft.com/sharepoint/v3/contenttype/forms">
+  <Display>DocumentLibraryForm</Display>
+  <Edit>DocumentLibraryForm</Edit>
+  <New>DocumentLibraryForm</New>
+</FormTemplates>
+</file>
+
 <file path=customXml/item3.xml><?xml version="1.0" encoding="utf-8"?>
 <p:properties xmlns:p="http://schemas.microsoft.com/office/2006/metadata/properties" xmlns:xsi="http://www.w3.org/2001/XMLSchema-instance" xmlns:pc="http://schemas.microsoft.com/office/infopath/2007/PartnerControls">
   <documentManagement>
@@ -14291,14 +14388,6 @@
 </file>
 
 <file path=customXml/itemProps1.xml><?xml version="1.0" encoding="utf-8"?>
-<ds:datastoreItem xmlns:ds="http://schemas.openxmlformats.org/officeDocument/2006/customXml" ds:itemID="{CDB58277-F8DF-46FF-84EC-EF41B835E69F}">
-  <ds:schemaRefs>
-    <ds:schemaRef ds:uri="http://schemas.microsoft.com/sharepoint/v3/contenttype/forms"/>
-  </ds:schemaRefs>
-</ds:datastoreItem>
-</file>
-
-<file path=customXml/itemProps2.xml><?xml version="1.0" encoding="utf-8"?>
 <ds:datastoreItem xmlns:ds="http://schemas.openxmlformats.org/officeDocument/2006/customXml" ds:itemID="{2D276E62-80A3-44DD-9BCC-97ED2B99B57F}">
   <ds:schemaRefs>
     <ds:schemaRef ds:uri="http://schemas.microsoft.com/office/2006/metadata/contentType"/>
@@ -14317,18 +14406,26 @@
 </ds:datastoreItem>
 </file>
 
+<file path=customXml/itemProps2.xml><?xml version="1.0" encoding="utf-8"?>
+<ds:datastoreItem xmlns:ds="http://schemas.openxmlformats.org/officeDocument/2006/customXml" ds:itemID="{CDB58277-F8DF-46FF-84EC-EF41B835E69F}">
+  <ds:schemaRefs>
+    <ds:schemaRef ds:uri="http://schemas.microsoft.com/sharepoint/v3/contenttype/forms"/>
+  </ds:schemaRefs>
+</ds:datastoreItem>
+</file>
+
 <file path=customXml/itemProps3.xml><?xml version="1.0" encoding="utf-8"?>
 <ds:datastoreItem xmlns:ds="http://schemas.openxmlformats.org/officeDocument/2006/customXml" ds:itemID="{137651BA-F45C-4845-9AB3-E0A65B39F5E1}">
   <ds:schemaRefs>
+    <ds:schemaRef ds:uri="http://purl.org/dc/terms/"/>
     <ds:schemaRef ds:uri="http://schemas.openxmlformats.org/package/2006/metadata/core-properties"/>
-    <ds:schemaRef ds:uri="16c05727-aa75-4e4a-9b5f-8a80a1165891"/>
+    <ds:schemaRef ds:uri="http://schemas.microsoft.com/office/2006/documentManagement/types"/>
     <ds:schemaRef ds:uri="http://purl.org/dc/dcmitype/"/>
     <ds:schemaRef ds:uri="http://schemas.microsoft.com/office/infopath/2007/PartnerControls"/>
     <ds:schemaRef ds:uri="http://purl.org/dc/elements/1.1/"/>
-    <ds:schemaRef ds:uri="http://schemas.microsoft.com/office/2006/documentManagement/types"/>
-    <ds:schemaRef ds:uri="http://purl.org/dc/terms/"/>
+    <ds:schemaRef ds:uri="http://schemas.microsoft.com/office/2006/metadata/properties"/>
+    <ds:schemaRef ds:uri="16c05727-aa75-4e4a-9b5f-8a80a1165891"/>
     <ds:schemaRef ds:uri="71af3243-3dd4-4a8d-8c0d-dd76da1f02a5"/>
-    <ds:schemaRef ds:uri="http://schemas.microsoft.com/office/2006/metadata/properties"/>
     <ds:schemaRef ds:uri="http://www.w3.org/XML/1998/namespace"/>
   </ds:schemaRefs>
 </ds:datastoreItem>
